--- a/trunk/ tsp01-contratos-clientes/ITERACION01_TP01/S02/PPT SI02 MAN.pptx
+++ b/trunk/ tsp01-contratos-clientes/ITERACION01_TP01/S02/PPT SI02 MAN.pptx
@@ -5,7 +5,7 @@
     <p:sldMasterId id="2147483660" r:id="rId1"/>
   </p:sldMasterIdLst>
   <p:notesMasterIdLst>
-    <p:notesMasterId r:id="rId13"/>
+    <p:notesMasterId r:id="rId14"/>
   </p:notesMasterIdLst>
   <p:sldIdLst>
     <p:sldId id="256" r:id="rId2"/>
@@ -18,7 +18,8 @@
     <p:sldId id="281" r:id="rId9"/>
     <p:sldId id="282" r:id="rId10"/>
     <p:sldId id="277" r:id="rId11"/>
-    <p:sldId id="260" r:id="rId12"/>
+    <p:sldId id="283" r:id="rId12"/>
+    <p:sldId id="260" r:id="rId13"/>
   </p:sldIdLst>
   <p:sldSz cx="9144000" cy="6858000" type="screen4x3"/>
   <p:notesSz cx="6858000" cy="9144000"/>
@@ -252,7 +253,7 @@
             <a:pPr>
               <a:defRPr/>
             </a:pPr>
-            <a:fld id="{9571B430-C6A9-4756-960C-6AD6BD007025}" type="datetimeFigureOut">
+            <a:fld id="{0EBAB648-6A80-4E15-81A6-A136A817E91F}" type="datetimeFigureOut">
               <a:rPr lang="es-PE"/>
               <a:pPr>
                 <a:defRPr/>
@@ -439,7 +440,7 @@
             <a:pPr>
               <a:defRPr/>
             </a:pPr>
-            <a:fld id="{5F1B2C71-FD5A-444F-9741-F7AB5755F46D}" type="slidenum">
+            <a:fld id="{5F2BD28E-7C3F-4547-AEF4-0F472A6421C9}" type="slidenum">
               <a:rPr lang="es-PE"/>
               <a:pPr>
                 <a:defRPr/>
@@ -451,11 +452,6 @@
         </p:txBody>
       </p:sp>
     </p:spTree>
-    <p:extLst>
-      <p:ext uri="{BB962C8B-B14F-4D97-AF65-F5344CB8AC3E}">
-        <p14:creationId xmlns:p14="http://schemas.microsoft.com/office/powerpoint/2010/main" xmlns="" val="3729555373"/>
-      </p:ext>
-    </p:extLst>
   </p:cSld>
   <p:clrMap bg1="lt1" tx1="dk1" bg2="lt2" tx2="dk2" accent1="accent1" accent2="accent2" accent3="accent3" accent4="accent4" accent5="accent5" accent6="accent6" hlink="hlink" folHlink="folHlink"/>
   <p:notesStyle>
@@ -602,7 +598,7 @@
       </p:grpSpPr>
       <p:sp>
         <p:nvSpPr>
-          <p:cNvPr id="26625" name="1 Marcador de imagen de diapositiva"/>
+          <p:cNvPr id="18433" name="1 Marcador de imagen de diapositiva"/>
           <p:cNvSpPr>
             <a:spLocks noGrp="1" noRot="1" noChangeAspect="1"/>
           </p:cNvSpPr>
@@ -624,7 +620,7 @@
       </p:sp>
       <p:sp>
         <p:nvSpPr>
-          <p:cNvPr id="26626" name="2 Marcador de notas"/>
+          <p:cNvPr id="18434" name="2 Marcador de notas"/>
           <p:cNvSpPr>
             <a:spLocks noGrp="1"/>
           </p:cNvSpPr>
@@ -686,7 +682,7 @@
               </a:spcAft>
               <a:defRPr/>
             </a:pPr>
-            <a:fld id="{D065CC8E-5CEF-4F01-89C7-0F49564960C6}" type="slidenum">
+            <a:fld id="{B6A5EB5C-87B7-4E3D-B0D2-2E90342204A8}" type="slidenum">
               <a:rPr lang="es-PE"/>
               <a:pPr fontAlgn="base">
                 <a:spcBef>
@@ -730,7 +726,7 @@
       </p:grpSpPr>
       <p:sp>
         <p:nvSpPr>
-          <p:cNvPr id="26625" name="1 Marcador de imagen de diapositiva"/>
+          <p:cNvPr id="20481" name="1 Marcador de imagen de diapositiva"/>
           <p:cNvSpPr>
             <a:spLocks noGrp="1" noRot="1" noChangeAspect="1"/>
           </p:cNvSpPr>
@@ -752,7 +748,7 @@
       </p:sp>
       <p:sp>
         <p:nvSpPr>
-          <p:cNvPr id="26626" name="2 Marcador de notas"/>
+          <p:cNvPr id="20482" name="2 Marcador de notas"/>
           <p:cNvSpPr>
             <a:spLocks noGrp="1"/>
           </p:cNvSpPr>
@@ -814,7 +810,7 @@
               </a:spcAft>
               <a:defRPr/>
             </a:pPr>
-            <a:fld id="{D065CC8E-5CEF-4F01-89C7-0F49564960C6}" type="slidenum">
+            <a:fld id="{45065BC2-30D5-473D-9295-1DB45486D0C8}" type="slidenum">
               <a:rPr lang="es-PE"/>
               <a:pPr fontAlgn="base">
                 <a:spcBef>
@@ -2699,7 +2695,7 @@
             <a:pPr>
               <a:defRPr/>
             </a:pPr>
-            <a:fld id="{604E7FF0-8D77-472C-A19E-53E0003787F6}" type="datetimeFigureOut">
+            <a:fld id="{6B2A9F95-9252-4517-93ED-50A2ACF9CD89}" type="datetimeFigureOut">
               <a:rPr lang="es-PE"/>
               <a:pPr>
                 <a:defRPr/>
@@ -2758,7 +2754,7 @@
             <a:pPr>
               <a:defRPr/>
             </a:pPr>
-            <a:fld id="{78636F7C-A71F-44E5-A652-8B595E0BE2EA}" type="slidenum">
+            <a:fld id="{C81F88C1-CAB5-46EF-9BDC-A0240AA3DF51}" type="slidenum">
               <a:rPr lang="es-PE"/>
               <a:pPr>
                 <a:defRPr/>
@@ -2907,7 +2903,7 @@
             <a:pPr>
               <a:defRPr/>
             </a:pPr>
-            <a:fld id="{4DEFEA86-30FB-4CC1-82DB-1D21E5D828F2}" type="datetimeFigureOut">
+            <a:fld id="{E17C7485-D192-4227-8CFA-A5F1BB18A0C3}" type="datetimeFigureOut">
               <a:rPr lang="es-PE"/>
               <a:pPr>
                 <a:defRPr/>
@@ -2966,7 +2962,7 @@
             <a:pPr>
               <a:defRPr/>
             </a:pPr>
-            <a:fld id="{0588C6C8-573C-48EE-ACCA-8C87EE7E3F6C}" type="slidenum">
+            <a:fld id="{FE0A59FA-0545-48DD-B8C2-87430AFC0FFE}" type="slidenum">
               <a:rPr lang="es-PE"/>
               <a:pPr>
                 <a:defRPr/>
@@ -4812,7 +4808,7 @@
             <a:pPr>
               <a:defRPr/>
             </a:pPr>
-            <a:fld id="{C7334E80-62AA-4875-B231-B8BC0B99E933}" type="datetimeFigureOut">
+            <a:fld id="{D35E681C-0847-492D-A7AA-FA2733398959}" type="datetimeFigureOut">
               <a:rPr lang="es-PE"/>
               <a:pPr>
                 <a:defRPr/>
@@ -4871,7 +4867,7 @@
             <a:pPr>
               <a:defRPr/>
             </a:pPr>
-            <a:fld id="{1D619740-AB4B-48C4-8866-9B664CEB639A}" type="slidenum">
+            <a:fld id="{F4B9FB62-985F-4079-B60C-F4CC0D9B3799}" type="slidenum">
               <a:rPr lang="es-PE"/>
               <a:pPr>
                 <a:defRPr/>
@@ -4929,7 +4925,7 @@
             <a:pPr>
               <a:defRPr/>
             </a:pPr>
-            <a:fld id="{65214564-5CDC-467F-9AC9-A795606658EE}" type="datetimeFigureOut">
+            <a:fld id="{0BA6CFAE-EB7C-45BE-9CB0-B1F0DF46505C}" type="datetimeFigureOut">
               <a:rPr lang="es-PE"/>
               <a:pPr>
                 <a:defRPr/>
@@ -4988,7 +4984,7 @@
             <a:pPr>
               <a:defRPr/>
             </a:pPr>
-            <a:fld id="{72D0BF24-024B-4667-985F-6DE1216429C0}" type="slidenum">
+            <a:fld id="{F6477DB7-8A20-47F2-A873-186DFA444C16}" type="slidenum">
               <a:rPr lang="es-PE"/>
               <a:pPr>
                 <a:defRPr/>
@@ -5121,7 +5117,7 @@
             <a:pPr>
               <a:defRPr/>
             </a:pPr>
-            <a:fld id="{D355B64F-0C79-4FEF-8C7F-226E8CE93F17}" type="datetimeFigureOut">
+            <a:fld id="{5289ECC0-449B-416B-94FF-1A9B98DA5B9D}" type="datetimeFigureOut">
               <a:rPr lang="es-PE"/>
               <a:pPr>
                 <a:defRPr/>
@@ -5180,7 +5176,7 @@
             <a:pPr>
               <a:defRPr/>
             </a:pPr>
-            <a:fld id="{A289F2A9-FFBF-4114-8BB0-B9FAC8FE8D2D}" type="slidenum">
+            <a:fld id="{C34280A7-722D-4D18-B1CD-2A1FACA478B8}" type="slidenum">
               <a:rPr lang="es-PE"/>
               <a:pPr>
                 <a:defRPr/>
@@ -7038,7 +7034,7 @@
             <a:pPr>
               <a:defRPr/>
             </a:pPr>
-            <a:fld id="{C6575ED4-7416-4277-A626-1778A6974D28}" type="datetimeFigureOut">
+            <a:fld id="{4B62A743-DF09-4067-9744-C697FF7C5525}" type="datetimeFigureOut">
               <a:rPr lang="es-PE"/>
               <a:pPr>
                 <a:defRPr/>
@@ -7097,7 +7093,7 @@
             <a:pPr>
               <a:defRPr/>
             </a:pPr>
-            <a:fld id="{C650CB4B-3CBF-4F95-B470-B3134F98EE9B}" type="slidenum">
+            <a:fld id="{48CA171C-CAB3-4C36-AA1D-0E41209EC911}" type="slidenum">
               <a:rPr lang="es-PE"/>
               <a:pPr>
                 <a:defRPr/>
@@ -7292,7 +7288,7 @@
             <a:pPr>
               <a:defRPr/>
             </a:pPr>
-            <a:fld id="{497C6A03-2F43-482E-93E2-21EEE706649E}" type="datetimeFigureOut">
+            <a:fld id="{B4BD8547-1284-4EE6-98CA-DC26B7DA91C0}" type="datetimeFigureOut">
               <a:rPr lang="es-PE"/>
               <a:pPr>
                 <a:defRPr/>
@@ -7351,7 +7347,7 @@
             <a:pPr>
               <a:defRPr/>
             </a:pPr>
-            <a:fld id="{BCC2941B-24C6-4B71-8E86-7B0E5495527B}" type="slidenum">
+            <a:fld id="{412E8AA4-36DA-4A5D-BEF7-D2918AA488F6}" type="slidenum">
               <a:rPr lang="es-PE"/>
               <a:pPr>
                 <a:defRPr/>
@@ -7746,7 +7742,7 @@
             <a:pPr>
               <a:defRPr/>
             </a:pPr>
-            <a:fld id="{DE7DF4CF-13AE-4786-929E-7BD6DF68A405}" type="datetimeFigureOut">
+            <a:fld id="{0A03EE05-B7A5-4D28-853E-7BD77F650632}" type="datetimeFigureOut">
               <a:rPr lang="es-PE"/>
               <a:pPr>
                 <a:defRPr/>
@@ -7805,7 +7801,7 @@
             <a:pPr>
               <a:defRPr/>
             </a:pPr>
-            <a:fld id="{4C9AFBC3-46D5-4A3A-8412-3D975F18EAA2}" type="slidenum">
+            <a:fld id="{BE6F547D-3F96-42A3-8A01-60740C0E3445}" type="slidenum">
               <a:rPr lang="es-PE"/>
               <a:pPr>
                 <a:defRPr/>
@@ -7886,7 +7882,7 @@
             <a:pPr>
               <a:defRPr/>
             </a:pPr>
-            <a:fld id="{C76A6B84-69FA-4304-AD14-DBD728314C32}" type="datetimeFigureOut">
+            <a:fld id="{2189B5B3-5366-4C9F-A305-F6BFC825CD9E}" type="datetimeFigureOut">
               <a:rPr lang="es-PE"/>
               <a:pPr>
                 <a:defRPr/>
@@ -7945,7 +7941,7 @@
             <a:pPr>
               <a:defRPr/>
             </a:pPr>
-            <a:fld id="{B8984F81-8C02-435F-B9BA-D557A5A92887}" type="slidenum">
+            <a:fld id="{54C12960-9B17-4B98-96A6-E504AC84656D}" type="slidenum">
               <a:rPr lang="es-PE"/>
               <a:pPr>
                 <a:defRPr/>
@@ -9667,7 +9663,7 @@
             <a:pPr>
               <a:defRPr/>
             </a:pPr>
-            <a:fld id="{42D18561-A0C0-45D9-8070-9169DE0198D7}" type="datetimeFigureOut">
+            <a:fld id="{538D82CD-BFC5-462E-AECB-980915D0B884}" type="datetimeFigureOut">
               <a:rPr lang="es-PE"/>
               <a:pPr>
                 <a:defRPr/>
@@ -9726,7 +9722,7 @@
             <a:pPr>
               <a:defRPr/>
             </a:pPr>
-            <a:fld id="{A28D48C5-34B2-4E78-A599-945388C0F4EC}" type="slidenum">
+            <a:fld id="{EEEB8636-CE15-4190-AB53-AC937FA194E6}" type="slidenum">
               <a:rPr lang="es-PE"/>
               <a:pPr>
                 <a:defRPr/>
@@ -11683,7 +11679,7 @@
             <a:pPr>
               <a:defRPr/>
             </a:pPr>
-            <a:fld id="{7778F3A8-D09F-4CCF-9D84-32F4565B2569}" type="datetimeFigureOut">
+            <a:fld id="{1C3CA104-50E6-4991-866F-93D2BBEF97F6}" type="datetimeFigureOut">
               <a:rPr lang="es-PE"/>
               <a:pPr>
                 <a:defRPr/>
@@ -11742,7 +11738,7 @@
             <a:pPr>
               <a:defRPr/>
             </a:pPr>
-            <a:fld id="{0DBA05C3-D83A-4042-BA36-447EFA02E7F2}" type="slidenum">
+            <a:fld id="{7B5750A9-1826-4BA3-914D-A2368A8061D9}" type="slidenum">
               <a:rPr lang="es-PE"/>
               <a:pPr>
                 <a:defRPr/>
@@ -13670,7 +13666,7 @@
             <a:pPr>
               <a:defRPr/>
             </a:pPr>
-            <a:fld id="{4AD6A8A4-FD9B-46FB-8097-4C761002056B}" type="datetimeFigureOut">
+            <a:fld id="{2D94CD6D-32AC-4458-9411-6B10AE7C015E}" type="datetimeFigureOut">
               <a:rPr lang="es-PE"/>
               <a:pPr>
                 <a:defRPr/>
@@ -13729,7 +13725,7 @@
             <a:pPr>
               <a:defRPr/>
             </a:pPr>
-            <a:fld id="{57DDC9C9-2BD2-4196-8EE8-20888702ABCF}" type="slidenum">
+            <a:fld id="{15369A45-4D01-43AA-A234-572E2C0E0F41}" type="slidenum">
               <a:rPr lang="es-PE"/>
               <a:pPr>
                 <a:defRPr/>
@@ -15518,7 +15514,7 @@
             <a:pPr>
               <a:defRPr/>
             </a:pPr>
-            <a:fld id="{A7EEEB7B-FC29-4850-8DA0-9E781842AD8A}" type="datetimeFigureOut">
+            <a:fld id="{4B569F71-A3BB-4E09-AB90-ECD90E1BA413}" type="datetimeFigureOut">
               <a:rPr lang="es-PE"/>
               <a:pPr>
                 <a:defRPr/>
@@ -15615,7 +15611,7 @@
             <a:pPr>
               <a:defRPr/>
             </a:pPr>
-            <a:fld id="{98F81889-6298-4DA0-B8B3-C0E0B00CDB0B}" type="slidenum">
+            <a:fld id="{D582687B-BA23-4178-AB35-8D31CA6833E0}" type="slidenum">
               <a:rPr lang="es-PE"/>
               <a:pPr>
                 <a:defRPr/>
@@ -16158,8 +16154,8 @@
         </p:nvSpPr>
         <p:spPr>
           <a:xfrm>
-            <a:off x="1043608" y="2636838"/>
-            <a:ext cx="6912768" cy="936178"/>
+            <a:off x="1042988" y="2636838"/>
+            <a:ext cx="6913562" cy="936625"/>
           </a:xfrm>
         </p:spPr>
         <p:txBody>
@@ -16168,19 +16164,18 @@
           </a:bodyPr>
           <a:lstStyle/>
           <a:p>
-            <a:pPr eaLnBrk="1" hangingPunct="1"/>
+            <a:pPr eaLnBrk="1" hangingPunct="1">
+              <a:defRPr/>
+            </a:pPr>
             <a:r>
               <a:rPr lang="es-PE" sz="2800" dirty="0" smtClean="0"/>
-              <a:t>MODELADO DEL </a:t>
+              <a:t>MODELADO DEL NEGOCIO</a:t>
             </a:r>
-            <a:r>
-              <a:rPr lang="es-PE" sz="2800" dirty="0" smtClean="0"/>
-              <a:t>NEGOCIO</a:t>
-            </a:r>
-            <a:endParaRPr lang="es-PE" sz="2800" dirty="0" smtClean="0"/>
           </a:p>
           <a:p>
-            <a:pPr eaLnBrk="1" hangingPunct="1"/>
+            <a:pPr eaLnBrk="1" hangingPunct="1">
+              <a:defRPr/>
+            </a:pPr>
             <a:r>
               <a:rPr lang="es-PE" sz="2800" dirty="0" smtClean="0"/>
               <a:t>MODELO DE ANALISIS DEL NEGOCIO</a:t>
@@ -16393,15 +16388,7 @@
                   <a:schemeClr val="tx1"/>
                 </a:solidFill>
               </a:rPr>
-              <a:t>DIAGRAMA </a:t>
-            </a:r>
-            <a:r>
-              <a:rPr lang="es-PE" b="1" dirty="0" smtClean="0">
-                <a:solidFill>
-                  <a:schemeClr val="tx1"/>
-                </a:solidFill>
-              </a:rPr>
-              <a:t>DE CLASES DEL NEGOCIO</a:t>
+              <a:t>DIAGRAMA DE CLASES DEL NEGOCIO</a:t>
             </a:r>
             <a:endParaRPr lang="es-PE" b="1" dirty="0">
               <a:solidFill>
@@ -16438,7 +16425,99 @@
       </p:grpSpPr>
       <p:sp>
         <p:nvSpPr>
-          <p:cNvPr id="38913" name="1 Título"/>
+          <p:cNvPr id="3" name="2 Título"/>
+          <p:cNvSpPr>
+            <a:spLocks noGrp="1"/>
+          </p:cNvSpPr>
+          <p:nvPr>
+            <p:ph type="title" idx="4294967295"/>
+          </p:nvPr>
+        </p:nvSpPr>
+        <p:spPr>
+          <a:xfrm>
+            <a:off x="611188" y="404813"/>
+            <a:ext cx="8229600" cy="1252537"/>
+          </a:xfrm>
+        </p:spPr>
+        <p:txBody>
+          <a:bodyPr>
+            <a:normAutofit/>
+          </a:bodyPr>
+          <a:lstStyle/>
+          <a:p>
+            <a:pPr eaLnBrk="1" hangingPunct="1"/>
+            <a:r>
+              <a:rPr lang="es-PE" sz="4000" b="1" smtClean="0">
+                <a:solidFill>
+                  <a:schemeClr val="bg1"/>
+                </a:solidFill>
+              </a:rPr>
+              <a:t>DIAGRAMA DE CLASES DEL NEGOCIO</a:t>
+            </a:r>
+          </a:p>
+        </p:txBody>
+      </p:sp>
+      <p:pic>
+        <p:nvPicPr>
+          <p:cNvPr id="34819" name="Picture 3"/>
+          <p:cNvPicPr>
+            <a:picLocks noChangeAspect="1" noChangeArrowheads="1"/>
+          </p:cNvPicPr>
+          <p:nvPr/>
+        </p:nvPicPr>
+        <p:blipFill>
+          <a:blip r:embed="rId2"/>
+          <a:srcRect/>
+          <a:stretch>
+            <a:fillRect/>
+          </a:stretch>
+        </p:blipFill>
+        <p:spPr bwMode="auto">
+          <a:xfrm>
+            <a:off x="971550" y="1628775"/>
+            <a:ext cx="7416800" cy="5219700"/>
+          </a:xfrm>
+          <a:prstGeom prst="rect">
+            <a:avLst/>
+          </a:prstGeom>
+          <a:noFill/>
+          <a:ln w="9525">
+            <a:noFill/>
+            <a:miter lim="800000"/>
+            <a:headEnd/>
+            <a:tailEnd/>
+          </a:ln>
+          <a:effectLst/>
+        </p:spPr>
+      </p:pic>
+    </p:spTree>
+  </p:cSld>
+  <p:clrMapOvr>
+    <a:masterClrMapping/>
+  </p:clrMapOvr>
+</p:sld>
+</file>
+
+<file path=ppt/slides/slide12.xml><?xml version="1.0" encoding="utf-8"?>
+<p:sld xmlns:a="http://schemas.openxmlformats.org/drawingml/2006/main" xmlns:r="http://schemas.openxmlformats.org/officeDocument/2006/relationships" xmlns:p="http://schemas.openxmlformats.org/presentationml/2006/main">
+  <p:cSld>
+    <p:spTree>
+      <p:nvGrpSpPr>
+        <p:cNvPr id="1" name=""/>
+        <p:cNvGrpSpPr/>
+        <p:nvPr/>
+      </p:nvGrpSpPr>
+      <p:grpSpPr>
+        <a:xfrm>
+          <a:off x="0" y="0"/>
+          <a:ext cx="0" cy="0"/>
+          <a:chOff x="0" y="0"/>
+          <a:chExt cx="0" cy="0"/>
+        </a:xfrm>
+      </p:grpSpPr>
+      <p:sp>
+        <p:nvSpPr>
+          <p:cNvPr id="27649" name="1 Título"/>
           <p:cNvSpPr>
             <a:spLocks noGrp="1"/>
           </p:cNvSpPr>
@@ -16467,7 +16546,7 @@
       </p:sp>
       <p:sp>
         <p:nvSpPr>
-          <p:cNvPr id="38914" name="2 Subtítulo"/>
+          <p:cNvPr id="27650" name="2 Subtítulo"/>
           <p:cNvSpPr>
             <a:spLocks noGrp="1"/>
           </p:cNvSpPr>
@@ -16495,7 +16574,7 @@
       </p:sp>
       <p:sp>
         <p:nvSpPr>
-          <p:cNvPr id="38915" name="3 CuadroTexto"/>
+          <p:cNvPr id="27651" name="3 CuadroTexto"/>
           <p:cNvSpPr txBox="1">
             <a:spLocks noChangeArrowheads="1"/>
           </p:cNvSpPr>
@@ -16580,7 +16659,7 @@
       </p:sp>
       <p:sp>
         <p:nvSpPr>
-          <p:cNvPr id="38916" name="4 CuadroTexto"/>
+          <p:cNvPr id="27652" name="4 CuadroTexto"/>
           <p:cNvSpPr txBox="1">
             <a:spLocks noChangeArrowheads="1"/>
           </p:cNvSpPr>
@@ -16663,7 +16742,7 @@
       </p:grpSpPr>
       <p:sp>
         <p:nvSpPr>
-          <p:cNvPr id="3" name="2 Título"/>
+          <p:cNvPr id="16385" name="2 Título"/>
           <p:cNvSpPr>
             <a:spLocks noGrp="1"/>
           </p:cNvSpPr>
@@ -16678,30 +16757,18 @@
           </a:xfrm>
         </p:spPr>
         <p:txBody>
-          <a:bodyPr rtlCol="0">
-            <a:normAutofit/>
-          </a:bodyPr>
+          <a:bodyPr/>
           <a:lstStyle/>
           <a:p>
-            <a:pPr eaLnBrk="1" fontAlgn="auto" hangingPunct="1">
-              <a:spcAft>
-                <a:spcPts val="0"/>
-              </a:spcAft>
-              <a:defRPr/>
-            </a:pPr>
+            <a:pPr eaLnBrk="1" hangingPunct="1"/>
             <a:r>
-              <a:rPr lang="es-PE" b="1" dirty="0" smtClean="0">
+              <a:rPr lang="es-PE" b="1" smtClean="0">
                 <a:solidFill>
                   <a:schemeClr val="tx1"/>
                 </a:solidFill>
               </a:rPr>
               <a:t>TRABAJORES DEL NEGOCIO</a:t>
             </a:r>
-            <a:endParaRPr lang="es-PE" b="1" dirty="0">
-              <a:solidFill>
-                <a:schemeClr val="tx1"/>
-              </a:solidFill>
-            </a:endParaRPr>
           </a:p>
         </p:txBody>
       </p:sp>
@@ -16774,288 +16841,685 @@
           <p:nvPr/>
         </p:nvGraphicFramePr>
         <p:xfrm>
-          <a:off x="323850" y="2349501"/>
-          <a:ext cx="8496944" cy="4103834"/>
+          <a:off x="323850" y="2349500"/>
+          <a:ext cx="8496300" cy="4103688"/>
         </p:xfrm>
         <a:graphic>
           <a:graphicData uri="http://schemas.openxmlformats.org/drawingml/2006/table">
             <a:tbl>
-              <a:tblPr firstRow="1" bandRow="1">
-                <a:tableStyleId>{BC89EF96-8CEA-46FF-86C4-4CE0E7609802}</a:tableStyleId>
-              </a:tblPr>
+              <a:tblPr/>
               <a:tblGrid>
-                <a:gridCol w="2448272"/>
-                <a:gridCol w="6048672"/>
+                <a:gridCol w="2447925"/>
+                <a:gridCol w="6048375"/>
               </a:tblGrid>
-              <a:tr h="1393693">
+              <a:tr h="1393825">
                 <a:tc>
                   <a:txBody>
                     <a:bodyPr/>
                     <a:lstStyle/>
                     <a:p>
-                      <a:endParaRPr lang="es-ES" dirty="0"/>
+                      <a:pPr marL="0" marR="0" lvl="0" indent="0" algn="l" defTabSz="914400" rtl="0" eaLnBrk="1" fontAlgn="base" latinLnBrk="0" hangingPunct="1">
+                        <a:lnSpc>
+                          <a:spcPct val="100000"/>
+                        </a:lnSpc>
+                        <a:spcBef>
+                          <a:spcPct val="0"/>
+                        </a:spcBef>
+                        <a:spcAft>
+                          <a:spcPct val="0"/>
+                        </a:spcAft>
+                        <a:buClrTx/>
+                        <a:buSzTx/>
+                        <a:buFontTx/>
+                        <a:buNone/>
+                        <a:tabLst/>
+                      </a:pPr>
+                      <a:endParaRPr kumimoji="0" lang="es-ES" sz="1800" b="1" i="0" u="none" strike="noStrike" cap="none" normalizeH="0" baseline="0" smtClean="0">
+                        <a:ln>
+                          <a:noFill/>
+                        </a:ln>
+                        <a:solidFill>
+                          <a:schemeClr val="tx1"/>
+                        </a:solidFill>
+                        <a:effectLst/>
+                        <a:latin typeface="Candara" pitchFamily="34" charset="0"/>
+                      </a:endParaRPr>
                     </a:p>
                   </a:txBody>
-                  <a:tcPr/>
+                  <a:tcPr horzOverflow="overflow">
+                    <a:lnL w="12700" cap="flat" cmpd="sng" algn="ctr">
+                      <a:solidFill>
+                        <a:schemeClr val="accent1"/>
+                      </a:solidFill>
+                      <a:prstDash val="solid"/>
+                      <a:round/>
+                      <a:headEnd type="none" w="med" len="med"/>
+                      <a:tailEnd type="none" w="med" len="med"/>
+                    </a:lnL>
+                    <a:lnR w="12700" cap="flat" cmpd="sng" algn="ctr">
+                      <a:solidFill>
+                        <a:schemeClr val="accent1"/>
+                      </a:solidFill>
+                      <a:prstDash val="solid"/>
+                      <a:round/>
+                      <a:headEnd type="none" w="med" len="med"/>
+                      <a:tailEnd type="none" w="med" len="med"/>
+                    </a:lnR>
+                    <a:lnT w="12700" cap="flat" cmpd="sng" algn="ctr">
+                      <a:solidFill>
+                        <a:schemeClr val="accent1"/>
+                      </a:solidFill>
+                      <a:prstDash val="solid"/>
+                      <a:round/>
+                      <a:headEnd type="none" w="med" len="med"/>
+                      <a:tailEnd type="none" w="med" len="med"/>
+                    </a:lnT>
+                    <a:lnB w="25400" cap="flat" cmpd="sng" algn="ctr">
+                      <a:solidFill>
+                        <a:schemeClr val="accent1"/>
+                      </a:solidFill>
+                      <a:prstDash val="solid"/>
+                      <a:round/>
+                      <a:headEnd type="none" w="med" len="med"/>
+                      <a:tailEnd type="none" w="med" len="med"/>
+                    </a:lnB>
+                    <a:lnTlToBr>
+                      <a:noFill/>
+                    </a:lnTlToBr>
+                    <a:lnBlToTr>
+                      <a:noFill/>
+                    </a:lnBlToTr>
+                    <a:noFill/>
+                  </a:tcPr>
                 </a:tc>
                 <a:tc>
                   <a:txBody>
                     <a:bodyPr/>
                     <a:lstStyle/>
                     <a:p>
-                      <a:pPr marL="0" marR="0" indent="0" algn="l" defTabSz="914400" rtl="0" eaLnBrk="1" fontAlgn="auto" latinLnBrk="0" hangingPunct="1">
+                      <a:pPr marL="0" marR="0" lvl="0" indent="0" algn="l" defTabSz="914400" rtl="0" eaLnBrk="1" fontAlgn="base" latinLnBrk="0" hangingPunct="1">
                         <a:lnSpc>
                           <a:spcPct val="100000"/>
                         </a:lnSpc>
                         <a:spcBef>
-                          <a:spcPts val="0"/>
+                          <a:spcPct val="0"/>
                         </a:spcBef>
                         <a:spcAft>
-                          <a:spcPts val="0"/>
+                          <a:spcPct val="0"/>
                         </a:spcAft>
                         <a:buClrTx/>
                         <a:buSzTx/>
                         <a:buFontTx/>
                         <a:buNone/>
                         <a:tabLst/>
-                        <a:defRPr/>
                       </a:pPr>
-                      <a:endParaRPr lang="es-PE" sz="1800" b="0" kern="1200" dirty="0" smtClean="0">
+                      <a:endParaRPr kumimoji="0" lang="es-PE" sz="1800" b="0" i="0" u="none" strike="noStrike" cap="none" normalizeH="0" baseline="0" smtClean="0">
+                        <a:ln>
+                          <a:noFill/>
+                        </a:ln>
                         <a:solidFill>
                           <a:schemeClr val="tx1"/>
                         </a:solidFill>
-                        <a:latin typeface="+mn-lt"/>
-                        <a:ea typeface="+mn-ea"/>
-                        <a:cs typeface="+mn-cs"/>
+                        <a:effectLst/>
+                        <a:latin typeface="Candara" pitchFamily="34" charset="0"/>
                       </a:endParaRPr>
                     </a:p>
                     <a:p>
-                      <a:pPr marL="0" marR="0" indent="0" algn="l" defTabSz="914400" rtl="0" eaLnBrk="1" fontAlgn="auto" latinLnBrk="0" hangingPunct="1">
+                      <a:pPr marL="0" marR="0" lvl="0" indent="0" algn="l" defTabSz="914400" rtl="0" eaLnBrk="1" fontAlgn="base" latinLnBrk="0" hangingPunct="1">
                         <a:lnSpc>
                           <a:spcPct val="100000"/>
                         </a:lnSpc>
                         <a:spcBef>
-                          <a:spcPts val="0"/>
+                          <a:spcPct val="0"/>
                         </a:spcBef>
                         <a:spcAft>
-                          <a:spcPts val="0"/>
+                          <a:spcPct val="0"/>
                         </a:spcAft>
                         <a:buClrTx/>
                         <a:buSzTx/>
                         <a:buFontTx/>
                         <a:buNone/>
                         <a:tabLst/>
-                        <a:defRPr/>
                       </a:pPr>
-                      <a:endParaRPr lang="es-PE" sz="1800" b="0" kern="1200" dirty="0" smtClean="0">
+                      <a:endParaRPr kumimoji="0" lang="es-PE" sz="1800" b="0" i="0" u="none" strike="noStrike" cap="none" normalizeH="0" baseline="0" smtClean="0">
+                        <a:ln>
+                          <a:noFill/>
+                        </a:ln>
                         <a:solidFill>
                           <a:schemeClr val="tx1"/>
                         </a:solidFill>
-                        <a:latin typeface="+mn-lt"/>
-                        <a:ea typeface="+mn-ea"/>
-                        <a:cs typeface="+mn-cs"/>
+                        <a:effectLst/>
+                        <a:latin typeface="Candara" pitchFamily="34" charset="0"/>
                       </a:endParaRPr>
                     </a:p>
                     <a:p>
-                      <a:pPr marL="0" marR="0" indent="0" algn="l" defTabSz="914400" rtl="0" eaLnBrk="1" fontAlgn="auto" latinLnBrk="0" hangingPunct="1">
+                      <a:pPr marL="0" marR="0" lvl="0" indent="0" algn="l" defTabSz="914400" rtl="0" eaLnBrk="1" fontAlgn="base" latinLnBrk="0" hangingPunct="1">
                         <a:lnSpc>
                           <a:spcPct val="100000"/>
                         </a:lnSpc>
                         <a:spcBef>
-                          <a:spcPts val="0"/>
+                          <a:spcPct val="0"/>
                         </a:spcBef>
                         <a:spcAft>
-                          <a:spcPts val="0"/>
+                          <a:spcPct val="0"/>
                         </a:spcAft>
                         <a:buClrTx/>
                         <a:buSzTx/>
                         <a:buFontTx/>
                         <a:buNone/>
                         <a:tabLst/>
-                        <a:defRPr/>
                       </a:pPr>
                       <a:r>
-                        <a:rPr lang="es-PE" sz="1800" b="0" kern="1200" dirty="0" smtClean="0">
+                        <a:rPr kumimoji="0" lang="es-PE" sz="1800" b="0" i="0" u="none" strike="noStrike" cap="none" normalizeH="0" baseline="0" smtClean="0">
+                          <a:ln>
+                            <a:noFill/>
+                          </a:ln>
                           <a:solidFill>
                             <a:schemeClr val="tx1"/>
                           </a:solidFill>
-                          <a:latin typeface="+mn-lt"/>
-                          <a:ea typeface="+mn-ea"/>
-                          <a:cs typeface="+mn-cs"/>
+                          <a:effectLst/>
+                          <a:latin typeface="Candara" pitchFamily="34" charset="0"/>
                         </a:rPr>
                         <a:t>Persona encargada de gestionar los contratos de clientes.</a:t>
                       </a:r>
-                      <a:endParaRPr lang="es-ES" sz="1800" b="0" kern="1200" dirty="0" smtClean="0">
+                      <a:endParaRPr kumimoji="0" lang="es-ES" sz="1800" b="0" i="0" u="none" strike="noStrike" cap="none" normalizeH="0" baseline="0" smtClean="0">
+                        <a:ln>
+                          <a:noFill/>
+                        </a:ln>
                         <a:solidFill>
                           <a:schemeClr val="tx1"/>
                         </a:solidFill>
-                        <a:latin typeface="+mn-lt"/>
-                        <a:ea typeface="+mn-ea"/>
-                        <a:cs typeface="+mn-cs"/>
+                        <a:effectLst/>
+                        <a:latin typeface="Candara" pitchFamily="34" charset="0"/>
                       </a:endParaRPr>
                     </a:p>
                     <a:p>
-                      <a:endParaRPr lang="es-ES" dirty="0"/>
+                      <a:pPr marL="0" marR="0" lvl="0" indent="0" algn="l" defTabSz="914400" rtl="0" eaLnBrk="1" fontAlgn="base" latinLnBrk="0" hangingPunct="1">
+                        <a:lnSpc>
+                          <a:spcPct val="100000"/>
+                        </a:lnSpc>
+                        <a:spcBef>
+                          <a:spcPct val="0"/>
+                        </a:spcBef>
+                        <a:spcAft>
+                          <a:spcPct val="0"/>
+                        </a:spcAft>
+                        <a:buClrTx/>
+                        <a:buSzTx/>
+                        <a:buFontTx/>
+                        <a:buNone/>
+                        <a:tabLst/>
+                      </a:pPr>
+                      <a:endParaRPr kumimoji="0" lang="es-ES" sz="1800" b="1" i="0" u="none" strike="noStrike" cap="none" normalizeH="0" baseline="0" smtClean="0">
+                        <a:ln>
+                          <a:noFill/>
+                        </a:ln>
+                        <a:solidFill>
+                          <a:schemeClr val="tx1"/>
+                        </a:solidFill>
+                        <a:effectLst/>
+                        <a:latin typeface="Candara" pitchFamily="34" charset="0"/>
+                      </a:endParaRPr>
                     </a:p>
                   </a:txBody>
-                  <a:tcPr/>
+                  <a:tcPr horzOverflow="overflow">
+                    <a:lnL w="12700" cap="flat" cmpd="sng" algn="ctr">
+                      <a:solidFill>
+                        <a:schemeClr val="accent1"/>
+                      </a:solidFill>
+                      <a:prstDash val="solid"/>
+                      <a:round/>
+                      <a:headEnd type="none" w="med" len="med"/>
+                      <a:tailEnd type="none" w="med" len="med"/>
+                    </a:lnL>
+                    <a:lnR w="12700" cap="flat" cmpd="sng" algn="ctr">
+                      <a:solidFill>
+                        <a:schemeClr val="accent1"/>
+                      </a:solidFill>
+                      <a:prstDash val="solid"/>
+                      <a:round/>
+                      <a:headEnd type="none" w="med" len="med"/>
+                      <a:tailEnd type="none" w="med" len="med"/>
+                    </a:lnR>
+                    <a:lnT w="12700" cap="flat" cmpd="sng" algn="ctr">
+                      <a:solidFill>
+                        <a:schemeClr val="accent1"/>
+                      </a:solidFill>
+                      <a:prstDash val="solid"/>
+                      <a:round/>
+                      <a:headEnd type="none" w="med" len="med"/>
+                      <a:tailEnd type="none" w="med" len="med"/>
+                    </a:lnT>
+                    <a:lnB w="25400" cap="flat" cmpd="sng" algn="ctr">
+                      <a:solidFill>
+                        <a:schemeClr val="accent1"/>
+                      </a:solidFill>
+                      <a:prstDash val="solid"/>
+                      <a:round/>
+                      <a:headEnd type="none" w="med" len="med"/>
+                      <a:tailEnd type="none" w="med" len="med"/>
+                    </a:lnB>
+                    <a:lnTlToBr>
+                      <a:noFill/>
+                    </a:lnTlToBr>
+                    <a:lnBlToTr>
+                      <a:noFill/>
+                    </a:lnBlToTr>
+                    <a:noFill/>
+                  </a:tcPr>
                 </a:tc>
               </a:tr>
-              <a:tr h="1394326">
+              <a:tr h="1393825">
                 <a:tc>
                   <a:txBody>
                     <a:bodyPr/>
                     <a:lstStyle/>
                     <a:p>
-                      <a:endParaRPr lang="es-ES" dirty="0"/>
+                      <a:pPr marL="0" marR="0" lvl="0" indent="0" algn="l" defTabSz="914400" rtl="0" eaLnBrk="1" fontAlgn="base" latinLnBrk="0" hangingPunct="1">
+                        <a:lnSpc>
+                          <a:spcPct val="100000"/>
+                        </a:lnSpc>
+                        <a:spcBef>
+                          <a:spcPct val="0"/>
+                        </a:spcBef>
+                        <a:spcAft>
+                          <a:spcPct val="0"/>
+                        </a:spcAft>
+                        <a:buClrTx/>
+                        <a:buSzTx/>
+                        <a:buFontTx/>
+                        <a:buNone/>
+                        <a:tabLst/>
+                      </a:pPr>
+                      <a:endParaRPr kumimoji="0" lang="es-ES" sz="1800" b="0" i="0" u="none" strike="noStrike" cap="none" normalizeH="0" baseline="0" smtClean="0">
+                        <a:ln>
+                          <a:noFill/>
+                        </a:ln>
+                        <a:solidFill>
+                          <a:schemeClr val="tx1"/>
+                        </a:solidFill>
+                        <a:effectLst/>
+                        <a:latin typeface="Candara" pitchFamily="34" charset="0"/>
+                      </a:endParaRPr>
                     </a:p>
                   </a:txBody>
-                  <a:tcPr/>
+                  <a:tcPr horzOverflow="overflow">
+                    <a:lnL w="12700" cap="flat" cmpd="sng" algn="ctr">
+                      <a:solidFill>
+                        <a:schemeClr val="accent1"/>
+                      </a:solidFill>
+                      <a:prstDash val="solid"/>
+                      <a:round/>
+                      <a:headEnd type="none" w="med" len="med"/>
+                      <a:tailEnd type="none" w="med" len="med"/>
+                    </a:lnL>
+                    <a:lnR w="12700" cap="flat" cmpd="sng" algn="ctr">
+                      <a:solidFill>
+                        <a:schemeClr val="accent1"/>
+                      </a:solidFill>
+                      <a:prstDash val="solid"/>
+                      <a:round/>
+                      <a:headEnd type="none" w="med" len="med"/>
+                      <a:tailEnd type="none" w="med" len="med"/>
+                    </a:lnR>
+                    <a:lnT w="25400" cap="flat" cmpd="sng" algn="ctr">
+                      <a:solidFill>
+                        <a:schemeClr val="accent1"/>
+                      </a:solidFill>
+                      <a:prstDash val="solid"/>
+                      <a:round/>
+                      <a:headEnd type="none" w="med" len="med"/>
+                      <a:tailEnd type="none" w="med" len="med"/>
+                    </a:lnT>
+                    <a:lnB w="12700" cap="flat" cmpd="sng" algn="ctr">
+                      <a:solidFill>
+                        <a:schemeClr val="accent1"/>
+                      </a:solidFill>
+                      <a:prstDash val="solid"/>
+                      <a:round/>
+                      <a:headEnd type="none" w="med" len="med"/>
+                      <a:tailEnd type="none" w="med" len="med"/>
+                    </a:lnB>
+                    <a:lnTlToBr>
+                      <a:noFill/>
+                    </a:lnTlToBr>
+                    <a:lnBlToTr>
+                      <a:noFill/>
+                    </a:lnBlToTr>
+                    <a:solidFill>
+                      <a:schemeClr val="accent1">
+                        <a:alpha val="20000"/>
+                      </a:schemeClr>
+                    </a:solidFill>
+                  </a:tcPr>
                 </a:tc>
                 <a:tc>
                   <a:txBody>
                     <a:bodyPr/>
                     <a:lstStyle/>
                     <a:p>
-                      <a:pPr marL="0" marR="0" indent="0" algn="l" defTabSz="914400" rtl="0" eaLnBrk="1" fontAlgn="auto" latinLnBrk="0" hangingPunct="1">
+                      <a:pPr marL="0" marR="0" lvl="0" indent="0" algn="l" defTabSz="914400" rtl="0" eaLnBrk="1" fontAlgn="base" latinLnBrk="0" hangingPunct="1">
                         <a:lnSpc>
                           <a:spcPct val="100000"/>
                         </a:lnSpc>
                         <a:spcBef>
-                          <a:spcPts val="0"/>
+                          <a:spcPct val="0"/>
                         </a:spcBef>
                         <a:spcAft>
-                          <a:spcPts val="0"/>
+                          <a:spcPct val="0"/>
                         </a:spcAft>
                         <a:buClrTx/>
                         <a:buSzTx/>
                         <a:buFontTx/>
                         <a:buNone/>
                         <a:tabLst/>
-                        <a:defRPr/>
                       </a:pPr>
-                      <a:endParaRPr lang="es-ES" sz="1800" i="1" kern="1200" dirty="0" smtClean="0">
-                        <a:solidFill>
-                          <a:schemeClr val="tx1"/>
-                        </a:solidFill>
-                        <a:latin typeface="+mn-lt"/>
-                        <a:ea typeface="+mn-ea"/>
-                        <a:cs typeface="+mn-cs"/>
-                      </a:endParaRPr>
+                      <a:r>
+                        <a:rPr kumimoji="0" lang="es-PE" sz="1800" b="0" i="0" u="none" strike="noStrike" cap="none" normalizeH="0" baseline="0" smtClean="0">
+                          <a:ln>
+                            <a:noFill/>
+                          </a:ln>
+                          <a:solidFill>
+                            <a:schemeClr val="tx1"/>
+                          </a:solidFill>
+                          <a:effectLst/>
+                          <a:latin typeface="Candara" pitchFamily="34" charset="0"/>
+                        </a:rPr>
+                        <a:t>Intermediario y Supervisor en el proceso de Convocatoria de Adquisiciones y Contrataciones del Estado, se encarga de publicar las Bases y la Buena Pro</a:t>
+                      </a:r>
+                      <a:r>
+                        <a:rPr kumimoji="0" lang="es-ES" sz="2000" b="0" i="0" u="none" strike="noStrike" cap="none" normalizeH="0" baseline="0" smtClean="0">
+                          <a:ln>
+                            <a:noFill/>
+                          </a:ln>
+                          <a:solidFill>
+                            <a:schemeClr val="tx2"/>
+                          </a:solidFill>
+                          <a:effectLst/>
+                          <a:latin typeface="Candara" pitchFamily="34" charset="0"/>
+                        </a:rPr>
+                        <a:t> </a:t>
+                      </a:r>
                     </a:p>
                   </a:txBody>
-                  <a:tcPr/>
+                  <a:tcPr horzOverflow="overflow">
+                    <a:lnL w="12700" cap="flat" cmpd="sng" algn="ctr">
+                      <a:solidFill>
+                        <a:schemeClr val="accent1"/>
+                      </a:solidFill>
+                      <a:prstDash val="solid"/>
+                      <a:round/>
+                      <a:headEnd type="none" w="med" len="med"/>
+                      <a:tailEnd type="none" w="med" len="med"/>
+                    </a:lnL>
+                    <a:lnR w="12700" cap="flat" cmpd="sng" algn="ctr">
+                      <a:solidFill>
+                        <a:schemeClr val="accent1"/>
+                      </a:solidFill>
+                      <a:prstDash val="solid"/>
+                      <a:round/>
+                      <a:headEnd type="none" w="med" len="med"/>
+                      <a:tailEnd type="none" w="med" len="med"/>
+                    </a:lnR>
+                    <a:lnT w="25400" cap="flat" cmpd="sng" algn="ctr">
+                      <a:solidFill>
+                        <a:schemeClr val="accent1"/>
+                      </a:solidFill>
+                      <a:prstDash val="solid"/>
+                      <a:round/>
+                      <a:headEnd type="none" w="med" len="med"/>
+                      <a:tailEnd type="none" w="med" len="med"/>
+                    </a:lnT>
+                    <a:lnB w="12700" cap="flat" cmpd="sng" algn="ctr">
+                      <a:solidFill>
+                        <a:schemeClr val="accent1"/>
+                      </a:solidFill>
+                      <a:prstDash val="solid"/>
+                      <a:round/>
+                      <a:headEnd type="none" w="med" len="med"/>
+                      <a:tailEnd type="none" w="med" len="med"/>
+                    </a:lnB>
+                    <a:lnTlToBr>
+                      <a:noFill/>
+                    </a:lnTlToBr>
+                    <a:lnBlToTr>
+                      <a:noFill/>
+                    </a:lnBlToTr>
+                    <a:solidFill>
+                      <a:schemeClr val="accent1">
+                        <a:alpha val="20000"/>
+                      </a:schemeClr>
+                    </a:solidFill>
+                  </a:tcPr>
                 </a:tc>
               </a:tr>
-              <a:tr h="1315815">
+              <a:tr h="1316038">
                 <a:tc>
                   <a:txBody>
                     <a:bodyPr/>
                     <a:lstStyle/>
                     <a:p>
-                      <a:endParaRPr lang="es-ES" dirty="0"/>
+                      <a:pPr marL="0" marR="0" lvl="0" indent="0" algn="l" defTabSz="914400" rtl="0" eaLnBrk="1" fontAlgn="base" latinLnBrk="0" hangingPunct="1">
+                        <a:lnSpc>
+                          <a:spcPct val="100000"/>
+                        </a:lnSpc>
+                        <a:spcBef>
+                          <a:spcPct val="0"/>
+                        </a:spcBef>
+                        <a:spcAft>
+                          <a:spcPct val="0"/>
+                        </a:spcAft>
+                        <a:buClrTx/>
+                        <a:buSzTx/>
+                        <a:buFontTx/>
+                        <a:buNone/>
+                        <a:tabLst/>
+                      </a:pPr>
+                      <a:endParaRPr kumimoji="0" lang="es-ES" sz="1800" b="0" i="0" u="none" strike="noStrike" cap="none" normalizeH="0" baseline="0" smtClean="0">
+                        <a:ln>
+                          <a:noFill/>
+                        </a:ln>
+                        <a:solidFill>
+                          <a:schemeClr val="tx1"/>
+                        </a:solidFill>
+                        <a:effectLst/>
+                        <a:latin typeface="Candara" pitchFamily="34" charset="0"/>
+                      </a:endParaRPr>
                     </a:p>
                   </a:txBody>
-                  <a:tcPr/>
+                  <a:tcPr horzOverflow="overflow">
+                    <a:lnL w="12700" cap="flat" cmpd="sng" algn="ctr">
+                      <a:solidFill>
+                        <a:schemeClr val="accent1"/>
+                      </a:solidFill>
+                      <a:prstDash val="solid"/>
+                      <a:round/>
+                      <a:headEnd type="none" w="med" len="med"/>
+                      <a:tailEnd type="none" w="med" len="med"/>
+                    </a:lnL>
+                    <a:lnR w="12700" cap="flat" cmpd="sng" algn="ctr">
+                      <a:solidFill>
+                        <a:schemeClr val="accent1"/>
+                      </a:solidFill>
+                      <a:prstDash val="solid"/>
+                      <a:round/>
+                      <a:headEnd type="none" w="med" len="med"/>
+                      <a:tailEnd type="none" w="med" len="med"/>
+                    </a:lnR>
+                    <a:lnT w="12700" cap="flat" cmpd="sng" algn="ctr">
+                      <a:solidFill>
+                        <a:schemeClr val="accent1"/>
+                      </a:solidFill>
+                      <a:prstDash val="solid"/>
+                      <a:round/>
+                      <a:headEnd type="none" w="med" len="med"/>
+                      <a:tailEnd type="none" w="med" len="med"/>
+                    </a:lnT>
+                    <a:lnB w="12700" cap="flat" cmpd="sng" algn="ctr">
+                      <a:solidFill>
+                        <a:schemeClr val="accent1"/>
+                      </a:solidFill>
+                      <a:prstDash val="solid"/>
+                      <a:round/>
+                      <a:headEnd type="none" w="med" len="med"/>
+                      <a:tailEnd type="none" w="med" len="med"/>
+                    </a:lnB>
+                    <a:lnTlToBr>
+                      <a:noFill/>
+                    </a:lnTlToBr>
+                    <a:lnBlToTr>
+                      <a:noFill/>
+                    </a:lnBlToTr>
+                    <a:noFill/>
+                  </a:tcPr>
                 </a:tc>
                 <a:tc>
                   <a:txBody>
                     <a:bodyPr/>
                     <a:lstStyle/>
                     <a:p>
-                      <a:pPr marL="0" marR="0" indent="0" algn="l" defTabSz="914400" rtl="0" eaLnBrk="1" fontAlgn="auto" latinLnBrk="0" hangingPunct="1">
+                      <a:pPr marL="0" marR="0" lvl="0" indent="0" algn="l" defTabSz="914400" rtl="0" eaLnBrk="1" fontAlgn="base" latinLnBrk="0" hangingPunct="1">
                         <a:lnSpc>
                           <a:spcPct val="100000"/>
                         </a:lnSpc>
                         <a:spcBef>
-                          <a:spcPts val="0"/>
+                          <a:spcPct val="0"/>
                         </a:spcBef>
                         <a:spcAft>
-                          <a:spcPts val="0"/>
+                          <a:spcPct val="0"/>
                         </a:spcAft>
                         <a:buClrTx/>
                         <a:buSzTx/>
                         <a:buFontTx/>
                         <a:buNone/>
                         <a:tabLst/>
-                        <a:defRPr/>
                       </a:pPr>
-                      <a:endParaRPr lang="es-PE" sz="1800" kern="1200" dirty="0" smtClean="0">
+                      <a:endParaRPr kumimoji="0" lang="es-PE" sz="1800" b="0" i="0" u="none" strike="noStrike" cap="none" normalizeH="0" baseline="0" smtClean="0">
+                        <a:ln>
+                          <a:noFill/>
+                        </a:ln>
                         <a:solidFill>
                           <a:schemeClr val="tx1"/>
                         </a:solidFill>
-                        <a:latin typeface="+mn-lt"/>
-                        <a:ea typeface="+mn-ea"/>
-                        <a:cs typeface="+mn-cs"/>
+                        <a:effectLst/>
+                        <a:latin typeface="Candara" pitchFamily="34" charset="0"/>
                       </a:endParaRPr>
                     </a:p>
                     <a:p>
-                      <a:pPr marL="0" marR="0" indent="0" algn="l" defTabSz="914400" rtl="0" eaLnBrk="1" fontAlgn="auto" latinLnBrk="0" hangingPunct="1">
+                      <a:pPr marL="0" marR="0" lvl="0" indent="0" algn="l" defTabSz="914400" rtl="0" eaLnBrk="1" fontAlgn="base" latinLnBrk="0" hangingPunct="1">
                         <a:lnSpc>
                           <a:spcPct val="100000"/>
                         </a:lnSpc>
                         <a:spcBef>
-                          <a:spcPts val="0"/>
+                          <a:spcPct val="0"/>
                         </a:spcBef>
                         <a:spcAft>
-                          <a:spcPts val="0"/>
+                          <a:spcPct val="0"/>
                         </a:spcAft>
                         <a:buClrTx/>
                         <a:buSzTx/>
                         <a:buFontTx/>
                         <a:buNone/>
                         <a:tabLst/>
-                        <a:defRPr/>
                       </a:pPr>
                       <a:r>
-                        <a:rPr lang="es-PE" sz="1800" kern="1200" dirty="0" smtClean="0">
+                        <a:rPr kumimoji="0" lang="es-PE" sz="1800" b="0" i="0" u="none" strike="noStrike" cap="none" normalizeH="0" baseline="0" smtClean="0">
+                          <a:ln>
+                            <a:noFill/>
+                          </a:ln>
                           <a:solidFill>
                             <a:schemeClr val="tx1"/>
                           </a:solidFill>
-                          <a:latin typeface="+mn-lt"/>
-                          <a:ea typeface="+mn-ea"/>
-                          <a:cs typeface="+mn-cs"/>
+                          <a:effectLst/>
+                          <a:latin typeface="Candara" pitchFamily="34" charset="0"/>
                         </a:rPr>
                         <a:t>Persona encargada de elaborar los términos del contrato de los clientes.</a:t>
                       </a:r>
-                      <a:endParaRPr lang="es-ES" sz="1800" kern="1200" dirty="0" smtClean="0">
+                      <a:endParaRPr kumimoji="0" lang="es-ES" sz="1800" b="0" i="0" u="none" strike="noStrike" cap="none" normalizeH="0" baseline="0" smtClean="0">
+                        <a:ln>
+                          <a:noFill/>
+                        </a:ln>
                         <a:solidFill>
                           <a:schemeClr val="tx1"/>
                         </a:solidFill>
-                        <a:latin typeface="+mn-lt"/>
-                        <a:ea typeface="+mn-ea"/>
-                        <a:cs typeface="+mn-cs"/>
+                        <a:effectLst/>
+                        <a:latin typeface="Candara" pitchFamily="34" charset="0"/>
                       </a:endParaRPr>
                     </a:p>
                     <a:p>
-                      <a:pPr marL="0" marR="0" indent="0" algn="l" defTabSz="914400" rtl="0" eaLnBrk="1" fontAlgn="auto" latinLnBrk="0" hangingPunct="1">
+                      <a:pPr marL="0" marR="0" lvl="0" indent="0" algn="l" defTabSz="914400" rtl="0" eaLnBrk="1" fontAlgn="base" latinLnBrk="0" hangingPunct="1">
                         <a:lnSpc>
                           <a:spcPct val="100000"/>
                         </a:lnSpc>
                         <a:spcBef>
-                          <a:spcPts val="0"/>
+                          <a:spcPct val="0"/>
                         </a:spcBef>
                         <a:spcAft>
-                          <a:spcPts val="0"/>
+                          <a:spcPct val="0"/>
                         </a:spcAft>
                         <a:buClrTx/>
                         <a:buSzTx/>
                         <a:buFontTx/>
                         <a:buNone/>
                         <a:tabLst/>
-                        <a:defRPr/>
                       </a:pPr>
-                      <a:endParaRPr lang="es-ES" sz="1800" i="1" kern="1200" dirty="0" smtClean="0">
+                      <a:endParaRPr kumimoji="0" lang="es-ES" sz="1800" b="0" i="1" u="none" strike="noStrike" cap="none" normalizeH="0" baseline="0" smtClean="0">
+                        <a:ln>
+                          <a:noFill/>
+                        </a:ln>
                         <a:solidFill>
                           <a:schemeClr val="tx1"/>
                         </a:solidFill>
-                        <a:latin typeface="+mn-lt"/>
-                        <a:ea typeface="+mn-ea"/>
-                        <a:cs typeface="+mn-cs"/>
+                        <a:effectLst/>
+                        <a:latin typeface="Candara" pitchFamily="34" charset="0"/>
                       </a:endParaRPr>
                     </a:p>
                   </a:txBody>
-                  <a:tcPr/>
+                  <a:tcPr horzOverflow="overflow">
+                    <a:lnL w="12700" cap="flat" cmpd="sng" algn="ctr">
+                      <a:solidFill>
+                        <a:schemeClr val="accent1"/>
+                      </a:solidFill>
+                      <a:prstDash val="solid"/>
+                      <a:round/>
+                      <a:headEnd type="none" w="med" len="med"/>
+                      <a:tailEnd type="none" w="med" len="med"/>
+                    </a:lnL>
+                    <a:lnR w="12700" cap="flat" cmpd="sng" algn="ctr">
+                      <a:solidFill>
+                        <a:schemeClr val="accent1"/>
+                      </a:solidFill>
+                      <a:prstDash val="solid"/>
+                      <a:round/>
+                      <a:headEnd type="none" w="med" len="med"/>
+                      <a:tailEnd type="none" w="med" len="med"/>
+                    </a:lnR>
+                    <a:lnT w="12700" cap="flat" cmpd="sng" algn="ctr">
+                      <a:solidFill>
+                        <a:schemeClr val="accent1"/>
+                      </a:solidFill>
+                      <a:prstDash val="solid"/>
+                      <a:round/>
+                      <a:headEnd type="none" w="med" len="med"/>
+                      <a:tailEnd type="none" w="med" len="med"/>
+                    </a:lnT>
+                    <a:lnB w="12700" cap="flat" cmpd="sng" algn="ctr">
+                      <a:solidFill>
+                        <a:schemeClr val="accent1"/>
+                      </a:solidFill>
+                      <a:prstDash val="solid"/>
+                      <a:round/>
+                      <a:headEnd type="none" w="med" len="med"/>
+                      <a:tailEnd type="none" w="med" len="med"/>
+                    </a:lnB>
+                    <a:lnTlToBr>
+                      <a:noFill/>
+                    </a:lnTlToBr>
+                    <a:lnBlToTr>
+                      <a:noFill/>
+                    </a:lnBlToTr>
+                    <a:noFill/>
+                  </a:tcPr>
                 </a:tc>
               </a:tr>
             </a:tbl>
@@ -17064,14 +17528,14 @@
       </p:graphicFrame>
       <p:pic>
         <p:nvPicPr>
-          <p:cNvPr id="1027" name="Picture 3"/>
+          <p:cNvPr id="17424" name="Picture 3"/>
           <p:cNvPicPr>
             <a:picLocks noChangeAspect="1" noChangeArrowheads="1"/>
           </p:cNvPicPr>
           <p:nvPr/>
         </p:nvPicPr>
         <p:blipFill>
-          <a:blip r:embed="rId3" cstate="print"/>
+          <a:blip r:embed="rId3"/>
           <a:srcRect/>
           <a:stretch>
             <a:fillRect/>
@@ -17079,8 +17543,8 @@
         </p:blipFill>
         <p:spPr bwMode="auto">
           <a:xfrm>
-            <a:off x="899592" y="2492896"/>
-            <a:ext cx="1188703" cy="1152128"/>
+            <a:off x="900113" y="2492375"/>
+            <a:ext cx="1187450" cy="1152525"/>
           </a:xfrm>
           <a:prstGeom prst="rect">
             <a:avLst/>
@@ -17096,14 +17560,14 @@
       </p:pic>
       <p:pic>
         <p:nvPicPr>
-          <p:cNvPr id="1028" name="Picture 4"/>
+          <p:cNvPr id="17425" name="Picture 4"/>
           <p:cNvPicPr>
             <a:picLocks noChangeAspect="1" noChangeArrowheads="1"/>
           </p:cNvPicPr>
           <p:nvPr/>
         </p:nvPicPr>
         <p:blipFill>
-          <a:blip r:embed="rId4" cstate="print"/>
+          <a:blip r:embed="rId4"/>
           <a:srcRect/>
           <a:stretch>
             <a:fillRect/>
@@ -17111,8 +17575,8 @@
         </p:blipFill>
         <p:spPr bwMode="auto">
           <a:xfrm>
-            <a:off x="1043608" y="3861048"/>
-            <a:ext cx="940137" cy="1152128"/>
+            <a:off x="1042988" y="3860800"/>
+            <a:ext cx="941387" cy="1152525"/>
           </a:xfrm>
           <a:prstGeom prst="rect">
             <a:avLst/>
@@ -17128,14 +17592,14 @@
       </p:pic>
       <p:pic>
         <p:nvPicPr>
-          <p:cNvPr id="1029" name="Picture 5"/>
+          <p:cNvPr id="17426" name="Picture 5"/>
           <p:cNvPicPr>
             <a:picLocks noChangeAspect="1" noChangeArrowheads="1"/>
           </p:cNvPicPr>
           <p:nvPr/>
         </p:nvPicPr>
         <p:blipFill>
-          <a:blip r:embed="rId5" cstate="print"/>
+          <a:blip r:embed="rId5"/>
           <a:srcRect/>
           <a:stretch>
             <a:fillRect/>
@@ -17143,7 +17607,7 @@
         </p:blipFill>
         <p:spPr bwMode="auto">
           <a:xfrm>
-            <a:off x="1043608" y="5229200"/>
+            <a:off x="1042988" y="5229225"/>
             <a:ext cx="962025" cy="1200150"/>
           </a:xfrm>
           <a:prstGeom prst="rect">
@@ -17227,187 +17691,577 @@
       </p:sp>
       <p:graphicFrame>
         <p:nvGraphicFramePr>
-          <p:cNvPr id="6" name="5 Tabla"/>
+          <p:cNvPr id="19476" name="Group 20"/>
           <p:cNvGraphicFramePr>
             <a:graphicFrameLocks noGrp="1"/>
           </p:cNvGraphicFramePr>
           <p:nvPr/>
         </p:nvGraphicFramePr>
         <p:xfrm>
-          <a:off x="323528" y="2276872"/>
-          <a:ext cx="8496944" cy="4278254"/>
+          <a:off x="323850" y="2276475"/>
+          <a:ext cx="8496300" cy="4276725"/>
         </p:xfrm>
         <a:graphic>
           <a:graphicData uri="http://schemas.openxmlformats.org/drawingml/2006/table">
             <a:tbl>
-              <a:tblPr firstRow="1" bandRow="1">
-                <a:tableStyleId>{BC89EF96-8CEA-46FF-86C4-4CE0E7609802}</a:tableStyleId>
-              </a:tblPr>
+              <a:tblPr/>
               <a:tblGrid>
-                <a:gridCol w="2448272"/>
-                <a:gridCol w="6048672"/>
+                <a:gridCol w="2447925"/>
+                <a:gridCol w="6048375"/>
               </a:tblGrid>
-              <a:tr h="1296144">
+              <a:tr h="1295400">
                 <a:tc>
                   <a:txBody>
                     <a:bodyPr/>
                     <a:lstStyle/>
                     <a:p>
-                      <a:endParaRPr lang="es-ES" dirty="0"/>
+                      <a:pPr marL="0" marR="0" lvl="0" indent="0" algn="l" defTabSz="914400" rtl="0" eaLnBrk="1" fontAlgn="base" latinLnBrk="0" hangingPunct="1">
+                        <a:lnSpc>
+                          <a:spcPct val="100000"/>
+                        </a:lnSpc>
+                        <a:spcBef>
+                          <a:spcPct val="0"/>
+                        </a:spcBef>
+                        <a:spcAft>
+                          <a:spcPct val="0"/>
+                        </a:spcAft>
+                        <a:buClrTx/>
+                        <a:buSzTx/>
+                        <a:buFontTx/>
+                        <a:buNone/>
+                        <a:tabLst/>
+                      </a:pPr>
+                      <a:endParaRPr kumimoji="0" lang="es-ES" sz="1800" b="1" i="0" u="none" strike="noStrike" cap="none" normalizeH="0" baseline="0" smtClean="0">
+                        <a:ln>
+                          <a:noFill/>
+                        </a:ln>
+                        <a:solidFill>
+                          <a:schemeClr val="tx1"/>
+                        </a:solidFill>
+                        <a:effectLst/>
+                        <a:latin typeface="Candara" pitchFamily="34" charset="0"/>
+                      </a:endParaRPr>
                     </a:p>
                   </a:txBody>
-                  <a:tcPr/>
+                  <a:tcPr horzOverflow="overflow">
+                    <a:lnL w="12700" cap="flat" cmpd="sng" algn="ctr">
+                      <a:solidFill>
+                        <a:schemeClr val="accent1"/>
+                      </a:solidFill>
+                      <a:prstDash val="solid"/>
+                      <a:round/>
+                      <a:headEnd type="none" w="med" len="med"/>
+                      <a:tailEnd type="none" w="med" len="med"/>
+                    </a:lnL>
+                    <a:lnR w="12700" cap="flat" cmpd="sng" algn="ctr">
+                      <a:solidFill>
+                        <a:schemeClr val="accent1"/>
+                      </a:solidFill>
+                      <a:prstDash val="solid"/>
+                      <a:round/>
+                      <a:headEnd type="none" w="med" len="med"/>
+                      <a:tailEnd type="none" w="med" len="med"/>
+                    </a:lnR>
+                    <a:lnT w="12700" cap="flat" cmpd="sng" algn="ctr">
+                      <a:solidFill>
+                        <a:schemeClr val="accent1"/>
+                      </a:solidFill>
+                      <a:prstDash val="solid"/>
+                      <a:round/>
+                      <a:headEnd type="none" w="med" len="med"/>
+                      <a:tailEnd type="none" w="med" len="med"/>
+                    </a:lnT>
+                    <a:lnB w="25400" cap="flat" cmpd="sng" algn="ctr">
+                      <a:solidFill>
+                        <a:schemeClr val="accent1"/>
+                      </a:solidFill>
+                      <a:prstDash val="solid"/>
+                      <a:round/>
+                      <a:headEnd type="none" w="med" len="med"/>
+                      <a:tailEnd type="none" w="med" len="med"/>
+                    </a:lnB>
+                    <a:lnTlToBr>
+                      <a:noFill/>
+                    </a:lnTlToBr>
+                    <a:lnBlToTr>
+                      <a:noFill/>
+                    </a:lnBlToTr>
+                    <a:noFill/>
+                  </a:tcPr>
                 </a:tc>
                 <a:tc>
                   <a:txBody>
                     <a:bodyPr/>
                     <a:lstStyle/>
                     <a:p>
+                      <a:pPr marL="0" marR="0" lvl="0" indent="0" algn="l" defTabSz="914400" rtl="0" eaLnBrk="1" fontAlgn="base" latinLnBrk="0" hangingPunct="1">
+                        <a:lnSpc>
+                          <a:spcPct val="100000"/>
+                        </a:lnSpc>
+                        <a:spcBef>
+                          <a:spcPct val="0"/>
+                        </a:spcBef>
+                        <a:spcAft>
+                          <a:spcPct val="0"/>
+                        </a:spcAft>
+                        <a:buClrTx/>
+                        <a:buSzTx/>
+                        <a:buFontTx/>
+                        <a:buNone/>
+                        <a:tabLst/>
+                      </a:pPr>
                       <a:r>
-                        <a:rPr lang="es-PE" sz="1800" b="0" kern="1200" dirty="0" smtClean="0">
+                        <a:rPr kumimoji="0" lang="es-PE" sz="1800" b="0" i="0" u="none" strike="noStrike" cap="none" normalizeH="0" baseline="0" smtClean="0">
+                          <a:ln>
+                            <a:noFill/>
+                          </a:ln>
                           <a:solidFill>
                             <a:schemeClr val="tx1"/>
                           </a:solidFill>
-                          <a:latin typeface="+mn-lt"/>
-                          <a:ea typeface="+mn-ea"/>
-                          <a:cs typeface="+mn-cs"/>
+                          <a:effectLst/>
+                          <a:latin typeface="Candara" pitchFamily="34" charset="0"/>
                         </a:rPr>
                         <a:t>Persona encargada de realizar las cotizaciones presentadas a los clientes.</a:t>
                       </a:r>
-                      <a:endParaRPr lang="es-ES" b="0" dirty="0"/>
+                      <a:endParaRPr kumimoji="0" lang="es-ES" sz="1800" b="0" i="0" u="none" strike="noStrike" cap="none" normalizeH="0" baseline="0" smtClean="0">
+                        <a:ln>
+                          <a:noFill/>
+                        </a:ln>
+                        <a:solidFill>
+                          <a:schemeClr val="tx1"/>
+                        </a:solidFill>
+                        <a:effectLst/>
+                        <a:latin typeface="Candara" pitchFamily="34" charset="0"/>
+                      </a:endParaRPr>
                     </a:p>
                   </a:txBody>
-                  <a:tcPr/>
+                  <a:tcPr horzOverflow="overflow">
+                    <a:lnL w="12700" cap="flat" cmpd="sng" algn="ctr">
+                      <a:solidFill>
+                        <a:schemeClr val="accent1"/>
+                      </a:solidFill>
+                      <a:prstDash val="solid"/>
+                      <a:round/>
+                      <a:headEnd type="none" w="med" len="med"/>
+                      <a:tailEnd type="none" w="med" len="med"/>
+                    </a:lnL>
+                    <a:lnR w="12700" cap="flat" cmpd="sng" algn="ctr">
+                      <a:solidFill>
+                        <a:schemeClr val="accent1"/>
+                      </a:solidFill>
+                      <a:prstDash val="solid"/>
+                      <a:round/>
+                      <a:headEnd type="none" w="med" len="med"/>
+                      <a:tailEnd type="none" w="med" len="med"/>
+                    </a:lnR>
+                    <a:lnT w="12700" cap="flat" cmpd="sng" algn="ctr">
+                      <a:solidFill>
+                        <a:schemeClr val="accent1"/>
+                      </a:solidFill>
+                      <a:prstDash val="solid"/>
+                      <a:round/>
+                      <a:headEnd type="none" w="med" len="med"/>
+                      <a:tailEnd type="none" w="med" len="med"/>
+                    </a:lnT>
+                    <a:lnB w="25400" cap="flat" cmpd="sng" algn="ctr">
+                      <a:solidFill>
+                        <a:schemeClr val="accent1"/>
+                      </a:solidFill>
+                      <a:prstDash val="solid"/>
+                      <a:round/>
+                      <a:headEnd type="none" w="med" len="med"/>
+                      <a:tailEnd type="none" w="med" len="med"/>
+                    </a:lnB>
+                    <a:lnTlToBr>
+                      <a:noFill/>
+                    </a:lnTlToBr>
+                    <a:lnBlToTr>
+                      <a:noFill/>
+                    </a:lnBlToTr>
+                    <a:noFill/>
+                  </a:tcPr>
                 </a:tc>
               </a:tr>
-              <a:tr h="1440160">
+              <a:tr h="1439863">
                 <a:tc>
                   <a:txBody>
                     <a:bodyPr/>
                     <a:lstStyle/>
                     <a:p>
-                      <a:endParaRPr lang="es-ES" dirty="0"/>
+                      <a:pPr marL="0" marR="0" lvl="0" indent="0" algn="l" defTabSz="914400" rtl="0" eaLnBrk="1" fontAlgn="base" latinLnBrk="0" hangingPunct="1">
+                        <a:lnSpc>
+                          <a:spcPct val="100000"/>
+                        </a:lnSpc>
+                        <a:spcBef>
+                          <a:spcPct val="0"/>
+                        </a:spcBef>
+                        <a:spcAft>
+                          <a:spcPct val="0"/>
+                        </a:spcAft>
+                        <a:buClrTx/>
+                        <a:buSzTx/>
+                        <a:buFontTx/>
+                        <a:buNone/>
+                        <a:tabLst/>
+                      </a:pPr>
+                      <a:endParaRPr kumimoji="0" lang="es-ES" sz="1800" b="0" i="0" u="none" strike="noStrike" cap="none" normalizeH="0" baseline="0" smtClean="0">
+                        <a:ln>
+                          <a:noFill/>
+                        </a:ln>
+                        <a:solidFill>
+                          <a:schemeClr val="tx1"/>
+                        </a:solidFill>
+                        <a:effectLst/>
+                        <a:latin typeface="Candara" pitchFamily="34" charset="0"/>
+                      </a:endParaRPr>
                     </a:p>
                   </a:txBody>
-                  <a:tcPr/>
+                  <a:tcPr horzOverflow="overflow">
+                    <a:lnL w="12700" cap="flat" cmpd="sng" algn="ctr">
+                      <a:solidFill>
+                        <a:schemeClr val="accent1"/>
+                      </a:solidFill>
+                      <a:prstDash val="solid"/>
+                      <a:round/>
+                      <a:headEnd type="none" w="med" len="med"/>
+                      <a:tailEnd type="none" w="med" len="med"/>
+                    </a:lnL>
+                    <a:lnR w="12700" cap="flat" cmpd="sng" algn="ctr">
+                      <a:solidFill>
+                        <a:schemeClr val="accent1"/>
+                      </a:solidFill>
+                      <a:prstDash val="solid"/>
+                      <a:round/>
+                      <a:headEnd type="none" w="med" len="med"/>
+                      <a:tailEnd type="none" w="med" len="med"/>
+                    </a:lnR>
+                    <a:lnT w="25400" cap="flat" cmpd="sng" algn="ctr">
+                      <a:solidFill>
+                        <a:schemeClr val="accent1"/>
+                      </a:solidFill>
+                      <a:prstDash val="solid"/>
+                      <a:round/>
+                      <a:headEnd type="none" w="med" len="med"/>
+                      <a:tailEnd type="none" w="med" len="med"/>
+                    </a:lnT>
+                    <a:lnB w="12700" cap="flat" cmpd="sng" algn="ctr">
+                      <a:solidFill>
+                        <a:schemeClr val="accent1"/>
+                      </a:solidFill>
+                      <a:prstDash val="solid"/>
+                      <a:round/>
+                      <a:headEnd type="none" w="med" len="med"/>
+                      <a:tailEnd type="none" w="med" len="med"/>
+                    </a:lnB>
+                    <a:lnTlToBr>
+                      <a:noFill/>
+                    </a:lnTlToBr>
+                    <a:lnBlToTr>
+                      <a:noFill/>
+                    </a:lnBlToTr>
+                    <a:solidFill>
+                      <a:schemeClr val="accent1">
+                        <a:alpha val="20000"/>
+                      </a:schemeClr>
+                    </a:solidFill>
+                  </a:tcPr>
                 </a:tc>
                 <a:tc>
                   <a:txBody>
                     <a:bodyPr/>
                     <a:lstStyle/>
                     <a:p>
-                      <a:pPr marL="0" marR="0" indent="0" algn="l" defTabSz="914400" rtl="0" eaLnBrk="1" fontAlgn="auto" latinLnBrk="0" hangingPunct="1">
+                      <a:pPr marL="0" marR="0" lvl="0" indent="0" algn="l" defTabSz="914400" rtl="0" eaLnBrk="1" fontAlgn="base" latinLnBrk="0" hangingPunct="1">
                         <a:lnSpc>
                           <a:spcPct val="100000"/>
                         </a:lnSpc>
                         <a:spcBef>
-                          <a:spcPts val="0"/>
+                          <a:spcPct val="0"/>
                         </a:spcBef>
                         <a:spcAft>
-                          <a:spcPts val="0"/>
+                          <a:spcPct val="0"/>
                         </a:spcAft>
                         <a:buClrTx/>
                         <a:buSzTx/>
                         <a:buFontTx/>
                         <a:buNone/>
                         <a:tabLst/>
-                        <a:defRPr/>
                       </a:pPr>
                       <a:r>
-                        <a:rPr lang="es-PE" sz="1800" kern="1200" dirty="0" smtClean="0">
+                        <a:rPr kumimoji="0" lang="es-PE" sz="1800" b="0" i="0" u="none" strike="noStrike" cap="none" normalizeH="0" baseline="0" smtClean="0">
+                          <a:ln>
+                            <a:noFill/>
+                          </a:ln>
                           <a:solidFill>
                             <a:schemeClr val="tx1"/>
                           </a:solidFill>
-                          <a:latin typeface="+mn-lt"/>
-                          <a:ea typeface="+mn-ea"/>
-                          <a:cs typeface="+mn-cs"/>
+                          <a:effectLst/>
+                          <a:latin typeface="Candara" pitchFamily="34" charset="0"/>
                         </a:rPr>
                         <a:t>Empresa encargada de solicitar un contrato por una solución de tecnología de información.</a:t>
                       </a:r>
-                      <a:endParaRPr lang="es-ES" sz="1800" kern="1200" dirty="0" smtClean="0">
+                      <a:endParaRPr kumimoji="0" lang="es-ES" sz="1800" b="0" i="0" u="none" strike="noStrike" cap="none" normalizeH="0" baseline="0" smtClean="0">
+                        <a:ln>
+                          <a:noFill/>
+                        </a:ln>
                         <a:solidFill>
                           <a:schemeClr val="tx1"/>
                         </a:solidFill>
-                        <a:latin typeface="+mn-lt"/>
-                        <a:ea typeface="+mn-ea"/>
-                        <a:cs typeface="+mn-cs"/>
+                        <a:effectLst/>
+                        <a:latin typeface="Candara" pitchFamily="34" charset="0"/>
                       </a:endParaRPr>
                     </a:p>
                     <a:p>
-                      <a:pPr marL="0" marR="0" indent="0" algn="l" defTabSz="914400" rtl="0" eaLnBrk="1" fontAlgn="auto" latinLnBrk="0" hangingPunct="1">
+                      <a:pPr marL="0" marR="0" lvl="0" indent="0" algn="l" defTabSz="914400" rtl="0" eaLnBrk="1" fontAlgn="base" latinLnBrk="0" hangingPunct="1">
                         <a:lnSpc>
                           <a:spcPct val="100000"/>
                         </a:lnSpc>
                         <a:spcBef>
-                          <a:spcPts val="0"/>
+                          <a:spcPct val="0"/>
                         </a:spcBef>
                         <a:spcAft>
-                          <a:spcPts val="0"/>
+                          <a:spcPct val="0"/>
                         </a:spcAft>
                         <a:buClrTx/>
                         <a:buSzTx/>
                         <a:buFontTx/>
                         <a:buNone/>
                         <a:tabLst/>
-                        <a:defRPr/>
                       </a:pPr>
-                      <a:endParaRPr lang="es-ES" sz="1800" i="1" kern="1200" dirty="0" smtClean="0">
+                      <a:endParaRPr kumimoji="0" lang="es-ES" sz="1800" b="0" i="1" u="none" strike="noStrike" cap="none" normalizeH="0" baseline="0" smtClean="0">
+                        <a:ln>
+                          <a:noFill/>
+                        </a:ln>
                         <a:solidFill>
                           <a:schemeClr val="tx1"/>
                         </a:solidFill>
-                        <a:latin typeface="+mn-lt"/>
-                        <a:ea typeface="+mn-ea"/>
-                        <a:cs typeface="+mn-cs"/>
+                        <a:effectLst/>
+                        <a:latin typeface="Candara" pitchFamily="34" charset="0"/>
                       </a:endParaRPr>
                     </a:p>
                   </a:txBody>
-                  <a:tcPr/>
+                  <a:tcPr horzOverflow="overflow">
+                    <a:lnL w="12700" cap="flat" cmpd="sng" algn="ctr">
+                      <a:solidFill>
+                        <a:schemeClr val="accent1"/>
+                      </a:solidFill>
+                      <a:prstDash val="solid"/>
+                      <a:round/>
+                      <a:headEnd type="none" w="med" len="med"/>
+                      <a:tailEnd type="none" w="med" len="med"/>
+                    </a:lnL>
+                    <a:lnR w="12700" cap="flat" cmpd="sng" algn="ctr">
+                      <a:solidFill>
+                        <a:schemeClr val="accent1"/>
+                      </a:solidFill>
+                      <a:prstDash val="solid"/>
+                      <a:round/>
+                      <a:headEnd type="none" w="med" len="med"/>
+                      <a:tailEnd type="none" w="med" len="med"/>
+                    </a:lnR>
+                    <a:lnT w="25400" cap="flat" cmpd="sng" algn="ctr">
+                      <a:solidFill>
+                        <a:schemeClr val="accent1"/>
+                      </a:solidFill>
+                      <a:prstDash val="solid"/>
+                      <a:round/>
+                      <a:headEnd type="none" w="med" len="med"/>
+                      <a:tailEnd type="none" w="med" len="med"/>
+                    </a:lnT>
+                    <a:lnB w="12700" cap="flat" cmpd="sng" algn="ctr">
+                      <a:solidFill>
+                        <a:schemeClr val="accent1"/>
+                      </a:solidFill>
+                      <a:prstDash val="solid"/>
+                      <a:round/>
+                      <a:headEnd type="none" w="med" len="med"/>
+                      <a:tailEnd type="none" w="med" len="med"/>
+                    </a:lnB>
+                    <a:lnTlToBr>
+                      <a:noFill/>
+                    </a:lnTlToBr>
+                    <a:lnBlToTr>
+                      <a:noFill/>
+                    </a:lnBlToTr>
+                    <a:solidFill>
+                      <a:schemeClr val="accent1">
+                        <a:alpha val="20000"/>
+                      </a:schemeClr>
+                    </a:solidFill>
+                  </a:tcPr>
                 </a:tc>
               </a:tr>
-              <a:tr h="1541950">
+              <a:tr h="1541463">
                 <a:tc>
                   <a:txBody>
                     <a:bodyPr/>
                     <a:lstStyle/>
                     <a:p>
-                      <a:endParaRPr lang="es-ES" dirty="0"/>
+                      <a:pPr marL="0" marR="0" lvl="0" indent="0" algn="l" defTabSz="914400" rtl="0" eaLnBrk="1" fontAlgn="base" latinLnBrk="0" hangingPunct="1">
+                        <a:lnSpc>
+                          <a:spcPct val="100000"/>
+                        </a:lnSpc>
+                        <a:spcBef>
+                          <a:spcPct val="0"/>
+                        </a:spcBef>
+                        <a:spcAft>
+                          <a:spcPct val="0"/>
+                        </a:spcAft>
+                        <a:buClrTx/>
+                        <a:buSzTx/>
+                        <a:buFontTx/>
+                        <a:buNone/>
+                        <a:tabLst/>
+                      </a:pPr>
+                      <a:endParaRPr kumimoji="0" lang="es-ES" sz="1800" b="0" i="0" u="none" strike="noStrike" cap="none" normalizeH="0" baseline="0" smtClean="0">
+                        <a:ln>
+                          <a:noFill/>
+                        </a:ln>
+                        <a:solidFill>
+                          <a:schemeClr val="tx1"/>
+                        </a:solidFill>
+                        <a:effectLst/>
+                        <a:latin typeface="Candara" pitchFamily="34" charset="0"/>
+                      </a:endParaRPr>
                     </a:p>
                   </a:txBody>
-                  <a:tcPr/>
+                  <a:tcPr horzOverflow="overflow">
+                    <a:lnL w="12700" cap="flat" cmpd="sng" algn="ctr">
+                      <a:solidFill>
+                        <a:schemeClr val="accent1"/>
+                      </a:solidFill>
+                      <a:prstDash val="solid"/>
+                      <a:round/>
+                      <a:headEnd type="none" w="med" len="med"/>
+                      <a:tailEnd type="none" w="med" len="med"/>
+                    </a:lnL>
+                    <a:lnR w="12700" cap="flat" cmpd="sng" algn="ctr">
+                      <a:solidFill>
+                        <a:schemeClr val="accent1"/>
+                      </a:solidFill>
+                      <a:prstDash val="solid"/>
+                      <a:round/>
+                      <a:headEnd type="none" w="med" len="med"/>
+                      <a:tailEnd type="none" w="med" len="med"/>
+                    </a:lnR>
+                    <a:lnT w="12700" cap="flat" cmpd="sng" algn="ctr">
+                      <a:solidFill>
+                        <a:schemeClr val="accent1"/>
+                      </a:solidFill>
+                      <a:prstDash val="solid"/>
+                      <a:round/>
+                      <a:headEnd type="none" w="med" len="med"/>
+                      <a:tailEnd type="none" w="med" len="med"/>
+                    </a:lnT>
+                    <a:lnB w="12700" cap="flat" cmpd="sng" algn="ctr">
+                      <a:solidFill>
+                        <a:schemeClr val="accent1"/>
+                      </a:solidFill>
+                      <a:prstDash val="solid"/>
+                      <a:round/>
+                      <a:headEnd type="none" w="med" len="med"/>
+                      <a:tailEnd type="none" w="med" len="med"/>
+                    </a:lnB>
+                    <a:lnTlToBr>
+                      <a:noFill/>
+                    </a:lnTlToBr>
+                    <a:lnBlToTr>
+                      <a:noFill/>
+                    </a:lnBlToTr>
+                    <a:noFill/>
+                  </a:tcPr>
                 </a:tc>
                 <a:tc>
                   <a:txBody>
                     <a:bodyPr/>
                     <a:lstStyle/>
                     <a:p>
-                      <a:pPr marL="0" marR="0" indent="0" algn="l" defTabSz="914400" rtl="0" eaLnBrk="1" fontAlgn="auto" latinLnBrk="0" hangingPunct="1">
+                      <a:pPr marL="0" marR="0" lvl="0" indent="0" algn="l" defTabSz="914400" rtl="0" eaLnBrk="1" fontAlgn="base" latinLnBrk="0" hangingPunct="1">
                         <a:lnSpc>
                           <a:spcPct val="100000"/>
                         </a:lnSpc>
                         <a:spcBef>
-                          <a:spcPts val="0"/>
+                          <a:spcPct val="0"/>
                         </a:spcBef>
                         <a:spcAft>
-                          <a:spcPts val="0"/>
+                          <a:spcPct val="0"/>
                         </a:spcAft>
                         <a:buClrTx/>
                         <a:buSzTx/>
                         <a:buFontTx/>
                         <a:buNone/>
                         <a:tabLst/>
-                        <a:defRPr/>
                       </a:pPr>
-                      <a:endParaRPr lang="es-ES" sz="1800" i="1" kern="1200" dirty="0" smtClean="0">
+                      <a:r>
+                        <a:rPr kumimoji="0" lang="es-PE" sz="1800" b="0" i="0" u="none" strike="noStrike" cap="none" normalizeH="0" baseline="0" smtClean="0">
+                          <a:ln>
+                            <a:noFill/>
+                          </a:ln>
+                          <a:solidFill>
+                            <a:schemeClr val="tx1"/>
+                          </a:solidFill>
+                          <a:effectLst/>
+                          <a:latin typeface="Candara" pitchFamily="34" charset="0"/>
+                        </a:rPr>
+                        <a:t>Persona responsable de realizar el Monitoreo de contratos.</a:t>
+                      </a:r>
+                      <a:endParaRPr kumimoji="0" lang="es-ES" sz="1800" b="0" i="0" u="none" strike="noStrike" cap="none" normalizeH="0" baseline="0" smtClean="0">
+                        <a:ln>
+                          <a:noFill/>
+                        </a:ln>
                         <a:solidFill>
                           <a:schemeClr val="tx1"/>
                         </a:solidFill>
-                        <a:latin typeface="+mn-lt"/>
-                        <a:ea typeface="+mn-ea"/>
-                        <a:cs typeface="+mn-cs"/>
+                        <a:effectLst/>
+                        <a:latin typeface="Candara" pitchFamily="34" charset="0"/>
                       </a:endParaRPr>
                     </a:p>
                   </a:txBody>
-                  <a:tcPr/>
+                  <a:tcPr horzOverflow="overflow">
+                    <a:lnL w="12700" cap="flat" cmpd="sng" algn="ctr">
+                      <a:solidFill>
+                        <a:schemeClr val="accent1"/>
+                      </a:solidFill>
+                      <a:prstDash val="solid"/>
+                      <a:round/>
+                      <a:headEnd type="none" w="med" len="med"/>
+                      <a:tailEnd type="none" w="med" len="med"/>
+                    </a:lnL>
+                    <a:lnR w="12700" cap="flat" cmpd="sng" algn="ctr">
+                      <a:solidFill>
+                        <a:schemeClr val="accent1"/>
+                      </a:solidFill>
+                      <a:prstDash val="solid"/>
+                      <a:round/>
+                      <a:headEnd type="none" w="med" len="med"/>
+                      <a:tailEnd type="none" w="med" len="med"/>
+                    </a:lnR>
+                    <a:lnT w="12700" cap="flat" cmpd="sng" algn="ctr">
+                      <a:solidFill>
+                        <a:schemeClr val="accent1"/>
+                      </a:solidFill>
+                      <a:prstDash val="solid"/>
+                      <a:round/>
+                      <a:headEnd type="none" w="med" len="med"/>
+                      <a:tailEnd type="none" w="med" len="med"/>
+                    </a:lnT>
+                    <a:lnB w="12700" cap="flat" cmpd="sng" algn="ctr">
+                      <a:solidFill>
+                        <a:schemeClr val="accent1"/>
+                      </a:solidFill>
+                      <a:prstDash val="solid"/>
+                      <a:round/>
+                      <a:headEnd type="none" w="med" len="med"/>
+                      <a:tailEnd type="none" w="med" len="med"/>
+                    </a:lnB>
+                    <a:lnTlToBr>
+                      <a:noFill/>
+                    </a:lnTlToBr>
+                    <a:lnBlToTr>
+                      <a:noFill/>
+                    </a:lnBlToTr>
+                    <a:noFill/>
+                  </a:tcPr>
                 </a:tc>
               </a:tr>
             </a:tbl>
@@ -17416,14 +18270,14 @@
       </p:graphicFrame>
       <p:pic>
         <p:nvPicPr>
-          <p:cNvPr id="2050" name="Picture 2"/>
+          <p:cNvPr id="19472" name="Picture 2"/>
           <p:cNvPicPr>
             <a:picLocks noChangeAspect="1" noChangeArrowheads="1"/>
           </p:cNvPicPr>
           <p:nvPr/>
         </p:nvPicPr>
         <p:blipFill>
-          <a:blip r:embed="rId3" cstate="print"/>
+          <a:blip r:embed="rId3"/>
           <a:srcRect/>
           <a:stretch>
             <a:fillRect/>
@@ -17431,7 +18285,7 @@
         </p:blipFill>
         <p:spPr bwMode="auto">
           <a:xfrm>
-            <a:off x="1115616" y="2348880"/>
+            <a:off x="1116013" y="2349500"/>
             <a:ext cx="990600" cy="1190625"/>
           </a:xfrm>
           <a:prstGeom prst="rect">
@@ -17448,14 +18302,14 @@
       </p:pic>
       <p:pic>
         <p:nvPicPr>
-          <p:cNvPr id="2051" name="Picture 3"/>
+          <p:cNvPr id="19473" name="Picture 3"/>
           <p:cNvPicPr>
             <a:picLocks noChangeAspect="1" noChangeArrowheads="1"/>
           </p:cNvPicPr>
           <p:nvPr/>
         </p:nvPicPr>
         <p:blipFill>
-          <a:blip r:embed="rId4" cstate="print"/>
+          <a:blip r:embed="rId4"/>
           <a:srcRect/>
           <a:stretch>
             <a:fillRect/>
@@ -17463,7 +18317,7 @@
         </p:blipFill>
         <p:spPr bwMode="auto">
           <a:xfrm>
-            <a:off x="1115616" y="3645024"/>
+            <a:off x="1116013" y="3644900"/>
             <a:ext cx="923925" cy="1219200"/>
           </a:xfrm>
           <a:prstGeom prst="rect">
@@ -17480,14 +18334,14 @@
       </p:pic>
       <p:pic>
         <p:nvPicPr>
-          <p:cNvPr id="2052" name="Picture 4"/>
+          <p:cNvPr id="19474" name="Picture 4"/>
           <p:cNvPicPr>
             <a:picLocks noChangeAspect="1" noChangeArrowheads="1"/>
           </p:cNvPicPr>
           <p:nvPr/>
         </p:nvPicPr>
         <p:blipFill>
-          <a:blip r:embed="rId5" cstate="print"/>
+          <a:blip r:embed="rId5"/>
           <a:srcRect/>
           <a:stretch>
             <a:fillRect/>
@@ -17495,7 +18349,7 @@
         </p:blipFill>
         <p:spPr bwMode="auto">
           <a:xfrm>
-            <a:off x="971600" y="5128220"/>
+            <a:off x="971550" y="5127625"/>
             <a:ext cx="1200150" cy="1181100"/>
           </a:xfrm>
           <a:prstGeom prst="rect">
@@ -17544,7 +18398,7 @@
       </p:grpSpPr>
       <p:sp>
         <p:nvSpPr>
-          <p:cNvPr id="3" name="2 Título"/>
+          <p:cNvPr id="21505" name="2 Título"/>
           <p:cNvSpPr>
             <a:spLocks noGrp="1"/>
           </p:cNvSpPr>
@@ -17559,46 +18413,18 @@
           </a:xfrm>
         </p:spPr>
         <p:txBody>
-          <a:bodyPr rtlCol="0">
-            <a:normAutofit/>
-          </a:bodyPr>
+          <a:bodyPr/>
           <a:lstStyle/>
           <a:p>
-            <a:pPr eaLnBrk="1" fontAlgn="auto" hangingPunct="1">
-              <a:spcAft>
-                <a:spcPts val="0"/>
-              </a:spcAft>
-              <a:defRPr/>
-            </a:pPr>
+            <a:pPr eaLnBrk="1" hangingPunct="1"/>
             <a:r>
-              <a:rPr lang="es-PE" b="1" dirty="0" smtClean="0">
+              <a:rPr lang="es-PE" b="1" smtClean="0">
                 <a:solidFill>
                   <a:schemeClr val="tx1"/>
                 </a:solidFill>
               </a:rPr>
-              <a:t>ENTIDADES D</a:t>
+              <a:t>ENTIDADES DEL NEGOCIO</a:t>
             </a:r>
-            <a:r>
-              <a:rPr lang="es-PE" b="1" dirty="0" smtClean="0">
-                <a:solidFill>
-                  <a:schemeClr val="tx1"/>
-                </a:solidFill>
-              </a:rPr>
-              <a:t>EL </a:t>
-            </a:r>
-            <a:r>
-              <a:rPr lang="es-PE" b="1" dirty="0" smtClean="0">
-                <a:solidFill>
-                  <a:schemeClr val="tx1"/>
-                </a:solidFill>
-              </a:rPr>
-              <a:t>NEGOCIO</a:t>
-            </a:r>
-            <a:endParaRPr lang="es-PE" b="1" dirty="0">
-              <a:solidFill>
-                <a:schemeClr val="tx1"/>
-              </a:solidFill>
-            </a:endParaRPr>
           </a:p>
         </p:txBody>
       </p:sp>
@@ -17656,11 +18482,7 @@
             </a:r>
             <a:r>
               <a:rPr lang="es-PE" dirty="0" smtClean="0"/>
-              <a:t>DE </a:t>
-            </a:r>
-            <a:r>
-              <a:rPr lang="es-PE" dirty="0" smtClean="0"/>
-              <a:t>ENTIDADES DEL NEGOCIO</a:t>
+              <a:t>DE ENTIDADES DEL NEGOCIO</a:t>
             </a:r>
             <a:endParaRPr lang="es-PE" dirty="0"/>
           </a:p>
@@ -17668,208 +18490,730 @@
       </p:sp>
       <p:graphicFrame>
         <p:nvGraphicFramePr>
-          <p:cNvPr id="6" name="5 Tabla"/>
+          <p:cNvPr id="22552" name="Group 24"/>
           <p:cNvGraphicFramePr>
             <a:graphicFrameLocks noGrp="1"/>
           </p:cNvGraphicFramePr>
           <p:nvPr/>
         </p:nvGraphicFramePr>
         <p:xfrm>
-          <a:off x="323850" y="2348881"/>
-          <a:ext cx="8568952" cy="4257991"/>
+          <a:off x="323850" y="2349500"/>
+          <a:ext cx="8569325" cy="4257675"/>
         </p:xfrm>
         <a:graphic>
           <a:graphicData uri="http://schemas.openxmlformats.org/drawingml/2006/table">
             <a:tbl>
-              <a:tblPr firstRow="1" bandRow="1">
-                <a:tableStyleId>{BC89EF96-8CEA-46FF-86C4-4CE0E7609802}</a:tableStyleId>
-              </a:tblPr>
+              <a:tblPr/>
               <a:tblGrid>
-                <a:gridCol w="2427870"/>
-                <a:gridCol w="6141082"/>
+                <a:gridCol w="2427288"/>
+                <a:gridCol w="6142037"/>
               </a:tblGrid>
-              <a:tr h="1015800">
+              <a:tr h="1016000">
                 <a:tc>
                   <a:txBody>
                     <a:bodyPr/>
                     <a:lstStyle/>
                     <a:p>
-                      <a:endParaRPr lang="es-ES" dirty="0"/>
+                      <a:pPr marL="0" marR="0" lvl="0" indent="0" algn="l" defTabSz="914400" rtl="0" eaLnBrk="1" fontAlgn="base" latinLnBrk="0" hangingPunct="1">
+                        <a:lnSpc>
+                          <a:spcPct val="100000"/>
+                        </a:lnSpc>
+                        <a:spcBef>
+                          <a:spcPct val="0"/>
+                        </a:spcBef>
+                        <a:spcAft>
+                          <a:spcPct val="0"/>
+                        </a:spcAft>
+                        <a:buClrTx/>
+                        <a:buSzTx/>
+                        <a:buFontTx/>
+                        <a:buNone/>
+                        <a:tabLst/>
+                      </a:pPr>
+                      <a:endParaRPr kumimoji="0" lang="es-ES" sz="1800" b="1" i="0" u="none" strike="noStrike" cap="none" normalizeH="0" baseline="0" smtClean="0">
+                        <a:ln>
+                          <a:noFill/>
+                        </a:ln>
+                        <a:solidFill>
+                          <a:schemeClr val="tx1"/>
+                        </a:solidFill>
+                        <a:effectLst/>
+                        <a:latin typeface="Candara" pitchFamily="34" charset="0"/>
+                      </a:endParaRPr>
                     </a:p>
                   </a:txBody>
-                  <a:tcPr/>
+                  <a:tcPr horzOverflow="overflow">
+                    <a:lnL w="12700" cap="flat" cmpd="sng" algn="ctr">
+                      <a:solidFill>
+                        <a:schemeClr val="accent1"/>
+                      </a:solidFill>
+                      <a:prstDash val="solid"/>
+                      <a:round/>
+                      <a:headEnd type="none" w="med" len="med"/>
+                      <a:tailEnd type="none" w="med" len="med"/>
+                    </a:lnL>
+                    <a:lnR w="12700" cap="flat" cmpd="sng" algn="ctr">
+                      <a:solidFill>
+                        <a:schemeClr val="accent1"/>
+                      </a:solidFill>
+                      <a:prstDash val="solid"/>
+                      <a:round/>
+                      <a:headEnd type="none" w="med" len="med"/>
+                      <a:tailEnd type="none" w="med" len="med"/>
+                    </a:lnR>
+                    <a:lnT w="12700" cap="flat" cmpd="sng" algn="ctr">
+                      <a:solidFill>
+                        <a:schemeClr val="accent1"/>
+                      </a:solidFill>
+                      <a:prstDash val="solid"/>
+                      <a:round/>
+                      <a:headEnd type="none" w="med" len="med"/>
+                      <a:tailEnd type="none" w="med" len="med"/>
+                    </a:lnT>
+                    <a:lnB w="25400" cap="flat" cmpd="sng" algn="ctr">
+                      <a:solidFill>
+                        <a:schemeClr val="accent1"/>
+                      </a:solidFill>
+                      <a:prstDash val="solid"/>
+                      <a:round/>
+                      <a:headEnd type="none" w="med" len="med"/>
+                      <a:tailEnd type="none" w="med" len="med"/>
+                    </a:lnB>
+                    <a:lnTlToBr>
+                      <a:noFill/>
+                    </a:lnTlToBr>
+                    <a:lnBlToTr>
+                      <a:noFill/>
+                    </a:lnBlToTr>
+                    <a:noFill/>
+                  </a:tcPr>
                 </a:tc>
                 <a:tc>
                   <a:txBody>
                     <a:bodyPr/>
                     <a:lstStyle/>
                     <a:p>
-                      <a:pPr marL="0" marR="0" indent="0" algn="just" defTabSz="914400" rtl="0" eaLnBrk="1" fontAlgn="auto" latinLnBrk="0" hangingPunct="1">
+                      <a:pPr marL="0" marR="0" lvl="0" indent="0" algn="just" defTabSz="914400" rtl="0" eaLnBrk="1" fontAlgn="base" latinLnBrk="0" hangingPunct="1">
                         <a:lnSpc>
                           <a:spcPct val="100000"/>
                         </a:lnSpc>
                         <a:spcBef>
-                          <a:spcPts val="0"/>
+                          <a:spcPct val="0"/>
                         </a:spcBef>
                         <a:spcAft>
-                          <a:spcPts val="0"/>
+                          <a:spcPct val="0"/>
                         </a:spcAft>
                         <a:buClrTx/>
                         <a:buSzTx/>
                         <a:buFontTx/>
                         <a:buNone/>
                         <a:tabLst/>
-                        <a:defRPr/>
                       </a:pPr>
-                      <a:endParaRPr lang="es-ES" sz="1800" b="0" kern="1200" dirty="0" smtClean="0">
+                      <a:r>
+                        <a:rPr kumimoji="0" lang="es-PE" sz="1800" b="0" i="0" u="none" strike="noStrike" cap="none" normalizeH="0" baseline="0" smtClean="0">
+                          <a:ln>
+                            <a:noFill/>
+                          </a:ln>
+                          <a:solidFill>
+                            <a:schemeClr val="tx1"/>
+                          </a:solidFill>
+                          <a:effectLst/>
+                          <a:latin typeface="Candara" pitchFamily="34" charset="0"/>
+                        </a:rPr>
+                        <a:t>Representa el registro de Contrato</a:t>
+                      </a:r>
+                      <a:endParaRPr kumimoji="0" lang="es-ES" sz="1800" b="0" i="0" u="none" strike="noStrike" cap="none" normalizeH="0" baseline="0" smtClean="0">
+                        <a:ln>
+                          <a:noFill/>
+                        </a:ln>
                         <a:solidFill>
                           <a:schemeClr val="tx1"/>
                         </a:solidFill>
-                        <a:latin typeface="+mn-lt"/>
-                        <a:ea typeface="+mn-ea"/>
-                        <a:cs typeface="+mn-cs"/>
+                        <a:effectLst/>
+                        <a:latin typeface="Candara" pitchFamily="34" charset="0"/>
                       </a:endParaRPr>
                     </a:p>
                   </a:txBody>
-                  <a:tcPr/>
+                  <a:tcPr horzOverflow="overflow">
+                    <a:lnL w="12700" cap="flat" cmpd="sng" algn="ctr">
+                      <a:solidFill>
+                        <a:schemeClr val="accent1"/>
+                      </a:solidFill>
+                      <a:prstDash val="solid"/>
+                      <a:round/>
+                      <a:headEnd type="none" w="med" len="med"/>
+                      <a:tailEnd type="none" w="med" len="med"/>
+                    </a:lnL>
+                    <a:lnR w="12700" cap="flat" cmpd="sng" algn="ctr">
+                      <a:solidFill>
+                        <a:schemeClr val="accent1"/>
+                      </a:solidFill>
+                      <a:prstDash val="solid"/>
+                      <a:round/>
+                      <a:headEnd type="none" w="med" len="med"/>
+                      <a:tailEnd type="none" w="med" len="med"/>
+                    </a:lnR>
+                    <a:lnT w="12700" cap="flat" cmpd="sng" algn="ctr">
+                      <a:solidFill>
+                        <a:schemeClr val="accent1"/>
+                      </a:solidFill>
+                      <a:prstDash val="solid"/>
+                      <a:round/>
+                      <a:headEnd type="none" w="med" len="med"/>
+                      <a:tailEnd type="none" w="med" len="med"/>
+                    </a:lnT>
+                    <a:lnB w="25400" cap="flat" cmpd="sng" algn="ctr">
+                      <a:solidFill>
+                        <a:schemeClr val="accent1"/>
+                      </a:solidFill>
+                      <a:prstDash val="solid"/>
+                      <a:round/>
+                      <a:headEnd type="none" w="med" len="med"/>
+                      <a:tailEnd type="none" w="med" len="med"/>
+                    </a:lnB>
+                    <a:lnTlToBr>
+                      <a:noFill/>
+                    </a:lnTlToBr>
+                    <a:lnBlToTr>
+                      <a:noFill/>
+                    </a:lnBlToTr>
+                    <a:noFill/>
+                  </a:tcPr>
                 </a:tc>
               </a:tr>
-              <a:tr h="1000424">
+              <a:tr h="1000125">
                 <a:tc>
                   <a:txBody>
                     <a:bodyPr/>
                     <a:lstStyle/>
                     <a:p>
-                      <a:endParaRPr lang="es-ES" dirty="0"/>
+                      <a:pPr marL="0" marR="0" lvl="0" indent="0" algn="l" defTabSz="914400" rtl="0" eaLnBrk="1" fontAlgn="base" latinLnBrk="0" hangingPunct="1">
+                        <a:lnSpc>
+                          <a:spcPct val="100000"/>
+                        </a:lnSpc>
+                        <a:spcBef>
+                          <a:spcPct val="0"/>
+                        </a:spcBef>
+                        <a:spcAft>
+                          <a:spcPct val="0"/>
+                        </a:spcAft>
+                        <a:buClrTx/>
+                        <a:buSzTx/>
+                        <a:buFontTx/>
+                        <a:buNone/>
+                        <a:tabLst/>
+                      </a:pPr>
+                      <a:endParaRPr kumimoji="0" lang="es-ES" sz="1800" b="0" i="0" u="none" strike="noStrike" cap="none" normalizeH="0" baseline="0" smtClean="0">
+                        <a:ln>
+                          <a:noFill/>
+                        </a:ln>
+                        <a:solidFill>
+                          <a:schemeClr val="tx1"/>
+                        </a:solidFill>
+                        <a:effectLst/>
+                        <a:latin typeface="Candara" pitchFamily="34" charset="0"/>
+                      </a:endParaRPr>
                     </a:p>
                   </a:txBody>
-                  <a:tcPr/>
+                  <a:tcPr horzOverflow="overflow">
+                    <a:lnL w="12700" cap="flat" cmpd="sng" algn="ctr">
+                      <a:solidFill>
+                        <a:schemeClr val="accent1"/>
+                      </a:solidFill>
+                      <a:prstDash val="solid"/>
+                      <a:round/>
+                      <a:headEnd type="none" w="med" len="med"/>
+                      <a:tailEnd type="none" w="med" len="med"/>
+                    </a:lnL>
+                    <a:lnR w="12700" cap="flat" cmpd="sng" algn="ctr">
+                      <a:solidFill>
+                        <a:schemeClr val="accent1"/>
+                      </a:solidFill>
+                      <a:prstDash val="solid"/>
+                      <a:round/>
+                      <a:headEnd type="none" w="med" len="med"/>
+                      <a:tailEnd type="none" w="med" len="med"/>
+                    </a:lnR>
+                    <a:lnT w="25400" cap="flat" cmpd="sng" algn="ctr">
+                      <a:solidFill>
+                        <a:schemeClr val="accent1"/>
+                      </a:solidFill>
+                      <a:prstDash val="solid"/>
+                      <a:round/>
+                      <a:headEnd type="none" w="med" len="med"/>
+                      <a:tailEnd type="none" w="med" len="med"/>
+                    </a:lnT>
+                    <a:lnB w="12700" cap="flat" cmpd="sng" algn="ctr">
+                      <a:solidFill>
+                        <a:schemeClr val="accent1"/>
+                      </a:solidFill>
+                      <a:prstDash val="solid"/>
+                      <a:round/>
+                      <a:headEnd type="none" w="med" len="med"/>
+                      <a:tailEnd type="none" w="med" len="med"/>
+                    </a:lnB>
+                    <a:lnTlToBr>
+                      <a:noFill/>
+                    </a:lnTlToBr>
+                    <a:lnBlToTr>
+                      <a:noFill/>
+                    </a:lnBlToTr>
+                    <a:solidFill>
+                      <a:schemeClr val="accent1">
+                        <a:alpha val="20000"/>
+                      </a:schemeClr>
+                    </a:solidFill>
+                  </a:tcPr>
                 </a:tc>
                 <a:tc>
                   <a:txBody>
                     <a:bodyPr/>
                     <a:lstStyle/>
                     <a:p>
-                      <a:pPr marL="0" marR="0" indent="0" algn="just" defTabSz="914400" rtl="0" eaLnBrk="1" fontAlgn="auto" latinLnBrk="0" hangingPunct="1">
+                      <a:pPr marL="0" marR="0" lvl="0" indent="0" algn="just" defTabSz="914400" rtl="0" eaLnBrk="1" fontAlgn="base" latinLnBrk="0" hangingPunct="1">
                         <a:lnSpc>
                           <a:spcPct val="100000"/>
                         </a:lnSpc>
                         <a:spcBef>
-                          <a:spcPts val="0"/>
+                          <a:spcPct val="0"/>
                         </a:spcBef>
                         <a:spcAft>
-                          <a:spcPts val="0"/>
+                          <a:spcPct val="0"/>
                         </a:spcAft>
                         <a:buClrTx/>
                         <a:buSzTx/>
                         <a:buFontTx/>
                         <a:buNone/>
                         <a:tabLst/>
-                        <a:defRPr/>
                       </a:pPr>
-                      <a:endParaRPr lang="es-ES" sz="1800" b="0" kern="1200" dirty="0" smtClean="0">
+                      <a:r>
+                        <a:rPr kumimoji="0" lang="es-PE" sz="1800" b="0" i="0" u="none" strike="noStrike" cap="none" normalizeH="0" baseline="0" smtClean="0">
+                          <a:ln>
+                            <a:noFill/>
+                          </a:ln>
+                          <a:solidFill>
+                            <a:schemeClr val="tx1"/>
+                          </a:solidFill>
+                          <a:effectLst/>
+                          <a:latin typeface="Candara" pitchFamily="34" charset="0"/>
+                        </a:rPr>
+                        <a:t>Representa el registro de Adenda</a:t>
+                      </a:r>
+                      <a:endParaRPr kumimoji="0" lang="es-ES" sz="1800" b="0" i="0" u="none" strike="noStrike" cap="none" normalizeH="0" baseline="0" smtClean="0">
+                        <a:ln>
+                          <a:noFill/>
+                        </a:ln>
                         <a:solidFill>
                           <a:schemeClr val="tx1"/>
                         </a:solidFill>
-                        <a:latin typeface="+mn-lt"/>
-                        <a:ea typeface="+mn-ea"/>
-                        <a:cs typeface="+mn-cs"/>
+                        <a:effectLst/>
+                        <a:latin typeface="Candara" pitchFamily="34" charset="0"/>
                       </a:endParaRPr>
                     </a:p>
                   </a:txBody>
-                  <a:tcPr/>
+                  <a:tcPr horzOverflow="overflow">
+                    <a:lnL w="12700" cap="flat" cmpd="sng" algn="ctr">
+                      <a:solidFill>
+                        <a:schemeClr val="accent1"/>
+                      </a:solidFill>
+                      <a:prstDash val="solid"/>
+                      <a:round/>
+                      <a:headEnd type="none" w="med" len="med"/>
+                      <a:tailEnd type="none" w="med" len="med"/>
+                    </a:lnL>
+                    <a:lnR w="12700" cap="flat" cmpd="sng" algn="ctr">
+                      <a:solidFill>
+                        <a:schemeClr val="accent1"/>
+                      </a:solidFill>
+                      <a:prstDash val="solid"/>
+                      <a:round/>
+                      <a:headEnd type="none" w="med" len="med"/>
+                      <a:tailEnd type="none" w="med" len="med"/>
+                    </a:lnR>
+                    <a:lnT w="25400" cap="flat" cmpd="sng" algn="ctr">
+                      <a:solidFill>
+                        <a:schemeClr val="accent1"/>
+                      </a:solidFill>
+                      <a:prstDash val="solid"/>
+                      <a:round/>
+                      <a:headEnd type="none" w="med" len="med"/>
+                      <a:tailEnd type="none" w="med" len="med"/>
+                    </a:lnT>
+                    <a:lnB w="12700" cap="flat" cmpd="sng" algn="ctr">
+                      <a:solidFill>
+                        <a:schemeClr val="accent1"/>
+                      </a:solidFill>
+                      <a:prstDash val="solid"/>
+                      <a:round/>
+                      <a:headEnd type="none" w="med" len="med"/>
+                      <a:tailEnd type="none" w="med" len="med"/>
+                    </a:lnB>
+                    <a:lnTlToBr>
+                      <a:noFill/>
+                    </a:lnTlToBr>
+                    <a:lnBlToTr>
+                      <a:noFill/>
+                    </a:lnBlToTr>
+                    <a:solidFill>
+                      <a:schemeClr val="accent1">
+                        <a:alpha val="20000"/>
+                      </a:schemeClr>
+                    </a:solidFill>
+                  </a:tcPr>
                 </a:tc>
               </a:tr>
-              <a:tr h="1080120">
+              <a:tr h="1079500">
                 <a:tc>
                   <a:txBody>
                     <a:bodyPr/>
                     <a:lstStyle/>
                     <a:p>
-                      <a:endParaRPr lang="es-ES" dirty="0"/>
+                      <a:pPr marL="0" marR="0" lvl="0" indent="0" algn="l" defTabSz="914400" rtl="0" eaLnBrk="1" fontAlgn="base" latinLnBrk="0" hangingPunct="1">
+                        <a:lnSpc>
+                          <a:spcPct val="100000"/>
+                        </a:lnSpc>
+                        <a:spcBef>
+                          <a:spcPct val="0"/>
+                        </a:spcBef>
+                        <a:spcAft>
+                          <a:spcPct val="0"/>
+                        </a:spcAft>
+                        <a:buClrTx/>
+                        <a:buSzTx/>
+                        <a:buFontTx/>
+                        <a:buNone/>
+                        <a:tabLst/>
+                      </a:pPr>
+                      <a:endParaRPr kumimoji="0" lang="es-ES" sz="1800" b="0" i="0" u="none" strike="noStrike" cap="none" normalizeH="0" baseline="0" smtClean="0">
+                        <a:ln>
+                          <a:noFill/>
+                        </a:ln>
+                        <a:solidFill>
+                          <a:schemeClr val="tx1"/>
+                        </a:solidFill>
+                        <a:effectLst/>
+                        <a:latin typeface="Candara" pitchFamily="34" charset="0"/>
+                      </a:endParaRPr>
                     </a:p>
                   </a:txBody>
-                  <a:tcPr/>
+                  <a:tcPr horzOverflow="overflow">
+                    <a:lnL w="12700" cap="flat" cmpd="sng" algn="ctr">
+                      <a:solidFill>
+                        <a:schemeClr val="accent1"/>
+                      </a:solidFill>
+                      <a:prstDash val="solid"/>
+                      <a:round/>
+                      <a:headEnd type="none" w="med" len="med"/>
+                      <a:tailEnd type="none" w="med" len="med"/>
+                    </a:lnL>
+                    <a:lnR w="12700" cap="flat" cmpd="sng" algn="ctr">
+                      <a:solidFill>
+                        <a:schemeClr val="accent1"/>
+                      </a:solidFill>
+                      <a:prstDash val="solid"/>
+                      <a:round/>
+                      <a:headEnd type="none" w="med" len="med"/>
+                      <a:tailEnd type="none" w="med" len="med"/>
+                    </a:lnR>
+                    <a:lnT w="12700" cap="flat" cmpd="sng" algn="ctr">
+                      <a:solidFill>
+                        <a:schemeClr val="accent1"/>
+                      </a:solidFill>
+                      <a:prstDash val="solid"/>
+                      <a:round/>
+                      <a:headEnd type="none" w="med" len="med"/>
+                      <a:tailEnd type="none" w="med" len="med"/>
+                    </a:lnT>
+                    <a:lnB w="12700" cap="flat" cmpd="sng" algn="ctr">
+                      <a:solidFill>
+                        <a:schemeClr val="accent1"/>
+                      </a:solidFill>
+                      <a:prstDash val="solid"/>
+                      <a:round/>
+                      <a:headEnd type="none" w="med" len="med"/>
+                      <a:tailEnd type="none" w="med" len="med"/>
+                    </a:lnB>
+                    <a:lnTlToBr>
+                      <a:noFill/>
+                    </a:lnTlToBr>
+                    <a:lnBlToTr>
+                      <a:noFill/>
+                    </a:lnBlToTr>
+                    <a:noFill/>
+                  </a:tcPr>
                 </a:tc>
                 <a:tc>
                   <a:txBody>
                     <a:bodyPr/>
                     <a:lstStyle/>
                     <a:p>
-                      <a:pPr marL="0" marR="0" indent="0" algn="just" defTabSz="914400" rtl="0" eaLnBrk="1" fontAlgn="auto" latinLnBrk="0" hangingPunct="1">
+                      <a:pPr marL="0" marR="0" lvl="0" indent="0" algn="just" defTabSz="914400" rtl="0" eaLnBrk="1" fontAlgn="base" latinLnBrk="0" hangingPunct="1">
                         <a:lnSpc>
                           <a:spcPct val="100000"/>
                         </a:lnSpc>
                         <a:spcBef>
-                          <a:spcPts val="0"/>
+                          <a:spcPct val="0"/>
                         </a:spcBef>
                         <a:spcAft>
-                          <a:spcPts val="0"/>
+                          <a:spcPct val="0"/>
                         </a:spcAft>
                         <a:buClrTx/>
                         <a:buSzTx/>
                         <a:buFontTx/>
                         <a:buNone/>
                         <a:tabLst/>
-                        <a:defRPr/>
                       </a:pPr>
-                      <a:endParaRPr lang="es-ES" sz="1800" b="0" kern="1200" dirty="0" smtClean="0">
+                      <a:r>
+                        <a:rPr kumimoji="0" lang="es-PE" sz="1800" b="0" i="0" u="none" strike="noStrike" cap="none" normalizeH="0" baseline="0" smtClean="0">
+                          <a:ln>
+                            <a:noFill/>
+                          </a:ln>
+                          <a:solidFill>
+                            <a:schemeClr val="tx1"/>
+                          </a:solidFill>
+                          <a:effectLst/>
+                          <a:latin typeface="Candara" pitchFamily="34" charset="0"/>
+                        </a:rPr>
+                        <a:t>Representa el registro de Clientes</a:t>
+                      </a:r>
+                      <a:endParaRPr kumimoji="0" lang="es-ES" sz="1800" b="0" i="0" u="none" strike="noStrike" cap="none" normalizeH="0" baseline="0" smtClean="0">
+                        <a:ln>
+                          <a:noFill/>
+                        </a:ln>
                         <a:solidFill>
                           <a:schemeClr val="tx1"/>
                         </a:solidFill>
-                        <a:latin typeface="+mn-lt"/>
-                        <a:ea typeface="+mn-ea"/>
-                        <a:cs typeface="+mn-cs"/>
+                        <a:effectLst/>
+                        <a:latin typeface="Candara" pitchFamily="34" charset="0"/>
                       </a:endParaRPr>
                     </a:p>
                   </a:txBody>
-                  <a:tcPr/>
+                  <a:tcPr horzOverflow="overflow">
+                    <a:lnL w="12700" cap="flat" cmpd="sng" algn="ctr">
+                      <a:solidFill>
+                        <a:schemeClr val="accent1"/>
+                      </a:solidFill>
+                      <a:prstDash val="solid"/>
+                      <a:round/>
+                      <a:headEnd type="none" w="med" len="med"/>
+                      <a:tailEnd type="none" w="med" len="med"/>
+                    </a:lnL>
+                    <a:lnR w="12700" cap="flat" cmpd="sng" algn="ctr">
+                      <a:solidFill>
+                        <a:schemeClr val="accent1"/>
+                      </a:solidFill>
+                      <a:prstDash val="solid"/>
+                      <a:round/>
+                      <a:headEnd type="none" w="med" len="med"/>
+                      <a:tailEnd type="none" w="med" len="med"/>
+                    </a:lnR>
+                    <a:lnT w="12700" cap="flat" cmpd="sng" algn="ctr">
+                      <a:solidFill>
+                        <a:schemeClr val="accent1"/>
+                      </a:solidFill>
+                      <a:prstDash val="solid"/>
+                      <a:round/>
+                      <a:headEnd type="none" w="med" len="med"/>
+                      <a:tailEnd type="none" w="med" len="med"/>
+                    </a:lnT>
+                    <a:lnB w="12700" cap="flat" cmpd="sng" algn="ctr">
+                      <a:solidFill>
+                        <a:schemeClr val="accent1"/>
+                      </a:solidFill>
+                      <a:prstDash val="solid"/>
+                      <a:round/>
+                      <a:headEnd type="none" w="med" len="med"/>
+                      <a:tailEnd type="none" w="med" len="med"/>
+                    </a:lnB>
+                    <a:lnTlToBr>
+                      <a:noFill/>
+                    </a:lnTlToBr>
+                    <a:lnBlToTr>
+                      <a:noFill/>
+                    </a:lnBlToTr>
+                    <a:noFill/>
+                  </a:tcPr>
                 </a:tc>
               </a:tr>
-              <a:tr h="1161647">
+              <a:tr h="1162050">
                 <a:tc>
                   <a:txBody>
                     <a:bodyPr/>
                     <a:lstStyle/>
                     <a:p>
-                      <a:endParaRPr lang="es-ES" dirty="0"/>
+                      <a:pPr marL="0" marR="0" lvl="0" indent="0" algn="l" defTabSz="914400" rtl="0" eaLnBrk="1" fontAlgn="base" latinLnBrk="0" hangingPunct="1">
+                        <a:lnSpc>
+                          <a:spcPct val="100000"/>
+                        </a:lnSpc>
+                        <a:spcBef>
+                          <a:spcPct val="0"/>
+                        </a:spcBef>
+                        <a:spcAft>
+                          <a:spcPct val="0"/>
+                        </a:spcAft>
+                        <a:buClrTx/>
+                        <a:buSzTx/>
+                        <a:buFontTx/>
+                        <a:buNone/>
+                        <a:tabLst/>
+                      </a:pPr>
+                      <a:endParaRPr kumimoji="0" lang="es-ES" sz="1800" b="0" i="0" u="none" strike="noStrike" cap="none" normalizeH="0" baseline="0" smtClean="0">
+                        <a:ln>
+                          <a:noFill/>
+                        </a:ln>
+                        <a:solidFill>
+                          <a:schemeClr val="tx1"/>
+                        </a:solidFill>
+                        <a:effectLst/>
+                        <a:latin typeface="Candara" pitchFamily="34" charset="0"/>
+                      </a:endParaRPr>
                     </a:p>
                   </a:txBody>
-                  <a:tcPr/>
+                  <a:tcPr horzOverflow="overflow">
+                    <a:lnL w="12700" cap="flat" cmpd="sng" algn="ctr">
+                      <a:solidFill>
+                        <a:schemeClr val="accent1"/>
+                      </a:solidFill>
+                      <a:prstDash val="solid"/>
+                      <a:round/>
+                      <a:headEnd type="none" w="med" len="med"/>
+                      <a:tailEnd type="none" w="med" len="med"/>
+                    </a:lnL>
+                    <a:lnR w="12700" cap="flat" cmpd="sng" algn="ctr">
+                      <a:solidFill>
+                        <a:schemeClr val="accent1"/>
+                      </a:solidFill>
+                      <a:prstDash val="solid"/>
+                      <a:round/>
+                      <a:headEnd type="none" w="med" len="med"/>
+                      <a:tailEnd type="none" w="med" len="med"/>
+                    </a:lnR>
+                    <a:lnT w="12700" cap="flat" cmpd="sng" algn="ctr">
+                      <a:solidFill>
+                        <a:schemeClr val="accent1"/>
+                      </a:solidFill>
+                      <a:prstDash val="solid"/>
+                      <a:round/>
+                      <a:headEnd type="none" w="med" len="med"/>
+                      <a:tailEnd type="none" w="med" len="med"/>
+                    </a:lnT>
+                    <a:lnB w="12700" cap="flat" cmpd="sng" algn="ctr">
+                      <a:solidFill>
+                        <a:schemeClr val="accent1"/>
+                      </a:solidFill>
+                      <a:prstDash val="solid"/>
+                      <a:round/>
+                      <a:headEnd type="none" w="med" len="med"/>
+                      <a:tailEnd type="none" w="med" len="med"/>
+                    </a:lnB>
+                    <a:lnTlToBr>
+                      <a:noFill/>
+                    </a:lnTlToBr>
+                    <a:lnBlToTr>
+                      <a:noFill/>
+                    </a:lnBlToTr>
+                    <a:solidFill>
+                      <a:schemeClr val="accent1">
+                        <a:alpha val="20000"/>
+                      </a:schemeClr>
+                    </a:solidFill>
+                  </a:tcPr>
                 </a:tc>
                 <a:tc>
                   <a:txBody>
                     <a:bodyPr/>
                     <a:lstStyle/>
                     <a:p>
-                      <a:pPr marL="0" marR="0" indent="0" algn="just" defTabSz="914400" rtl="0" eaLnBrk="1" fontAlgn="auto" latinLnBrk="0" hangingPunct="1">
+                      <a:pPr marL="0" marR="0" lvl="0" indent="0" algn="just" defTabSz="914400" rtl="0" eaLnBrk="1" fontAlgn="base" latinLnBrk="0" hangingPunct="1">
                         <a:lnSpc>
                           <a:spcPct val="100000"/>
                         </a:lnSpc>
                         <a:spcBef>
-                          <a:spcPts val="0"/>
+                          <a:spcPct val="0"/>
                         </a:spcBef>
                         <a:spcAft>
-                          <a:spcPts val="0"/>
+                          <a:spcPct val="0"/>
                         </a:spcAft>
                         <a:buClrTx/>
                         <a:buSzTx/>
                         <a:buFontTx/>
                         <a:buNone/>
                         <a:tabLst/>
-                        <a:defRPr/>
                       </a:pPr>
-                      <a:endParaRPr lang="es-ES" sz="1800" b="0" kern="1200" dirty="0" smtClean="0">
+                      <a:r>
+                        <a:rPr kumimoji="0" lang="es-PE" sz="1800" b="0" i="0" u="none" strike="noStrike" cap="none" normalizeH="0" baseline="0" smtClean="0">
+                          <a:ln>
+                            <a:noFill/>
+                          </a:ln>
+                          <a:solidFill>
+                            <a:schemeClr val="tx1"/>
+                          </a:solidFill>
+                          <a:effectLst/>
+                          <a:latin typeface="Candara" pitchFamily="34" charset="0"/>
+                        </a:rPr>
+                        <a:t>Representa el registro de Servicio</a:t>
+                      </a:r>
+                      <a:endParaRPr kumimoji="0" lang="es-ES" sz="1800" b="0" i="0" u="none" strike="noStrike" cap="none" normalizeH="0" baseline="0" smtClean="0">
+                        <a:ln>
+                          <a:noFill/>
+                        </a:ln>
                         <a:solidFill>
                           <a:schemeClr val="tx1"/>
                         </a:solidFill>
-                        <a:latin typeface="+mn-lt"/>
-                        <a:ea typeface="+mn-ea"/>
-                        <a:cs typeface="+mn-cs"/>
+                        <a:effectLst/>
+                        <a:latin typeface="Candara" pitchFamily="34" charset="0"/>
                       </a:endParaRPr>
                     </a:p>
                   </a:txBody>
-                  <a:tcPr/>
+                  <a:tcPr horzOverflow="overflow">
+                    <a:lnL w="12700" cap="flat" cmpd="sng" algn="ctr">
+                      <a:solidFill>
+                        <a:schemeClr val="accent1"/>
+                      </a:solidFill>
+                      <a:prstDash val="solid"/>
+                      <a:round/>
+                      <a:headEnd type="none" w="med" len="med"/>
+                      <a:tailEnd type="none" w="med" len="med"/>
+                    </a:lnL>
+                    <a:lnR w="12700" cap="flat" cmpd="sng" algn="ctr">
+                      <a:solidFill>
+                        <a:schemeClr val="accent1"/>
+                      </a:solidFill>
+                      <a:prstDash val="solid"/>
+                      <a:round/>
+                      <a:headEnd type="none" w="med" len="med"/>
+                      <a:tailEnd type="none" w="med" len="med"/>
+                    </a:lnR>
+                    <a:lnT w="12700" cap="flat" cmpd="sng" algn="ctr">
+                      <a:solidFill>
+                        <a:schemeClr val="accent1"/>
+                      </a:solidFill>
+                      <a:prstDash val="solid"/>
+                      <a:round/>
+                      <a:headEnd type="none" w="med" len="med"/>
+                      <a:tailEnd type="none" w="med" len="med"/>
+                    </a:lnT>
+                    <a:lnB w="12700" cap="flat" cmpd="sng" algn="ctr">
+                      <a:solidFill>
+                        <a:schemeClr val="accent1"/>
+                      </a:solidFill>
+                      <a:prstDash val="solid"/>
+                      <a:round/>
+                      <a:headEnd type="none" w="med" len="med"/>
+                      <a:tailEnd type="none" w="med" len="med"/>
+                    </a:lnB>
+                    <a:lnTlToBr>
+                      <a:noFill/>
+                    </a:lnTlToBr>
+                    <a:lnBlToTr>
+                      <a:noFill/>
+                    </a:lnBlToTr>
+                    <a:solidFill>
+                      <a:schemeClr val="accent1">
+                        <a:alpha val="20000"/>
+                      </a:schemeClr>
+                    </a:solidFill>
+                  </a:tcPr>
                 </a:tc>
               </a:tr>
             </a:tbl>
@@ -17878,14 +19222,14 @@
       </p:graphicFrame>
       <p:pic>
         <p:nvPicPr>
-          <p:cNvPr id="3074" name="Picture 2"/>
+          <p:cNvPr id="22547" name="Picture 2"/>
           <p:cNvPicPr>
             <a:picLocks noChangeAspect="1" noChangeArrowheads="1"/>
           </p:cNvPicPr>
           <p:nvPr/>
         </p:nvPicPr>
         <p:blipFill>
-          <a:blip r:embed="rId2" cstate="print"/>
+          <a:blip r:embed="rId2"/>
           <a:srcRect/>
           <a:stretch>
             <a:fillRect/>
@@ -17893,7 +19237,7 @@
         </p:blipFill>
         <p:spPr bwMode="auto">
           <a:xfrm>
-            <a:off x="1115616" y="2420888"/>
+            <a:off x="1116013" y="2420938"/>
             <a:ext cx="942975" cy="876300"/>
           </a:xfrm>
           <a:prstGeom prst="rect">
@@ -17910,14 +19254,14 @@
       </p:pic>
       <p:pic>
         <p:nvPicPr>
-          <p:cNvPr id="3076" name="Picture 4"/>
+          <p:cNvPr id="22548" name="Picture 4"/>
           <p:cNvPicPr>
             <a:picLocks noChangeAspect="1" noChangeArrowheads="1"/>
           </p:cNvPicPr>
           <p:nvPr/>
         </p:nvPicPr>
         <p:blipFill>
-          <a:blip r:embed="rId3" cstate="print"/>
+          <a:blip r:embed="rId3"/>
           <a:srcRect/>
           <a:stretch>
             <a:fillRect/>
@@ -17925,7 +19269,7 @@
         </p:blipFill>
         <p:spPr bwMode="auto">
           <a:xfrm>
-            <a:off x="1115616" y="4487391"/>
+            <a:off x="1116013" y="4487863"/>
             <a:ext cx="933450" cy="885825"/>
           </a:xfrm>
           <a:prstGeom prst="rect">
@@ -17942,14 +19286,14 @@
       </p:pic>
       <p:pic>
         <p:nvPicPr>
-          <p:cNvPr id="3077" name="Picture 5"/>
+          <p:cNvPr id="22549" name="Picture 5"/>
           <p:cNvPicPr>
             <a:picLocks noChangeAspect="1" noChangeArrowheads="1"/>
           </p:cNvPicPr>
           <p:nvPr/>
         </p:nvPicPr>
         <p:blipFill>
-          <a:blip r:embed="rId4" cstate="print"/>
+          <a:blip r:embed="rId4"/>
           <a:srcRect/>
           <a:stretch>
             <a:fillRect/>
@@ -17957,7 +19301,7 @@
         </p:blipFill>
         <p:spPr bwMode="auto">
           <a:xfrm>
-            <a:off x="1080170" y="3429000"/>
+            <a:off x="1079500" y="3429000"/>
             <a:ext cx="971550" cy="914400"/>
           </a:xfrm>
           <a:prstGeom prst="rect">
@@ -17974,14 +19318,14 @@
       </p:pic>
       <p:pic>
         <p:nvPicPr>
-          <p:cNvPr id="3079" name="Picture 7"/>
+          <p:cNvPr id="22550" name="Picture 7"/>
           <p:cNvPicPr>
             <a:picLocks noChangeAspect="1" noChangeArrowheads="1"/>
           </p:cNvPicPr>
           <p:nvPr/>
         </p:nvPicPr>
         <p:blipFill>
-          <a:blip r:embed="rId5" cstate="print"/>
+          <a:blip r:embed="rId5"/>
           <a:srcRect/>
           <a:stretch>
             <a:fillRect/>
@@ -17989,7 +19333,7 @@
         </p:blipFill>
         <p:spPr bwMode="auto">
           <a:xfrm>
-            <a:off x="1115616" y="5661248"/>
+            <a:off x="1116013" y="5661025"/>
             <a:ext cx="923925" cy="857250"/>
           </a:xfrm>
           <a:prstGeom prst="rect">
@@ -18065,11 +19409,7 @@
             </a:r>
             <a:r>
               <a:rPr lang="es-PE" dirty="0" smtClean="0"/>
-              <a:t>DE </a:t>
-            </a:r>
-            <a:r>
-              <a:rPr lang="es-PE" dirty="0" smtClean="0"/>
-              <a:t>ENTIDADES DEL NEGOCIO</a:t>
+              <a:t>DE ENTIDADES DEL NEGOCIO</a:t>
             </a:r>
             <a:endParaRPr lang="es-PE" dirty="0"/>
           </a:p>
@@ -18084,201 +19424,751 @@
           <p:nvPr/>
         </p:nvGraphicFramePr>
         <p:xfrm>
-          <a:off x="323850" y="2348881"/>
-          <a:ext cx="8568952" cy="4176463"/>
+          <a:off x="323850" y="2349500"/>
+          <a:ext cx="8569325" cy="4175125"/>
         </p:xfrm>
         <a:graphic>
           <a:graphicData uri="http://schemas.openxmlformats.org/drawingml/2006/table">
             <a:tbl>
-              <a:tblPr firstRow="1" bandRow="1">
-                <a:tableStyleId>{BC89EF96-8CEA-46FF-86C4-4CE0E7609802}</a:tableStyleId>
-              </a:tblPr>
+              <a:tblPr/>
               <a:tblGrid>
-                <a:gridCol w="2427870"/>
-                <a:gridCol w="6141082"/>
+                <a:gridCol w="2427288"/>
+                <a:gridCol w="6142037"/>
               </a:tblGrid>
-              <a:tr h="1043673">
+              <a:tr h="1042988">
                 <a:tc>
                   <a:txBody>
                     <a:bodyPr/>
                     <a:lstStyle/>
                     <a:p>
-                      <a:endParaRPr lang="es-ES" dirty="0"/>
+                      <a:pPr marL="0" marR="0" lvl="0" indent="0" algn="l" defTabSz="914400" rtl="0" eaLnBrk="1" fontAlgn="base" latinLnBrk="0" hangingPunct="1">
+                        <a:lnSpc>
+                          <a:spcPct val="100000"/>
+                        </a:lnSpc>
+                        <a:spcBef>
+                          <a:spcPct val="0"/>
+                        </a:spcBef>
+                        <a:spcAft>
+                          <a:spcPct val="0"/>
+                        </a:spcAft>
+                        <a:buClrTx/>
+                        <a:buSzTx/>
+                        <a:buFontTx/>
+                        <a:buNone/>
+                        <a:tabLst/>
+                      </a:pPr>
+                      <a:endParaRPr kumimoji="0" lang="es-ES" sz="1800" b="1" i="0" u="none" strike="noStrike" cap="none" normalizeH="0" baseline="0" smtClean="0">
+                        <a:ln>
+                          <a:noFill/>
+                        </a:ln>
+                        <a:solidFill>
+                          <a:schemeClr val="tx1"/>
+                        </a:solidFill>
+                        <a:effectLst/>
+                        <a:latin typeface="Candara" pitchFamily="34" charset="0"/>
+                      </a:endParaRPr>
                     </a:p>
                   </a:txBody>
-                  <a:tcPr/>
+                  <a:tcPr horzOverflow="overflow">
+                    <a:lnL w="12700" cap="flat" cmpd="sng" algn="ctr">
+                      <a:solidFill>
+                        <a:schemeClr val="accent1"/>
+                      </a:solidFill>
+                      <a:prstDash val="solid"/>
+                      <a:round/>
+                      <a:headEnd type="none" w="med" len="med"/>
+                      <a:tailEnd type="none" w="med" len="med"/>
+                    </a:lnL>
+                    <a:lnR w="12700" cap="flat" cmpd="sng" algn="ctr">
+                      <a:solidFill>
+                        <a:schemeClr val="accent1"/>
+                      </a:solidFill>
+                      <a:prstDash val="solid"/>
+                      <a:round/>
+                      <a:headEnd type="none" w="med" len="med"/>
+                      <a:tailEnd type="none" w="med" len="med"/>
+                    </a:lnR>
+                    <a:lnT w="12700" cap="flat" cmpd="sng" algn="ctr">
+                      <a:solidFill>
+                        <a:schemeClr val="accent1"/>
+                      </a:solidFill>
+                      <a:prstDash val="solid"/>
+                      <a:round/>
+                      <a:headEnd type="none" w="med" len="med"/>
+                      <a:tailEnd type="none" w="med" len="med"/>
+                    </a:lnT>
+                    <a:lnB w="25400" cap="flat" cmpd="sng" algn="ctr">
+                      <a:solidFill>
+                        <a:schemeClr val="accent1"/>
+                      </a:solidFill>
+                      <a:prstDash val="solid"/>
+                      <a:round/>
+                      <a:headEnd type="none" w="med" len="med"/>
+                      <a:tailEnd type="none" w="med" len="med"/>
+                    </a:lnB>
+                    <a:lnTlToBr>
+                      <a:noFill/>
+                    </a:lnTlToBr>
+                    <a:lnBlToTr>
+                      <a:noFill/>
+                    </a:lnBlToTr>
+                    <a:noFill/>
+                  </a:tcPr>
                 </a:tc>
                 <a:tc>
                   <a:txBody>
                     <a:bodyPr/>
                     <a:lstStyle/>
                     <a:p>
-                      <a:pPr marL="0" marR="0" indent="0" algn="just" defTabSz="914400" rtl="0" eaLnBrk="1" fontAlgn="auto" latinLnBrk="0" hangingPunct="1">
+                      <a:pPr marL="0" marR="0" lvl="0" indent="0" algn="just" defTabSz="914400" rtl="0" eaLnBrk="1" fontAlgn="base" latinLnBrk="0" hangingPunct="1">
                         <a:lnSpc>
                           <a:spcPct val="100000"/>
                         </a:lnSpc>
                         <a:spcBef>
-                          <a:spcPts val="0"/>
+                          <a:spcPct val="0"/>
                         </a:spcBef>
                         <a:spcAft>
-                          <a:spcPts val="0"/>
+                          <a:spcPct val="0"/>
                         </a:spcAft>
                         <a:buClrTx/>
                         <a:buSzTx/>
                         <a:buFontTx/>
                         <a:buNone/>
                         <a:tabLst/>
-                        <a:defRPr/>
                       </a:pPr>
-                      <a:endParaRPr lang="es-ES" sz="1800" b="0" kern="1200" dirty="0" smtClean="0">
+                      <a:r>
+                        <a:rPr kumimoji="0" lang="es-PE" sz="1800" b="0" i="0" u="none" strike="noStrike" cap="none" normalizeH="0" baseline="0" smtClean="0">
+                          <a:ln>
+                            <a:noFill/>
+                          </a:ln>
+                          <a:solidFill>
+                            <a:schemeClr val="tx1"/>
+                          </a:solidFill>
+                          <a:effectLst/>
+                          <a:latin typeface="Candara" pitchFamily="34" charset="0"/>
+                        </a:rPr>
+                        <a:t>Representa el registro de Hoja de requerimiento</a:t>
+                      </a:r>
+                      <a:endParaRPr kumimoji="0" lang="es-ES" sz="1800" b="0" i="0" u="none" strike="noStrike" cap="none" normalizeH="0" baseline="0" smtClean="0">
+                        <a:ln>
+                          <a:noFill/>
+                        </a:ln>
                         <a:solidFill>
                           <a:schemeClr val="tx1"/>
                         </a:solidFill>
-                        <a:latin typeface="+mn-lt"/>
-                        <a:ea typeface="+mn-ea"/>
-                        <a:cs typeface="+mn-cs"/>
+                        <a:effectLst/>
+                        <a:latin typeface="Candara" pitchFamily="34" charset="0"/>
                       </a:endParaRPr>
                     </a:p>
                   </a:txBody>
-                  <a:tcPr/>
+                  <a:tcPr horzOverflow="overflow">
+                    <a:lnL w="12700" cap="flat" cmpd="sng" algn="ctr">
+                      <a:solidFill>
+                        <a:schemeClr val="accent1"/>
+                      </a:solidFill>
+                      <a:prstDash val="solid"/>
+                      <a:round/>
+                      <a:headEnd type="none" w="med" len="med"/>
+                      <a:tailEnd type="none" w="med" len="med"/>
+                    </a:lnL>
+                    <a:lnR w="12700" cap="flat" cmpd="sng" algn="ctr">
+                      <a:solidFill>
+                        <a:schemeClr val="accent1"/>
+                      </a:solidFill>
+                      <a:prstDash val="solid"/>
+                      <a:round/>
+                      <a:headEnd type="none" w="med" len="med"/>
+                      <a:tailEnd type="none" w="med" len="med"/>
+                    </a:lnR>
+                    <a:lnT w="12700" cap="flat" cmpd="sng" algn="ctr">
+                      <a:solidFill>
+                        <a:schemeClr val="accent1"/>
+                      </a:solidFill>
+                      <a:prstDash val="solid"/>
+                      <a:round/>
+                      <a:headEnd type="none" w="med" len="med"/>
+                      <a:tailEnd type="none" w="med" len="med"/>
+                    </a:lnT>
+                    <a:lnB w="25400" cap="flat" cmpd="sng" algn="ctr">
+                      <a:solidFill>
+                        <a:schemeClr val="accent1"/>
+                      </a:solidFill>
+                      <a:prstDash val="solid"/>
+                      <a:round/>
+                      <a:headEnd type="none" w="med" len="med"/>
+                      <a:tailEnd type="none" w="med" len="med"/>
+                    </a:lnB>
+                    <a:lnTlToBr>
+                      <a:noFill/>
+                    </a:lnTlToBr>
+                    <a:lnBlToTr>
+                      <a:noFill/>
+                    </a:lnBlToTr>
+                    <a:noFill/>
+                  </a:tcPr>
                 </a:tc>
               </a:tr>
-              <a:tr h="1044558">
+              <a:tr h="1044575">
                 <a:tc>
                   <a:txBody>
                     <a:bodyPr/>
                     <a:lstStyle/>
                     <a:p>
-                      <a:endParaRPr lang="es-ES" dirty="0"/>
+                      <a:pPr marL="0" marR="0" lvl="0" indent="0" algn="l" defTabSz="914400" rtl="0" eaLnBrk="1" fontAlgn="base" latinLnBrk="0" hangingPunct="1">
+                        <a:lnSpc>
+                          <a:spcPct val="100000"/>
+                        </a:lnSpc>
+                        <a:spcBef>
+                          <a:spcPct val="0"/>
+                        </a:spcBef>
+                        <a:spcAft>
+                          <a:spcPct val="0"/>
+                        </a:spcAft>
+                        <a:buClrTx/>
+                        <a:buSzTx/>
+                        <a:buFontTx/>
+                        <a:buNone/>
+                        <a:tabLst/>
+                      </a:pPr>
+                      <a:endParaRPr kumimoji="0" lang="es-ES" sz="1800" b="0" i="0" u="none" strike="noStrike" cap="none" normalizeH="0" baseline="0" smtClean="0">
+                        <a:ln>
+                          <a:noFill/>
+                        </a:ln>
+                        <a:solidFill>
+                          <a:schemeClr val="tx1"/>
+                        </a:solidFill>
+                        <a:effectLst/>
+                        <a:latin typeface="Candara" pitchFamily="34" charset="0"/>
+                      </a:endParaRPr>
                     </a:p>
                   </a:txBody>
-                  <a:tcPr/>
+                  <a:tcPr horzOverflow="overflow">
+                    <a:lnL w="12700" cap="flat" cmpd="sng" algn="ctr">
+                      <a:solidFill>
+                        <a:schemeClr val="accent1"/>
+                      </a:solidFill>
+                      <a:prstDash val="solid"/>
+                      <a:round/>
+                      <a:headEnd type="none" w="med" len="med"/>
+                      <a:tailEnd type="none" w="med" len="med"/>
+                    </a:lnL>
+                    <a:lnR w="12700" cap="flat" cmpd="sng" algn="ctr">
+                      <a:solidFill>
+                        <a:schemeClr val="accent1"/>
+                      </a:solidFill>
+                      <a:prstDash val="solid"/>
+                      <a:round/>
+                      <a:headEnd type="none" w="med" len="med"/>
+                      <a:tailEnd type="none" w="med" len="med"/>
+                    </a:lnR>
+                    <a:lnT w="25400" cap="flat" cmpd="sng" algn="ctr">
+                      <a:solidFill>
+                        <a:schemeClr val="accent1"/>
+                      </a:solidFill>
+                      <a:prstDash val="solid"/>
+                      <a:round/>
+                      <a:headEnd type="none" w="med" len="med"/>
+                      <a:tailEnd type="none" w="med" len="med"/>
+                    </a:lnT>
+                    <a:lnB w="12700" cap="flat" cmpd="sng" algn="ctr">
+                      <a:solidFill>
+                        <a:schemeClr val="accent1"/>
+                      </a:solidFill>
+                      <a:prstDash val="solid"/>
+                      <a:round/>
+                      <a:headEnd type="none" w="med" len="med"/>
+                      <a:tailEnd type="none" w="med" len="med"/>
+                    </a:lnB>
+                    <a:lnTlToBr>
+                      <a:noFill/>
+                    </a:lnTlToBr>
+                    <a:lnBlToTr>
+                      <a:noFill/>
+                    </a:lnBlToTr>
+                    <a:solidFill>
+                      <a:schemeClr val="accent1">
+                        <a:alpha val="20000"/>
+                      </a:schemeClr>
+                    </a:solidFill>
+                  </a:tcPr>
                 </a:tc>
                 <a:tc>
                   <a:txBody>
                     <a:bodyPr/>
                     <a:lstStyle/>
                     <a:p>
-                      <a:pPr marL="0" marR="0" indent="0" algn="just" defTabSz="914400" rtl="0" eaLnBrk="1" fontAlgn="auto" latinLnBrk="0" hangingPunct="1">
+                      <a:pPr marL="0" marR="0" lvl="0" indent="0" algn="just" defTabSz="914400" rtl="0" eaLnBrk="1" fontAlgn="base" latinLnBrk="0" hangingPunct="1">
                         <a:lnSpc>
                           <a:spcPct val="100000"/>
                         </a:lnSpc>
                         <a:spcBef>
-                          <a:spcPts val="0"/>
+                          <a:spcPct val="0"/>
                         </a:spcBef>
                         <a:spcAft>
-                          <a:spcPts val="0"/>
+                          <a:spcPct val="0"/>
                         </a:spcAft>
                         <a:buClrTx/>
                         <a:buSzTx/>
                         <a:buFontTx/>
                         <a:buNone/>
                         <a:tabLst/>
-                        <a:defRPr/>
                       </a:pPr>
-                      <a:endParaRPr lang="es-ES" sz="1800" b="0" kern="1200" dirty="0" smtClean="0">
+                      <a:r>
+                        <a:rPr kumimoji="0" lang="es-PE" sz="1800" b="0" i="0" u="none" strike="noStrike" cap="none" normalizeH="0" baseline="0" smtClean="0">
+                          <a:ln>
+                            <a:noFill/>
+                          </a:ln>
+                          <a:solidFill>
+                            <a:schemeClr val="tx1"/>
+                          </a:solidFill>
+                          <a:effectLst/>
+                          <a:latin typeface="Candara" pitchFamily="34" charset="0"/>
+                        </a:rPr>
+                        <a:t>Representa el registro de Línea de Servicio</a:t>
+                      </a:r>
+                      <a:endParaRPr kumimoji="0" lang="es-ES" sz="1800" b="0" i="0" u="none" strike="noStrike" cap="none" normalizeH="0" baseline="0" smtClean="0">
+                        <a:ln>
+                          <a:noFill/>
+                        </a:ln>
                         <a:solidFill>
                           <a:schemeClr val="tx1"/>
                         </a:solidFill>
-                        <a:latin typeface="+mn-lt"/>
-                        <a:ea typeface="+mn-ea"/>
-                        <a:cs typeface="+mn-cs"/>
+                        <a:effectLst/>
+                        <a:latin typeface="Candara" pitchFamily="34" charset="0"/>
+                      </a:endParaRPr>
+                    </a:p>
+                    <a:p>
+                      <a:pPr marL="0" marR="0" lvl="0" indent="0" algn="just" defTabSz="914400" rtl="0" eaLnBrk="1" fontAlgn="base" latinLnBrk="0" hangingPunct="1">
+                        <a:lnSpc>
+                          <a:spcPct val="100000"/>
+                        </a:lnSpc>
+                        <a:spcBef>
+                          <a:spcPct val="0"/>
+                        </a:spcBef>
+                        <a:spcAft>
+                          <a:spcPct val="0"/>
+                        </a:spcAft>
+                        <a:buClrTx/>
+                        <a:buSzTx/>
+                        <a:buFontTx/>
+                        <a:buNone/>
+                        <a:tabLst/>
+                      </a:pPr>
+                      <a:endParaRPr kumimoji="0" lang="es-ES" sz="1800" b="0" i="0" u="none" strike="noStrike" cap="none" normalizeH="0" baseline="0" smtClean="0">
+                        <a:ln>
+                          <a:noFill/>
+                        </a:ln>
+                        <a:solidFill>
+                          <a:schemeClr val="tx1"/>
+                        </a:solidFill>
+                        <a:effectLst/>
+                        <a:latin typeface="Candara" pitchFamily="34" charset="0"/>
                       </a:endParaRPr>
                     </a:p>
                   </a:txBody>
-                  <a:tcPr/>
+                  <a:tcPr horzOverflow="overflow">
+                    <a:lnL w="12700" cap="flat" cmpd="sng" algn="ctr">
+                      <a:solidFill>
+                        <a:schemeClr val="accent1"/>
+                      </a:solidFill>
+                      <a:prstDash val="solid"/>
+                      <a:round/>
+                      <a:headEnd type="none" w="med" len="med"/>
+                      <a:tailEnd type="none" w="med" len="med"/>
+                    </a:lnL>
+                    <a:lnR w="12700" cap="flat" cmpd="sng" algn="ctr">
+                      <a:solidFill>
+                        <a:schemeClr val="accent1"/>
+                      </a:solidFill>
+                      <a:prstDash val="solid"/>
+                      <a:round/>
+                      <a:headEnd type="none" w="med" len="med"/>
+                      <a:tailEnd type="none" w="med" len="med"/>
+                    </a:lnR>
+                    <a:lnT w="25400" cap="flat" cmpd="sng" algn="ctr">
+                      <a:solidFill>
+                        <a:schemeClr val="accent1"/>
+                      </a:solidFill>
+                      <a:prstDash val="solid"/>
+                      <a:round/>
+                      <a:headEnd type="none" w="med" len="med"/>
+                      <a:tailEnd type="none" w="med" len="med"/>
+                    </a:lnT>
+                    <a:lnB w="12700" cap="flat" cmpd="sng" algn="ctr">
+                      <a:solidFill>
+                        <a:schemeClr val="accent1"/>
+                      </a:solidFill>
+                      <a:prstDash val="solid"/>
+                      <a:round/>
+                      <a:headEnd type="none" w="med" len="med"/>
+                      <a:tailEnd type="none" w="med" len="med"/>
+                    </a:lnB>
+                    <a:lnTlToBr>
+                      <a:noFill/>
+                    </a:lnTlToBr>
+                    <a:lnBlToTr>
+                      <a:noFill/>
+                    </a:lnBlToTr>
+                    <a:solidFill>
+                      <a:schemeClr val="accent1">
+                        <a:alpha val="20000"/>
+                      </a:schemeClr>
+                    </a:solidFill>
+                  </a:tcPr>
                 </a:tc>
               </a:tr>
-              <a:tr h="1043674">
+              <a:tr h="1042988">
                 <a:tc>
                   <a:txBody>
                     <a:bodyPr/>
                     <a:lstStyle/>
                     <a:p>
-                      <a:endParaRPr lang="es-ES" dirty="0"/>
+                      <a:pPr marL="0" marR="0" lvl="0" indent="0" algn="l" defTabSz="914400" rtl="0" eaLnBrk="1" fontAlgn="base" latinLnBrk="0" hangingPunct="1">
+                        <a:lnSpc>
+                          <a:spcPct val="100000"/>
+                        </a:lnSpc>
+                        <a:spcBef>
+                          <a:spcPct val="0"/>
+                        </a:spcBef>
+                        <a:spcAft>
+                          <a:spcPct val="0"/>
+                        </a:spcAft>
+                        <a:buClrTx/>
+                        <a:buSzTx/>
+                        <a:buFontTx/>
+                        <a:buNone/>
+                        <a:tabLst/>
+                      </a:pPr>
+                      <a:endParaRPr kumimoji="0" lang="es-ES" sz="1800" b="0" i="0" u="none" strike="noStrike" cap="none" normalizeH="0" baseline="0" smtClean="0">
+                        <a:ln>
+                          <a:noFill/>
+                        </a:ln>
+                        <a:solidFill>
+                          <a:schemeClr val="tx1"/>
+                        </a:solidFill>
+                        <a:effectLst/>
+                        <a:latin typeface="Candara" pitchFamily="34" charset="0"/>
+                      </a:endParaRPr>
                     </a:p>
                   </a:txBody>
-                  <a:tcPr/>
+                  <a:tcPr horzOverflow="overflow">
+                    <a:lnL w="12700" cap="flat" cmpd="sng" algn="ctr">
+                      <a:solidFill>
+                        <a:schemeClr val="accent1"/>
+                      </a:solidFill>
+                      <a:prstDash val="solid"/>
+                      <a:round/>
+                      <a:headEnd type="none" w="med" len="med"/>
+                      <a:tailEnd type="none" w="med" len="med"/>
+                    </a:lnL>
+                    <a:lnR w="12700" cap="flat" cmpd="sng" algn="ctr">
+                      <a:solidFill>
+                        <a:schemeClr val="accent1"/>
+                      </a:solidFill>
+                      <a:prstDash val="solid"/>
+                      <a:round/>
+                      <a:headEnd type="none" w="med" len="med"/>
+                      <a:tailEnd type="none" w="med" len="med"/>
+                    </a:lnR>
+                    <a:lnT w="12700" cap="flat" cmpd="sng" algn="ctr">
+                      <a:solidFill>
+                        <a:schemeClr val="accent1"/>
+                      </a:solidFill>
+                      <a:prstDash val="solid"/>
+                      <a:round/>
+                      <a:headEnd type="none" w="med" len="med"/>
+                      <a:tailEnd type="none" w="med" len="med"/>
+                    </a:lnT>
+                    <a:lnB w="12700" cap="flat" cmpd="sng" algn="ctr">
+                      <a:solidFill>
+                        <a:schemeClr val="accent1"/>
+                      </a:solidFill>
+                      <a:prstDash val="solid"/>
+                      <a:round/>
+                      <a:headEnd type="none" w="med" len="med"/>
+                      <a:tailEnd type="none" w="med" len="med"/>
+                    </a:lnB>
+                    <a:lnTlToBr>
+                      <a:noFill/>
+                    </a:lnTlToBr>
+                    <a:lnBlToTr>
+                      <a:noFill/>
+                    </a:lnBlToTr>
+                    <a:noFill/>
+                  </a:tcPr>
                 </a:tc>
                 <a:tc>
                   <a:txBody>
                     <a:bodyPr/>
                     <a:lstStyle/>
                     <a:p>
-                      <a:pPr marL="0" marR="0" indent="0" algn="just" defTabSz="914400" rtl="0" eaLnBrk="1" fontAlgn="auto" latinLnBrk="0" hangingPunct="1">
+                      <a:pPr marL="0" marR="0" lvl="0" indent="0" algn="just" defTabSz="914400" rtl="0" eaLnBrk="1" fontAlgn="base" latinLnBrk="0" hangingPunct="1">
                         <a:lnSpc>
                           <a:spcPct val="100000"/>
                         </a:lnSpc>
                         <a:spcBef>
-                          <a:spcPts val="0"/>
+                          <a:spcPct val="0"/>
                         </a:spcBef>
                         <a:spcAft>
-                          <a:spcPts val="0"/>
+                          <a:spcPct val="0"/>
                         </a:spcAft>
                         <a:buClrTx/>
                         <a:buSzTx/>
                         <a:buFontTx/>
                         <a:buNone/>
                         <a:tabLst/>
-                        <a:defRPr/>
                       </a:pPr>
-                      <a:endParaRPr lang="es-ES" sz="1800" b="0" kern="1200" dirty="0" smtClean="0">
+                      <a:r>
+                        <a:rPr kumimoji="0" lang="es-PE" sz="1800" b="0" i="0" u="none" strike="noStrike" cap="none" normalizeH="0" baseline="0" smtClean="0">
+                          <a:ln>
+                            <a:noFill/>
+                          </a:ln>
+                          <a:solidFill>
+                            <a:schemeClr val="tx1"/>
+                          </a:solidFill>
+                          <a:effectLst/>
+                          <a:latin typeface="Candara" pitchFamily="34" charset="0"/>
+                        </a:rPr>
+                        <a:t>Representa el registro de la Carta Fianza</a:t>
+                      </a:r>
+                      <a:endParaRPr kumimoji="0" lang="es-ES" sz="1800" b="0" i="0" u="none" strike="noStrike" cap="none" normalizeH="0" baseline="0" smtClean="0">
+                        <a:ln>
+                          <a:noFill/>
+                        </a:ln>
                         <a:solidFill>
                           <a:schemeClr val="tx1"/>
                         </a:solidFill>
-                        <a:latin typeface="+mn-lt"/>
-                        <a:ea typeface="+mn-ea"/>
-                        <a:cs typeface="+mn-cs"/>
+                        <a:effectLst/>
+                        <a:latin typeface="Candara" pitchFamily="34" charset="0"/>
                       </a:endParaRPr>
                     </a:p>
                   </a:txBody>
-                  <a:tcPr/>
+                  <a:tcPr horzOverflow="overflow">
+                    <a:lnL w="12700" cap="flat" cmpd="sng" algn="ctr">
+                      <a:solidFill>
+                        <a:schemeClr val="accent1"/>
+                      </a:solidFill>
+                      <a:prstDash val="solid"/>
+                      <a:round/>
+                      <a:headEnd type="none" w="med" len="med"/>
+                      <a:tailEnd type="none" w="med" len="med"/>
+                    </a:lnL>
+                    <a:lnR w="12700" cap="flat" cmpd="sng" algn="ctr">
+                      <a:solidFill>
+                        <a:schemeClr val="accent1"/>
+                      </a:solidFill>
+                      <a:prstDash val="solid"/>
+                      <a:round/>
+                      <a:headEnd type="none" w="med" len="med"/>
+                      <a:tailEnd type="none" w="med" len="med"/>
+                    </a:lnR>
+                    <a:lnT w="12700" cap="flat" cmpd="sng" algn="ctr">
+                      <a:solidFill>
+                        <a:schemeClr val="accent1"/>
+                      </a:solidFill>
+                      <a:prstDash val="solid"/>
+                      <a:round/>
+                      <a:headEnd type="none" w="med" len="med"/>
+                      <a:tailEnd type="none" w="med" len="med"/>
+                    </a:lnT>
+                    <a:lnB w="12700" cap="flat" cmpd="sng" algn="ctr">
+                      <a:solidFill>
+                        <a:schemeClr val="accent1"/>
+                      </a:solidFill>
+                      <a:prstDash val="solid"/>
+                      <a:round/>
+                      <a:headEnd type="none" w="med" len="med"/>
+                      <a:tailEnd type="none" w="med" len="med"/>
+                    </a:lnB>
+                    <a:lnTlToBr>
+                      <a:noFill/>
+                    </a:lnTlToBr>
+                    <a:lnBlToTr>
+                      <a:noFill/>
+                    </a:lnBlToTr>
+                    <a:noFill/>
+                  </a:tcPr>
                 </a:tc>
               </a:tr>
-              <a:tr h="1044558">
+              <a:tr h="1044575">
                 <a:tc>
                   <a:txBody>
                     <a:bodyPr/>
                     <a:lstStyle/>
                     <a:p>
-                      <a:endParaRPr lang="es-ES" dirty="0"/>
+                      <a:pPr marL="0" marR="0" lvl="0" indent="0" algn="l" defTabSz="914400" rtl="0" eaLnBrk="1" fontAlgn="base" latinLnBrk="0" hangingPunct="1">
+                        <a:lnSpc>
+                          <a:spcPct val="100000"/>
+                        </a:lnSpc>
+                        <a:spcBef>
+                          <a:spcPct val="0"/>
+                        </a:spcBef>
+                        <a:spcAft>
+                          <a:spcPct val="0"/>
+                        </a:spcAft>
+                        <a:buClrTx/>
+                        <a:buSzTx/>
+                        <a:buFontTx/>
+                        <a:buNone/>
+                        <a:tabLst/>
+                      </a:pPr>
+                      <a:endParaRPr kumimoji="0" lang="es-ES" sz="1800" b="0" i="0" u="none" strike="noStrike" cap="none" normalizeH="0" baseline="0" smtClean="0">
+                        <a:ln>
+                          <a:noFill/>
+                        </a:ln>
+                        <a:solidFill>
+                          <a:schemeClr val="tx1"/>
+                        </a:solidFill>
+                        <a:effectLst/>
+                        <a:latin typeface="Candara" pitchFamily="34" charset="0"/>
+                      </a:endParaRPr>
                     </a:p>
                   </a:txBody>
-                  <a:tcPr/>
+                  <a:tcPr horzOverflow="overflow">
+                    <a:lnL w="12700" cap="flat" cmpd="sng" algn="ctr">
+                      <a:solidFill>
+                        <a:schemeClr val="accent1"/>
+                      </a:solidFill>
+                      <a:prstDash val="solid"/>
+                      <a:round/>
+                      <a:headEnd type="none" w="med" len="med"/>
+                      <a:tailEnd type="none" w="med" len="med"/>
+                    </a:lnL>
+                    <a:lnR w="12700" cap="flat" cmpd="sng" algn="ctr">
+                      <a:solidFill>
+                        <a:schemeClr val="accent1"/>
+                      </a:solidFill>
+                      <a:prstDash val="solid"/>
+                      <a:round/>
+                      <a:headEnd type="none" w="med" len="med"/>
+                      <a:tailEnd type="none" w="med" len="med"/>
+                    </a:lnR>
+                    <a:lnT w="12700" cap="flat" cmpd="sng" algn="ctr">
+                      <a:solidFill>
+                        <a:schemeClr val="accent1"/>
+                      </a:solidFill>
+                      <a:prstDash val="solid"/>
+                      <a:round/>
+                      <a:headEnd type="none" w="med" len="med"/>
+                      <a:tailEnd type="none" w="med" len="med"/>
+                    </a:lnT>
+                    <a:lnB w="12700" cap="flat" cmpd="sng" algn="ctr">
+                      <a:solidFill>
+                        <a:schemeClr val="accent1"/>
+                      </a:solidFill>
+                      <a:prstDash val="solid"/>
+                      <a:round/>
+                      <a:headEnd type="none" w="med" len="med"/>
+                      <a:tailEnd type="none" w="med" len="med"/>
+                    </a:lnB>
+                    <a:lnTlToBr>
+                      <a:noFill/>
+                    </a:lnTlToBr>
+                    <a:lnBlToTr>
+                      <a:noFill/>
+                    </a:lnBlToTr>
+                    <a:solidFill>
+                      <a:schemeClr val="accent1">
+                        <a:alpha val="20000"/>
+                      </a:schemeClr>
+                    </a:solidFill>
+                  </a:tcPr>
                 </a:tc>
                 <a:tc>
                   <a:txBody>
                     <a:bodyPr/>
                     <a:lstStyle/>
                     <a:p>
-                      <a:pPr marL="0" marR="0" indent="0" algn="just" defTabSz="914400" rtl="0" eaLnBrk="1" fontAlgn="auto" latinLnBrk="0" hangingPunct="1">
+                      <a:pPr marL="0" marR="0" lvl="0" indent="0" algn="just" defTabSz="914400" rtl="0" eaLnBrk="1" fontAlgn="base" latinLnBrk="0" hangingPunct="1">
                         <a:lnSpc>
                           <a:spcPct val="100000"/>
                         </a:lnSpc>
                         <a:spcBef>
-                          <a:spcPts val="0"/>
+                          <a:spcPct val="0"/>
                         </a:spcBef>
                         <a:spcAft>
-                          <a:spcPts val="0"/>
+                          <a:spcPct val="0"/>
                         </a:spcAft>
                         <a:buClrTx/>
                         <a:buSzTx/>
                         <a:buFontTx/>
                         <a:buNone/>
                         <a:tabLst/>
-                        <a:defRPr/>
                       </a:pPr>
-                      <a:endParaRPr lang="es-ES" sz="1800" b="0" kern="1200" dirty="0" smtClean="0">
+                      <a:r>
+                        <a:rPr kumimoji="0" lang="es-PE" sz="1800" b="0" i="0" u="none" strike="noStrike" cap="none" normalizeH="0" baseline="0" smtClean="0">
+                          <a:ln>
+                            <a:noFill/>
+                          </a:ln>
+                          <a:solidFill>
+                            <a:schemeClr val="tx1"/>
+                          </a:solidFill>
+                          <a:effectLst/>
+                          <a:latin typeface="Candara" pitchFamily="34" charset="0"/>
+                        </a:rPr>
+                        <a:t>Representa el registro de la Cotización</a:t>
+                      </a:r>
+                      <a:endParaRPr kumimoji="0" lang="es-ES" sz="1800" b="0" i="0" u="none" strike="noStrike" cap="none" normalizeH="0" baseline="0" smtClean="0">
+                        <a:ln>
+                          <a:noFill/>
+                        </a:ln>
                         <a:solidFill>
                           <a:schemeClr val="tx1"/>
                         </a:solidFill>
-                        <a:latin typeface="+mn-lt"/>
-                        <a:ea typeface="+mn-ea"/>
-                        <a:cs typeface="+mn-cs"/>
+                        <a:effectLst/>
+                        <a:latin typeface="Candara" pitchFamily="34" charset="0"/>
                       </a:endParaRPr>
                     </a:p>
                   </a:txBody>
-                  <a:tcPr/>
+                  <a:tcPr horzOverflow="overflow">
+                    <a:lnL w="12700" cap="flat" cmpd="sng" algn="ctr">
+                      <a:solidFill>
+                        <a:schemeClr val="accent1"/>
+                      </a:solidFill>
+                      <a:prstDash val="solid"/>
+                      <a:round/>
+                      <a:headEnd type="none" w="med" len="med"/>
+                      <a:tailEnd type="none" w="med" len="med"/>
+                    </a:lnL>
+                    <a:lnR w="12700" cap="flat" cmpd="sng" algn="ctr">
+                      <a:solidFill>
+                        <a:schemeClr val="accent1"/>
+                      </a:solidFill>
+                      <a:prstDash val="solid"/>
+                      <a:round/>
+                      <a:headEnd type="none" w="med" len="med"/>
+                      <a:tailEnd type="none" w="med" len="med"/>
+                    </a:lnR>
+                    <a:lnT w="12700" cap="flat" cmpd="sng" algn="ctr">
+                      <a:solidFill>
+                        <a:schemeClr val="accent1"/>
+                      </a:solidFill>
+                      <a:prstDash val="solid"/>
+                      <a:round/>
+                      <a:headEnd type="none" w="med" len="med"/>
+                      <a:tailEnd type="none" w="med" len="med"/>
+                    </a:lnT>
+                    <a:lnB w="12700" cap="flat" cmpd="sng" algn="ctr">
+                      <a:solidFill>
+                        <a:schemeClr val="accent1"/>
+                      </a:solidFill>
+                      <a:prstDash val="solid"/>
+                      <a:round/>
+                      <a:headEnd type="none" w="med" len="med"/>
+                      <a:tailEnd type="none" w="med" len="med"/>
+                    </a:lnB>
+                    <a:lnTlToBr>
+                      <a:noFill/>
+                    </a:lnTlToBr>
+                    <a:lnBlToTr>
+                      <a:noFill/>
+                    </a:lnBlToTr>
+                    <a:solidFill>
+                      <a:schemeClr val="accent1">
+                        <a:alpha val="20000"/>
+                      </a:schemeClr>
+                    </a:solidFill>
+                  </a:tcPr>
                 </a:tc>
               </a:tr>
             </a:tbl>
@@ -18287,14 +20177,14 @@
       </p:graphicFrame>
       <p:pic>
         <p:nvPicPr>
-          <p:cNvPr id="3078" name="Picture 6"/>
+          <p:cNvPr id="23573" name="Picture 3"/>
           <p:cNvPicPr>
             <a:picLocks noChangeAspect="1" noChangeArrowheads="1"/>
           </p:cNvPicPr>
           <p:nvPr/>
         </p:nvPicPr>
         <p:blipFill>
-          <a:blip r:embed="rId2" cstate="print"/>
+          <a:blip r:embed="rId2"/>
           <a:srcRect/>
           <a:stretch>
             <a:fillRect/>
@@ -18302,71 +20192,7 @@
         </p:blipFill>
         <p:spPr bwMode="auto">
           <a:xfrm>
-            <a:off x="827584" y="2423542"/>
-            <a:ext cx="1504950" cy="933450"/>
-          </a:xfrm>
-          <a:prstGeom prst="rect">
-            <a:avLst/>
-          </a:prstGeom>
-          <a:noFill/>
-          <a:ln w="9525">
-            <a:noFill/>
-            <a:miter lim="800000"/>
-            <a:headEnd/>
-            <a:tailEnd/>
-          </a:ln>
-        </p:spPr>
-      </p:pic>
-      <p:pic>
-        <p:nvPicPr>
-          <p:cNvPr id="4098" name="Picture 2"/>
-          <p:cNvPicPr>
-            <a:picLocks noChangeAspect="1" noChangeArrowheads="1"/>
-          </p:cNvPicPr>
-          <p:nvPr/>
-        </p:nvPicPr>
-        <p:blipFill>
-          <a:blip r:embed="rId3" cstate="print"/>
-          <a:srcRect/>
-          <a:stretch>
-            <a:fillRect/>
-          </a:stretch>
-        </p:blipFill>
-        <p:spPr bwMode="auto">
-          <a:xfrm>
-            <a:off x="971600" y="3460229"/>
-            <a:ext cx="1228725" cy="904875"/>
-          </a:xfrm>
-          <a:prstGeom prst="rect">
-            <a:avLst/>
-          </a:prstGeom>
-          <a:noFill/>
-          <a:ln w="9525">
-            <a:noFill/>
-            <a:miter lim="800000"/>
-            <a:headEnd/>
-            <a:tailEnd/>
-          </a:ln>
-        </p:spPr>
-      </p:pic>
-      <p:pic>
-        <p:nvPicPr>
-          <p:cNvPr id="4099" name="Picture 3"/>
-          <p:cNvPicPr>
-            <a:picLocks noChangeAspect="1" noChangeArrowheads="1"/>
-          </p:cNvPicPr>
-          <p:nvPr/>
-        </p:nvPicPr>
-        <p:blipFill>
-          <a:blip r:embed="rId4" cstate="print"/>
-          <a:srcRect/>
-          <a:stretch>
-            <a:fillRect/>
-          </a:stretch>
-        </p:blipFill>
-        <p:spPr bwMode="auto">
-          <a:xfrm>
-            <a:off x="971600" y="4509120"/>
+            <a:off x="971550" y="4508500"/>
             <a:ext cx="1143000" cy="885825"/>
           </a:xfrm>
           <a:prstGeom prst="rect">
@@ -18383,14 +20209,14 @@
       </p:pic>
       <p:pic>
         <p:nvPicPr>
-          <p:cNvPr id="4100" name="Picture 4"/>
+          <p:cNvPr id="23574" name="Picture 4"/>
           <p:cNvPicPr>
             <a:picLocks noChangeAspect="1" noChangeArrowheads="1"/>
           </p:cNvPicPr>
           <p:nvPr/>
         </p:nvPicPr>
         <p:blipFill>
-          <a:blip r:embed="rId5" cstate="print"/>
+          <a:blip r:embed="rId3"/>
           <a:srcRect/>
           <a:stretch>
             <a:fillRect/>
@@ -18398,7 +20224,7 @@
         </p:blipFill>
         <p:spPr bwMode="auto">
           <a:xfrm>
-            <a:off x="971600" y="5589240"/>
+            <a:off x="971550" y="5589588"/>
             <a:ext cx="1085850" cy="876300"/>
           </a:xfrm>
           <a:prstGeom prst="rect">
@@ -18411,6 +20237,72 @@
             <a:headEnd/>
             <a:tailEnd/>
           </a:ln>
+        </p:spPr>
+      </p:pic>
+      <p:pic>
+        <p:nvPicPr>
+          <p:cNvPr id="23576" name="Picture 24"/>
+          <p:cNvPicPr>
+            <a:picLocks noChangeAspect="1" noChangeArrowheads="1"/>
+          </p:cNvPicPr>
+          <p:nvPr/>
+        </p:nvPicPr>
+        <p:blipFill>
+          <a:blip r:embed="rId4"/>
+          <a:srcRect/>
+          <a:stretch>
+            <a:fillRect/>
+          </a:stretch>
+        </p:blipFill>
+        <p:spPr bwMode="auto">
+          <a:xfrm>
+            <a:off x="468313" y="2420938"/>
+            <a:ext cx="2089150" cy="954087"/>
+          </a:xfrm>
+          <a:prstGeom prst="rect">
+            <a:avLst/>
+          </a:prstGeom>
+          <a:noFill/>
+          <a:ln w="9525">
+            <a:noFill/>
+            <a:miter lim="800000"/>
+            <a:headEnd/>
+            <a:tailEnd/>
+          </a:ln>
+          <a:effectLst/>
+        </p:spPr>
+      </p:pic>
+      <p:pic>
+        <p:nvPicPr>
+          <p:cNvPr id="23577" name="Picture 25"/>
+          <p:cNvPicPr>
+            <a:picLocks noChangeAspect="1" noChangeArrowheads="1"/>
+          </p:cNvPicPr>
+          <p:nvPr/>
+        </p:nvPicPr>
+        <p:blipFill>
+          <a:blip r:embed="rId5"/>
+          <a:srcRect/>
+          <a:stretch>
+            <a:fillRect/>
+          </a:stretch>
+        </p:blipFill>
+        <p:spPr bwMode="auto">
+          <a:xfrm>
+            <a:off x="468313" y="3429000"/>
+            <a:ext cx="2122487" cy="965200"/>
+          </a:xfrm>
+          <a:prstGeom prst="rect">
+            <a:avLst/>
+          </a:prstGeom>
+          <a:noFill/>
+          <a:ln w="9525">
+            <a:noFill/>
+            <a:miter lim="800000"/>
+            <a:headEnd/>
+            <a:tailEnd/>
+          </a:ln>
+          <a:effectLst/>
         </p:spPr>
       </p:pic>
     </p:spTree>
@@ -18474,11 +20366,7 @@
             </a:r>
             <a:r>
               <a:rPr lang="es-PE" dirty="0" smtClean="0"/>
-              <a:t>DE </a:t>
-            </a:r>
-            <a:r>
-              <a:rPr lang="es-PE" dirty="0" smtClean="0"/>
-              <a:t>ENTIDADES DEL NEGOCIO</a:t>
+              <a:t>DE ENTIDADES DEL NEGOCIO</a:t>
             </a:r>
             <a:endParaRPr lang="es-PE" dirty="0"/>
           </a:p>
@@ -18493,201 +20381,723 @@
           <p:nvPr/>
         </p:nvGraphicFramePr>
         <p:xfrm>
-          <a:off x="323850" y="2348881"/>
-          <a:ext cx="8568952" cy="4176463"/>
+          <a:off x="323850" y="2349500"/>
+          <a:ext cx="8569325" cy="4175125"/>
         </p:xfrm>
         <a:graphic>
           <a:graphicData uri="http://schemas.openxmlformats.org/drawingml/2006/table">
             <a:tbl>
-              <a:tblPr firstRow="1" bandRow="1">
-                <a:tableStyleId>{BC89EF96-8CEA-46FF-86C4-4CE0E7609802}</a:tableStyleId>
-              </a:tblPr>
+              <a:tblPr/>
               <a:tblGrid>
-                <a:gridCol w="2427870"/>
-                <a:gridCol w="6141082"/>
+                <a:gridCol w="2427288"/>
+                <a:gridCol w="6142037"/>
               </a:tblGrid>
-              <a:tr h="1043673">
+              <a:tr h="1042988">
                 <a:tc>
                   <a:txBody>
                     <a:bodyPr/>
                     <a:lstStyle/>
                     <a:p>
-                      <a:endParaRPr lang="es-ES" dirty="0"/>
+                      <a:pPr marL="0" marR="0" lvl="0" indent="0" algn="l" defTabSz="914400" rtl="0" eaLnBrk="1" fontAlgn="base" latinLnBrk="0" hangingPunct="1">
+                        <a:lnSpc>
+                          <a:spcPct val="100000"/>
+                        </a:lnSpc>
+                        <a:spcBef>
+                          <a:spcPct val="0"/>
+                        </a:spcBef>
+                        <a:spcAft>
+                          <a:spcPct val="0"/>
+                        </a:spcAft>
+                        <a:buClrTx/>
+                        <a:buSzTx/>
+                        <a:buFontTx/>
+                        <a:buNone/>
+                        <a:tabLst/>
+                      </a:pPr>
+                      <a:endParaRPr kumimoji="0" lang="es-ES" sz="1800" b="1" i="0" u="none" strike="noStrike" cap="none" normalizeH="0" baseline="0" smtClean="0">
+                        <a:ln>
+                          <a:noFill/>
+                        </a:ln>
+                        <a:solidFill>
+                          <a:schemeClr val="tx1"/>
+                        </a:solidFill>
+                        <a:effectLst/>
+                        <a:latin typeface="Candara" pitchFamily="34" charset="0"/>
+                      </a:endParaRPr>
                     </a:p>
                   </a:txBody>
-                  <a:tcPr/>
+                  <a:tcPr horzOverflow="overflow">
+                    <a:lnL w="12700" cap="flat" cmpd="sng" algn="ctr">
+                      <a:solidFill>
+                        <a:schemeClr val="accent1"/>
+                      </a:solidFill>
+                      <a:prstDash val="solid"/>
+                      <a:round/>
+                      <a:headEnd type="none" w="med" len="med"/>
+                      <a:tailEnd type="none" w="med" len="med"/>
+                    </a:lnL>
+                    <a:lnR w="12700" cap="flat" cmpd="sng" algn="ctr">
+                      <a:solidFill>
+                        <a:schemeClr val="accent1"/>
+                      </a:solidFill>
+                      <a:prstDash val="solid"/>
+                      <a:round/>
+                      <a:headEnd type="none" w="med" len="med"/>
+                      <a:tailEnd type="none" w="med" len="med"/>
+                    </a:lnR>
+                    <a:lnT w="12700" cap="flat" cmpd="sng" algn="ctr">
+                      <a:solidFill>
+                        <a:schemeClr val="accent1"/>
+                      </a:solidFill>
+                      <a:prstDash val="solid"/>
+                      <a:round/>
+                      <a:headEnd type="none" w="med" len="med"/>
+                      <a:tailEnd type="none" w="med" len="med"/>
+                    </a:lnT>
+                    <a:lnB w="25400" cap="flat" cmpd="sng" algn="ctr">
+                      <a:solidFill>
+                        <a:schemeClr val="accent1"/>
+                      </a:solidFill>
+                      <a:prstDash val="solid"/>
+                      <a:round/>
+                      <a:headEnd type="none" w="med" len="med"/>
+                      <a:tailEnd type="none" w="med" len="med"/>
+                    </a:lnB>
+                    <a:lnTlToBr>
+                      <a:noFill/>
+                    </a:lnTlToBr>
+                    <a:lnBlToTr>
+                      <a:noFill/>
+                    </a:lnBlToTr>
+                    <a:noFill/>
+                  </a:tcPr>
                 </a:tc>
                 <a:tc>
                   <a:txBody>
                     <a:bodyPr/>
                     <a:lstStyle/>
                     <a:p>
-                      <a:pPr marL="0" marR="0" indent="0" algn="just" defTabSz="914400" rtl="0" eaLnBrk="1" fontAlgn="auto" latinLnBrk="0" hangingPunct="1">
+                      <a:pPr marL="0" marR="0" lvl="0" indent="0" algn="just" defTabSz="914400" rtl="0" eaLnBrk="1" fontAlgn="base" latinLnBrk="0" hangingPunct="1">
                         <a:lnSpc>
                           <a:spcPct val="100000"/>
                         </a:lnSpc>
                         <a:spcBef>
-                          <a:spcPts val="0"/>
+                          <a:spcPct val="0"/>
                         </a:spcBef>
                         <a:spcAft>
-                          <a:spcPts val="0"/>
+                          <a:spcPct val="0"/>
                         </a:spcAft>
                         <a:buClrTx/>
                         <a:buSzTx/>
                         <a:buFontTx/>
                         <a:buNone/>
                         <a:tabLst/>
-                        <a:defRPr/>
                       </a:pPr>
-                      <a:endParaRPr lang="es-ES" sz="1800" b="0" kern="1200" dirty="0" smtClean="0">
+                      <a:r>
+                        <a:rPr kumimoji="0" lang="es-PE" sz="1800" b="0" i="0" u="none" strike="noStrike" cap="none" normalizeH="0" baseline="0" smtClean="0">
+                          <a:ln>
+                            <a:noFill/>
+                          </a:ln>
+                          <a:solidFill>
+                            <a:schemeClr val="tx1"/>
+                          </a:solidFill>
+                          <a:effectLst/>
+                          <a:latin typeface="Candara" pitchFamily="34" charset="0"/>
+                        </a:rPr>
+                        <a:t>Representa el registro de la Base publicada</a:t>
+                      </a:r>
+                      <a:endParaRPr kumimoji="0" lang="es-ES" sz="1800" b="0" i="0" u="none" strike="noStrike" cap="none" normalizeH="0" baseline="0" smtClean="0">
+                        <a:ln>
+                          <a:noFill/>
+                        </a:ln>
                         <a:solidFill>
                           <a:schemeClr val="tx1"/>
                         </a:solidFill>
-                        <a:latin typeface="+mn-lt"/>
-                        <a:ea typeface="+mn-ea"/>
-                        <a:cs typeface="+mn-cs"/>
+                        <a:effectLst/>
+                        <a:latin typeface="Candara" pitchFamily="34" charset="0"/>
                       </a:endParaRPr>
                     </a:p>
                   </a:txBody>
-                  <a:tcPr/>
+                  <a:tcPr horzOverflow="overflow">
+                    <a:lnL w="12700" cap="flat" cmpd="sng" algn="ctr">
+                      <a:solidFill>
+                        <a:schemeClr val="accent1"/>
+                      </a:solidFill>
+                      <a:prstDash val="solid"/>
+                      <a:round/>
+                      <a:headEnd type="none" w="med" len="med"/>
+                      <a:tailEnd type="none" w="med" len="med"/>
+                    </a:lnL>
+                    <a:lnR w="12700" cap="flat" cmpd="sng" algn="ctr">
+                      <a:solidFill>
+                        <a:schemeClr val="accent1"/>
+                      </a:solidFill>
+                      <a:prstDash val="solid"/>
+                      <a:round/>
+                      <a:headEnd type="none" w="med" len="med"/>
+                      <a:tailEnd type="none" w="med" len="med"/>
+                    </a:lnR>
+                    <a:lnT w="12700" cap="flat" cmpd="sng" algn="ctr">
+                      <a:solidFill>
+                        <a:schemeClr val="accent1"/>
+                      </a:solidFill>
+                      <a:prstDash val="solid"/>
+                      <a:round/>
+                      <a:headEnd type="none" w="med" len="med"/>
+                      <a:tailEnd type="none" w="med" len="med"/>
+                    </a:lnT>
+                    <a:lnB w="25400" cap="flat" cmpd="sng" algn="ctr">
+                      <a:solidFill>
+                        <a:schemeClr val="accent1"/>
+                      </a:solidFill>
+                      <a:prstDash val="solid"/>
+                      <a:round/>
+                      <a:headEnd type="none" w="med" len="med"/>
+                      <a:tailEnd type="none" w="med" len="med"/>
+                    </a:lnB>
+                    <a:lnTlToBr>
+                      <a:noFill/>
+                    </a:lnTlToBr>
+                    <a:lnBlToTr>
+                      <a:noFill/>
+                    </a:lnBlToTr>
+                    <a:noFill/>
+                  </a:tcPr>
                 </a:tc>
               </a:tr>
-              <a:tr h="1044558">
+              <a:tr h="1044575">
                 <a:tc>
                   <a:txBody>
                     <a:bodyPr/>
                     <a:lstStyle/>
                     <a:p>
-                      <a:endParaRPr lang="es-ES" dirty="0"/>
+                      <a:pPr marL="0" marR="0" lvl="0" indent="0" algn="l" defTabSz="914400" rtl="0" eaLnBrk="1" fontAlgn="base" latinLnBrk="0" hangingPunct="1">
+                        <a:lnSpc>
+                          <a:spcPct val="100000"/>
+                        </a:lnSpc>
+                        <a:spcBef>
+                          <a:spcPct val="0"/>
+                        </a:spcBef>
+                        <a:spcAft>
+                          <a:spcPct val="0"/>
+                        </a:spcAft>
+                        <a:buClrTx/>
+                        <a:buSzTx/>
+                        <a:buFontTx/>
+                        <a:buNone/>
+                        <a:tabLst/>
+                      </a:pPr>
+                      <a:endParaRPr kumimoji="0" lang="es-ES" sz="1800" b="0" i="0" u="none" strike="noStrike" cap="none" normalizeH="0" baseline="0" smtClean="0">
+                        <a:ln>
+                          <a:noFill/>
+                        </a:ln>
+                        <a:solidFill>
+                          <a:schemeClr val="tx1"/>
+                        </a:solidFill>
+                        <a:effectLst/>
+                        <a:latin typeface="Candara" pitchFamily="34" charset="0"/>
+                      </a:endParaRPr>
                     </a:p>
                   </a:txBody>
-                  <a:tcPr/>
+                  <a:tcPr horzOverflow="overflow">
+                    <a:lnL w="12700" cap="flat" cmpd="sng" algn="ctr">
+                      <a:solidFill>
+                        <a:schemeClr val="accent1"/>
+                      </a:solidFill>
+                      <a:prstDash val="solid"/>
+                      <a:round/>
+                      <a:headEnd type="none" w="med" len="med"/>
+                      <a:tailEnd type="none" w="med" len="med"/>
+                    </a:lnL>
+                    <a:lnR w="12700" cap="flat" cmpd="sng" algn="ctr">
+                      <a:solidFill>
+                        <a:schemeClr val="accent1"/>
+                      </a:solidFill>
+                      <a:prstDash val="solid"/>
+                      <a:round/>
+                      <a:headEnd type="none" w="med" len="med"/>
+                      <a:tailEnd type="none" w="med" len="med"/>
+                    </a:lnR>
+                    <a:lnT w="25400" cap="flat" cmpd="sng" algn="ctr">
+                      <a:solidFill>
+                        <a:schemeClr val="accent1"/>
+                      </a:solidFill>
+                      <a:prstDash val="solid"/>
+                      <a:round/>
+                      <a:headEnd type="none" w="med" len="med"/>
+                      <a:tailEnd type="none" w="med" len="med"/>
+                    </a:lnT>
+                    <a:lnB w="12700" cap="flat" cmpd="sng" algn="ctr">
+                      <a:solidFill>
+                        <a:schemeClr val="accent1"/>
+                      </a:solidFill>
+                      <a:prstDash val="solid"/>
+                      <a:round/>
+                      <a:headEnd type="none" w="med" len="med"/>
+                      <a:tailEnd type="none" w="med" len="med"/>
+                    </a:lnB>
+                    <a:lnTlToBr>
+                      <a:noFill/>
+                    </a:lnTlToBr>
+                    <a:lnBlToTr>
+                      <a:noFill/>
+                    </a:lnBlToTr>
+                    <a:solidFill>
+                      <a:schemeClr val="accent1">
+                        <a:alpha val="20000"/>
+                      </a:schemeClr>
+                    </a:solidFill>
+                  </a:tcPr>
                 </a:tc>
                 <a:tc>
                   <a:txBody>
                     <a:bodyPr/>
                     <a:lstStyle/>
                     <a:p>
-                      <a:pPr marL="0" marR="0" indent="0" algn="just" defTabSz="914400" rtl="0" eaLnBrk="1" fontAlgn="auto" latinLnBrk="0" hangingPunct="1">
+                      <a:pPr marL="0" marR="0" lvl="0" indent="0" algn="just" defTabSz="914400" rtl="0" eaLnBrk="1" fontAlgn="base" latinLnBrk="0" hangingPunct="1">
                         <a:lnSpc>
                           <a:spcPct val="100000"/>
                         </a:lnSpc>
                         <a:spcBef>
-                          <a:spcPts val="0"/>
+                          <a:spcPct val="0"/>
                         </a:spcBef>
                         <a:spcAft>
-                          <a:spcPts val="0"/>
+                          <a:spcPct val="0"/>
                         </a:spcAft>
                         <a:buClrTx/>
                         <a:buSzTx/>
                         <a:buFontTx/>
                         <a:buNone/>
                         <a:tabLst/>
-                        <a:defRPr/>
                       </a:pPr>
-                      <a:endParaRPr lang="es-ES" sz="1800" b="0" kern="1200" dirty="0" smtClean="0">
+                      <a:r>
+                        <a:rPr kumimoji="0" lang="es-PE" sz="1800" b="0" i="0" u="none" strike="noStrike" cap="none" normalizeH="0" baseline="0" smtClean="0">
+                          <a:ln>
+                            <a:noFill/>
+                          </a:ln>
+                          <a:solidFill>
+                            <a:schemeClr val="tx1"/>
+                          </a:solidFill>
+                          <a:effectLst/>
+                          <a:latin typeface="Candara" pitchFamily="34" charset="0"/>
+                        </a:rPr>
+                        <a:t>Representa el registro del Informe de Proyecto</a:t>
+                      </a:r>
+                      <a:endParaRPr kumimoji="0" lang="es-ES" sz="1800" b="0" i="0" u="none" strike="noStrike" cap="none" normalizeH="0" baseline="0" smtClean="0">
+                        <a:ln>
+                          <a:noFill/>
+                        </a:ln>
                         <a:solidFill>
                           <a:schemeClr val="tx1"/>
                         </a:solidFill>
-                        <a:latin typeface="+mn-lt"/>
-                        <a:ea typeface="+mn-ea"/>
-                        <a:cs typeface="+mn-cs"/>
+                        <a:effectLst/>
+                        <a:latin typeface="Candara" pitchFamily="34" charset="0"/>
                       </a:endParaRPr>
                     </a:p>
                   </a:txBody>
-                  <a:tcPr/>
+                  <a:tcPr horzOverflow="overflow">
+                    <a:lnL w="12700" cap="flat" cmpd="sng" algn="ctr">
+                      <a:solidFill>
+                        <a:schemeClr val="accent1"/>
+                      </a:solidFill>
+                      <a:prstDash val="solid"/>
+                      <a:round/>
+                      <a:headEnd type="none" w="med" len="med"/>
+                      <a:tailEnd type="none" w="med" len="med"/>
+                    </a:lnL>
+                    <a:lnR w="12700" cap="flat" cmpd="sng" algn="ctr">
+                      <a:solidFill>
+                        <a:schemeClr val="accent1"/>
+                      </a:solidFill>
+                      <a:prstDash val="solid"/>
+                      <a:round/>
+                      <a:headEnd type="none" w="med" len="med"/>
+                      <a:tailEnd type="none" w="med" len="med"/>
+                    </a:lnR>
+                    <a:lnT w="25400" cap="flat" cmpd="sng" algn="ctr">
+                      <a:solidFill>
+                        <a:schemeClr val="accent1"/>
+                      </a:solidFill>
+                      <a:prstDash val="solid"/>
+                      <a:round/>
+                      <a:headEnd type="none" w="med" len="med"/>
+                      <a:tailEnd type="none" w="med" len="med"/>
+                    </a:lnT>
+                    <a:lnB w="12700" cap="flat" cmpd="sng" algn="ctr">
+                      <a:solidFill>
+                        <a:schemeClr val="accent1"/>
+                      </a:solidFill>
+                      <a:prstDash val="solid"/>
+                      <a:round/>
+                      <a:headEnd type="none" w="med" len="med"/>
+                      <a:tailEnd type="none" w="med" len="med"/>
+                    </a:lnB>
+                    <a:lnTlToBr>
+                      <a:noFill/>
+                    </a:lnTlToBr>
+                    <a:lnBlToTr>
+                      <a:noFill/>
+                    </a:lnBlToTr>
+                    <a:solidFill>
+                      <a:schemeClr val="accent1">
+                        <a:alpha val="20000"/>
+                      </a:schemeClr>
+                    </a:solidFill>
+                  </a:tcPr>
                 </a:tc>
               </a:tr>
-              <a:tr h="1043674">
+              <a:tr h="1042988">
                 <a:tc>
                   <a:txBody>
                     <a:bodyPr/>
                     <a:lstStyle/>
                     <a:p>
-                      <a:endParaRPr lang="es-ES" dirty="0"/>
+                      <a:pPr marL="0" marR="0" lvl="0" indent="0" algn="l" defTabSz="914400" rtl="0" eaLnBrk="1" fontAlgn="base" latinLnBrk="0" hangingPunct="1">
+                        <a:lnSpc>
+                          <a:spcPct val="100000"/>
+                        </a:lnSpc>
+                        <a:spcBef>
+                          <a:spcPct val="0"/>
+                        </a:spcBef>
+                        <a:spcAft>
+                          <a:spcPct val="0"/>
+                        </a:spcAft>
+                        <a:buClrTx/>
+                        <a:buSzTx/>
+                        <a:buFontTx/>
+                        <a:buNone/>
+                        <a:tabLst/>
+                      </a:pPr>
+                      <a:endParaRPr kumimoji="0" lang="es-ES" sz="1800" b="0" i="0" u="none" strike="noStrike" cap="none" normalizeH="0" baseline="0" smtClean="0">
+                        <a:ln>
+                          <a:noFill/>
+                        </a:ln>
+                        <a:solidFill>
+                          <a:schemeClr val="tx1"/>
+                        </a:solidFill>
+                        <a:effectLst/>
+                        <a:latin typeface="Candara" pitchFamily="34" charset="0"/>
+                      </a:endParaRPr>
                     </a:p>
                   </a:txBody>
-                  <a:tcPr/>
+                  <a:tcPr horzOverflow="overflow">
+                    <a:lnL w="12700" cap="flat" cmpd="sng" algn="ctr">
+                      <a:solidFill>
+                        <a:schemeClr val="accent1"/>
+                      </a:solidFill>
+                      <a:prstDash val="solid"/>
+                      <a:round/>
+                      <a:headEnd type="none" w="med" len="med"/>
+                      <a:tailEnd type="none" w="med" len="med"/>
+                    </a:lnL>
+                    <a:lnR w="12700" cap="flat" cmpd="sng" algn="ctr">
+                      <a:solidFill>
+                        <a:schemeClr val="accent1"/>
+                      </a:solidFill>
+                      <a:prstDash val="solid"/>
+                      <a:round/>
+                      <a:headEnd type="none" w="med" len="med"/>
+                      <a:tailEnd type="none" w="med" len="med"/>
+                    </a:lnR>
+                    <a:lnT w="12700" cap="flat" cmpd="sng" algn="ctr">
+                      <a:solidFill>
+                        <a:schemeClr val="accent1"/>
+                      </a:solidFill>
+                      <a:prstDash val="solid"/>
+                      <a:round/>
+                      <a:headEnd type="none" w="med" len="med"/>
+                      <a:tailEnd type="none" w="med" len="med"/>
+                    </a:lnT>
+                    <a:lnB w="12700" cap="flat" cmpd="sng" algn="ctr">
+                      <a:solidFill>
+                        <a:schemeClr val="accent1"/>
+                      </a:solidFill>
+                      <a:prstDash val="solid"/>
+                      <a:round/>
+                      <a:headEnd type="none" w="med" len="med"/>
+                      <a:tailEnd type="none" w="med" len="med"/>
+                    </a:lnB>
+                    <a:lnTlToBr>
+                      <a:noFill/>
+                    </a:lnTlToBr>
+                    <a:lnBlToTr>
+                      <a:noFill/>
+                    </a:lnBlToTr>
+                    <a:noFill/>
+                  </a:tcPr>
                 </a:tc>
                 <a:tc>
                   <a:txBody>
                     <a:bodyPr/>
                     <a:lstStyle/>
                     <a:p>
-                      <a:pPr marL="0" marR="0" indent="0" algn="just" defTabSz="914400" rtl="0" eaLnBrk="1" fontAlgn="auto" latinLnBrk="0" hangingPunct="1">
+                      <a:pPr marL="0" marR="0" lvl="0" indent="0" algn="just" defTabSz="914400" rtl="0" eaLnBrk="1" fontAlgn="base" latinLnBrk="0" hangingPunct="1">
                         <a:lnSpc>
                           <a:spcPct val="100000"/>
                         </a:lnSpc>
                         <a:spcBef>
-                          <a:spcPts val="0"/>
+                          <a:spcPct val="0"/>
                         </a:spcBef>
                         <a:spcAft>
-                          <a:spcPts val="0"/>
+                          <a:spcPct val="0"/>
                         </a:spcAft>
                         <a:buClrTx/>
                         <a:buSzTx/>
                         <a:buFontTx/>
                         <a:buNone/>
                         <a:tabLst/>
-                        <a:defRPr/>
                       </a:pPr>
-                      <a:endParaRPr lang="es-ES" sz="1800" b="0" kern="1200" dirty="0" smtClean="0">
+                      <a:r>
+                        <a:rPr kumimoji="0" lang="es-PE" sz="1800" b="0" i="0" u="none" strike="noStrike" cap="none" normalizeH="0" baseline="0" smtClean="0">
+                          <a:ln>
+                            <a:noFill/>
+                          </a:ln>
+                          <a:solidFill>
+                            <a:schemeClr val="tx1"/>
+                          </a:solidFill>
+                          <a:effectLst/>
+                          <a:latin typeface="Candara" pitchFamily="34" charset="0"/>
+                        </a:rPr>
+                        <a:t>Representa el registro de Acta de Conformidad</a:t>
+                      </a:r>
+                      <a:endParaRPr kumimoji="0" lang="es-ES" sz="1800" b="0" i="0" u="none" strike="noStrike" cap="none" normalizeH="0" baseline="0" smtClean="0">
+                        <a:ln>
+                          <a:noFill/>
+                        </a:ln>
                         <a:solidFill>
                           <a:schemeClr val="tx1"/>
                         </a:solidFill>
-                        <a:latin typeface="+mn-lt"/>
-                        <a:ea typeface="+mn-ea"/>
-                        <a:cs typeface="+mn-cs"/>
+                        <a:effectLst/>
+                        <a:latin typeface="Candara" pitchFamily="34" charset="0"/>
                       </a:endParaRPr>
                     </a:p>
                   </a:txBody>
-                  <a:tcPr/>
+                  <a:tcPr horzOverflow="overflow">
+                    <a:lnL w="12700" cap="flat" cmpd="sng" algn="ctr">
+                      <a:solidFill>
+                        <a:schemeClr val="accent1"/>
+                      </a:solidFill>
+                      <a:prstDash val="solid"/>
+                      <a:round/>
+                      <a:headEnd type="none" w="med" len="med"/>
+                      <a:tailEnd type="none" w="med" len="med"/>
+                    </a:lnL>
+                    <a:lnR w="12700" cap="flat" cmpd="sng" algn="ctr">
+                      <a:solidFill>
+                        <a:schemeClr val="accent1"/>
+                      </a:solidFill>
+                      <a:prstDash val="solid"/>
+                      <a:round/>
+                      <a:headEnd type="none" w="med" len="med"/>
+                      <a:tailEnd type="none" w="med" len="med"/>
+                    </a:lnR>
+                    <a:lnT w="12700" cap="flat" cmpd="sng" algn="ctr">
+                      <a:solidFill>
+                        <a:schemeClr val="accent1"/>
+                      </a:solidFill>
+                      <a:prstDash val="solid"/>
+                      <a:round/>
+                      <a:headEnd type="none" w="med" len="med"/>
+                      <a:tailEnd type="none" w="med" len="med"/>
+                    </a:lnT>
+                    <a:lnB w="12700" cap="flat" cmpd="sng" algn="ctr">
+                      <a:solidFill>
+                        <a:schemeClr val="accent1"/>
+                      </a:solidFill>
+                      <a:prstDash val="solid"/>
+                      <a:round/>
+                      <a:headEnd type="none" w="med" len="med"/>
+                      <a:tailEnd type="none" w="med" len="med"/>
+                    </a:lnB>
+                    <a:lnTlToBr>
+                      <a:noFill/>
+                    </a:lnTlToBr>
+                    <a:lnBlToTr>
+                      <a:noFill/>
+                    </a:lnBlToTr>
+                    <a:noFill/>
+                  </a:tcPr>
                 </a:tc>
               </a:tr>
-              <a:tr h="1044558">
+              <a:tr h="1044575">
                 <a:tc>
                   <a:txBody>
                     <a:bodyPr/>
                     <a:lstStyle/>
                     <a:p>
-                      <a:endParaRPr lang="es-ES" dirty="0"/>
+                      <a:pPr marL="0" marR="0" lvl="0" indent="0" algn="l" defTabSz="914400" rtl="0" eaLnBrk="1" fontAlgn="base" latinLnBrk="0" hangingPunct="1">
+                        <a:lnSpc>
+                          <a:spcPct val="100000"/>
+                        </a:lnSpc>
+                        <a:spcBef>
+                          <a:spcPct val="0"/>
+                        </a:spcBef>
+                        <a:spcAft>
+                          <a:spcPct val="0"/>
+                        </a:spcAft>
+                        <a:buClrTx/>
+                        <a:buSzTx/>
+                        <a:buFontTx/>
+                        <a:buNone/>
+                        <a:tabLst/>
+                      </a:pPr>
+                      <a:endParaRPr kumimoji="0" lang="es-ES" sz="1800" b="0" i="0" u="none" strike="noStrike" cap="none" normalizeH="0" baseline="0" smtClean="0">
+                        <a:ln>
+                          <a:noFill/>
+                        </a:ln>
+                        <a:solidFill>
+                          <a:schemeClr val="tx1"/>
+                        </a:solidFill>
+                        <a:effectLst/>
+                        <a:latin typeface="Candara" pitchFamily="34" charset="0"/>
+                      </a:endParaRPr>
                     </a:p>
                   </a:txBody>
-                  <a:tcPr/>
+                  <a:tcPr horzOverflow="overflow">
+                    <a:lnL w="12700" cap="flat" cmpd="sng" algn="ctr">
+                      <a:solidFill>
+                        <a:schemeClr val="accent1"/>
+                      </a:solidFill>
+                      <a:prstDash val="solid"/>
+                      <a:round/>
+                      <a:headEnd type="none" w="med" len="med"/>
+                      <a:tailEnd type="none" w="med" len="med"/>
+                    </a:lnL>
+                    <a:lnR w="12700" cap="flat" cmpd="sng" algn="ctr">
+                      <a:solidFill>
+                        <a:schemeClr val="accent1"/>
+                      </a:solidFill>
+                      <a:prstDash val="solid"/>
+                      <a:round/>
+                      <a:headEnd type="none" w="med" len="med"/>
+                      <a:tailEnd type="none" w="med" len="med"/>
+                    </a:lnR>
+                    <a:lnT w="12700" cap="flat" cmpd="sng" algn="ctr">
+                      <a:solidFill>
+                        <a:schemeClr val="accent1"/>
+                      </a:solidFill>
+                      <a:prstDash val="solid"/>
+                      <a:round/>
+                      <a:headEnd type="none" w="med" len="med"/>
+                      <a:tailEnd type="none" w="med" len="med"/>
+                    </a:lnT>
+                    <a:lnB w="12700" cap="flat" cmpd="sng" algn="ctr">
+                      <a:solidFill>
+                        <a:schemeClr val="accent1"/>
+                      </a:solidFill>
+                      <a:prstDash val="solid"/>
+                      <a:round/>
+                      <a:headEnd type="none" w="med" len="med"/>
+                      <a:tailEnd type="none" w="med" len="med"/>
+                    </a:lnB>
+                    <a:lnTlToBr>
+                      <a:noFill/>
+                    </a:lnTlToBr>
+                    <a:lnBlToTr>
+                      <a:noFill/>
+                    </a:lnBlToTr>
+                    <a:solidFill>
+                      <a:schemeClr val="accent1">
+                        <a:alpha val="20000"/>
+                      </a:schemeClr>
+                    </a:solidFill>
+                  </a:tcPr>
                 </a:tc>
                 <a:tc>
                   <a:txBody>
                     <a:bodyPr/>
                     <a:lstStyle/>
                     <a:p>
-                      <a:pPr marL="0" marR="0" indent="0" algn="just" defTabSz="914400" rtl="0" eaLnBrk="1" fontAlgn="auto" latinLnBrk="0" hangingPunct="1">
+                      <a:pPr marL="0" marR="0" lvl="0" indent="0" algn="just" defTabSz="914400" rtl="0" eaLnBrk="1" fontAlgn="base" latinLnBrk="0" hangingPunct="1">
                         <a:lnSpc>
                           <a:spcPct val="100000"/>
                         </a:lnSpc>
                         <a:spcBef>
-                          <a:spcPts val="0"/>
+                          <a:spcPct val="0"/>
                         </a:spcBef>
                         <a:spcAft>
-                          <a:spcPts val="0"/>
+                          <a:spcPct val="0"/>
                         </a:spcAft>
                         <a:buClrTx/>
                         <a:buSzTx/>
                         <a:buFontTx/>
                         <a:buNone/>
                         <a:tabLst/>
-                        <a:defRPr/>
                       </a:pPr>
-                      <a:endParaRPr lang="es-ES" sz="1800" b="0" kern="1200" dirty="0" smtClean="0">
+                      <a:r>
+                        <a:rPr kumimoji="0" lang="es-PE" sz="1800" b="0" i="0" u="none" strike="noStrike" cap="none" normalizeH="0" baseline="0" smtClean="0">
+                          <a:ln>
+                            <a:noFill/>
+                          </a:ln>
+                          <a:solidFill>
+                            <a:schemeClr val="tx1"/>
+                          </a:solidFill>
+                          <a:effectLst/>
+                          <a:latin typeface="Candara" pitchFamily="34" charset="0"/>
+                        </a:rPr>
+                        <a:t>Representa el registro de la Propuesta Técnica</a:t>
+                      </a:r>
+                      <a:endParaRPr kumimoji="0" lang="es-ES" sz="1800" b="0" i="0" u="none" strike="noStrike" cap="none" normalizeH="0" baseline="0" smtClean="0">
+                        <a:ln>
+                          <a:noFill/>
+                        </a:ln>
                         <a:solidFill>
                           <a:schemeClr val="tx1"/>
                         </a:solidFill>
-                        <a:latin typeface="+mn-lt"/>
-                        <a:ea typeface="+mn-ea"/>
-                        <a:cs typeface="+mn-cs"/>
+                        <a:effectLst/>
+                        <a:latin typeface="Candara" pitchFamily="34" charset="0"/>
                       </a:endParaRPr>
                     </a:p>
                   </a:txBody>
-                  <a:tcPr/>
+                  <a:tcPr horzOverflow="overflow">
+                    <a:lnL w="12700" cap="flat" cmpd="sng" algn="ctr">
+                      <a:solidFill>
+                        <a:schemeClr val="accent1"/>
+                      </a:solidFill>
+                      <a:prstDash val="solid"/>
+                      <a:round/>
+                      <a:headEnd type="none" w="med" len="med"/>
+                      <a:tailEnd type="none" w="med" len="med"/>
+                    </a:lnL>
+                    <a:lnR w="12700" cap="flat" cmpd="sng" algn="ctr">
+                      <a:solidFill>
+                        <a:schemeClr val="accent1"/>
+                      </a:solidFill>
+                      <a:prstDash val="solid"/>
+                      <a:round/>
+                      <a:headEnd type="none" w="med" len="med"/>
+                      <a:tailEnd type="none" w="med" len="med"/>
+                    </a:lnR>
+                    <a:lnT w="12700" cap="flat" cmpd="sng" algn="ctr">
+                      <a:solidFill>
+                        <a:schemeClr val="accent1"/>
+                      </a:solidFill>
+                      <a:prstDash val="solid"/>
+                      <a:round/>
+                      <a:headEnd type="none" w="med" len="med"/>
+                      <a:tailEnd type="none" w="med" len="med"/>
+                    </a:lnT>
+                    <a:lnB w="12700" cap="flat" cmpd="sng" algn="ctr">
+                      <a:solidFill>
+                        <a:schemeClr val="accent1"/>
+                      </a:solidFill>
+                      <a:prstDash val="solid"/>
+                      <a:round/>
+                      <a:headEnd type="none" w="med" len="med"/>
+                      <a:tailEnd type="none" w="med" len="med"/>
+                    </a:lnB>
+                    <a:lnTlToBr>
+                      <a:noFill/>
+                    </a:lnTlToBr>
+                    <a:lnBlToTr>
+                      <a:noFill/>
+                    </a:lnBlToTr>
+                    <a:solidFill>
+                      <a:schemeClr val="accent1">
+                        <a:alpha val="20000"/>
+                      </a:schemeClr>
+                    </a:solidFill>
+                  </a:tcPr>
                 </a:tc>
               </a:tr>
             </a:tbl>
@@ -18696,14 +21106,14 @@
       </p:graphicFrame>
       <p:pic>
         <p:nvPicPr>
-          <p:cNvPr id="5122" name="Picture 2"/>
+          <p:cNvPr id="24595" name="Picture 2"/>
           <p:cNvPicPr>
             <a:picLocks noChangeAspect="1" noChangeArrowheads="1"/>
           </p:cNvPicPr>
           <p:nvPr/>
         </p:nvPicPr>
         <p:blipFill>
-          <a:blip r:embed="rId2" cstate="print"/>
+          <a:blip r:embed="rId2"/>
           <a:srcRect/>
           <a:stretch>
             <a:fillRect/>
@@ -18711,7 +21121,7 @@
         </p:blipFill>
         <p:spPr bwMode="auto">
           <a:xfrm>
-            <a:off x="827584" y="2420888"/>
+            <a:off x="827088" y="2420938"/>
             <a:ext cx="1428750" cy="904875"/>
           </a:xfrm>
           <a:prstGeom prst="rect">
@@ -18728,14 +21138,14 @@
       </p:pic>
       <p:pic>
         <p:nvPicPr>
-          <p:cNvPr id="5123" name="Picture 3"/>
+          <p:cNvPr id="24596" name="Picture 3"/>
           <p:cNvPicPr>
             <a:picLocks noChangeAspect="1" noChangeArrowheads="1"/>
           </p:cNvPicPr>
           <p:nvPr/>
         </p:nvPicPr>
         <p:blipFill>
-          <a:blip r:embed="rId3" cstate="print"/>
+          <a:blip r:embed="rId3"/>
           <a:srcRect/>
           <a:stretch>
             <a:fillRect/>
@@ -18743,7 +21153,7 @@
         </p:blipFill>
         <p:spPr bwMode="auto">
           <a:xfrm>
-            <a:off x="838994" y="3479279"/>
+            <a:off x="839788" y="3479800"/>
             <a:ext cx="1428750" cy="885825"/>
           </a:xfrm>
           <a:prstGeom prst="rect">
@@ -18760,14 +21170,14 @@
       </p:pic>
       <p:pic>
         <p:nvPicPr>
-          <p:cNvPr id="5124" name="Picture 4"/>
+          <p:cNvPr id="24597" name="Picture 4"/>
           <p:cNvPicPr>
             <a:picLocks noChangeAspect="1" noChangeArrowheads="1"/>
           </p:cNvPicPr>
           <p:nvPr/>
         </p:nvPicPr>
         <p:blipFill>
-          <a:blip r:embed="rId4" cstate="print"/>
+          <a:blip r:embed="rId4"/>
           <a:srcRect/>
           <a:stretch>
             <a:fillRect/>
@@ -18775,7 +21185,7 @@
         </p:blipFill>
         <p:spPr bwMode="auto">
           <a:xfrm>
-            <a:off x="827584" y="4509120"/>
+            <a:off x="827088" y="4508500"/>
             <a:ext cx="1457325" cy="876300"/>
           </a:xfrm>
           <a:prstGeom prst="rect">
@@ -18792,14 +21202,14 @@
       </p:pic>
       <p:pic>
         <p:nvPicPr>
-          <p:cNvPr id="5125" name="Picture 5"/>
+          <p:cNvPr id="24598" name="Picture 5"/>
           <p:cNvPicPr>
             <a:picLocks noChangeAspect="1" noChangeArrowheads="1"/>
           </p:cNvPicPr>
           <p:nvPr/>
         </p:nvPicPr>
         <p:blipFill>
-          <a:blip r:embed="rId5" cstate="print"/>
+          <a:blip r:embed="rId5"/>
           <a:srcRect/>
           <a:stretch>
             <a:fillRect/>
@@ -18807,7 +21217,7 @@
         </p:blipFill>
         <p:spPr bwMode="auto">
           <a:xfrm>
-            <a:off x="755576" y="5567511"/>
+            <a:off x="755650" y="5567363"/>
             <a:ext cx="1543050" cy="885825"/>
           </a:xfrm>
           <a:prstGeom prst="rect">
@@ -18883,11 +21293,7 @@
             </a:r>
             <a:r>
               <a:rPr lang="es-PE" dirty="0" smtClean="0"/>
-              <a:t>DE </a:t>
-            </a:r>
-            <a:r>
-              <a:rPr lang="es-PE" dirty="0" smtClean="0"/>
-              <a:t>ENTIDADES DEL NEGOCIO</a:t>
+              <a:t>DE ENTIDADES DEL NEGOCIO</a:t>
             </a:r>
             <a:endParaRPr lang="es-PE" dirty="0"/>
           </a:p>
@@ -18902,109 +21308,369 @@
           <p:nvPr/>
         </p:nvGraphicFramePr>
         <p:xfrm>
-          <a:off x="323850" y="2348881"/>
-          <a:ext cx="8568952" cy="2088231"/>
+          <a:off x="323850" y="2349500"/>
+          <a:ext cx="8569325" cy="2087563"/>
         </p:xfrm>
         <a:graphic>
           <a:graphicData uri="http://schemas.openxmlformats.org/drawingml/2006/table">
             <a:tbl>
-              <a:tblPr firstRow="1" bandRow="1">
-                <a:tableStyleId>{BC89EF96-8CEA-46FF-86C4-4CE0E7609802}</a:tableStyleId>
-              </a:tblPr>
+              <a:tblPr/>
               <a:tblGrid>
-                <a:gridCol w="2427870"/>
-                <a:gridCol w="6141082"/>
+                <a:gridCol w="2427288"/>
+                <a:gridCol w="6142037"/>
               </a:tblGrid>
-              <a:tr h="1043673">
+              <a:tr h="1042988">
                 <a:tc>
                   <a:txBody>
                     <a:bodyPr/>
                     <a:lstStyle/>
                     <a:p>
-                      <a:endParaRPr lang="es-ES" dirty="0"/>
+                      <a:pPr marL="0" marR="0" lvl="0" indent="0" algn="l" defTabSz="914400" rtl="0" eaLnBrk="1" fontAlgn="base" latinLnBrk="0" hangingPunct="1">
+                        <a:lnSpc>
+                          <a:spcPct val="100000"/>
+                        </a:lnSpc>
+                        <a:spcBef>
+                          <a:spcPct val="0"/>
+                        </a:spcBef>
+                        <a:spcAft>
+                          <a:spcPct val="0"/>
+                        </a:spcAft>
+                        <a:buClrTx/>
+                        <a:buSzTx/>
+                        <a:buFontTx/>
+                        <a:buNone/>
+                        <a:tabLst/>
+                      </a:pPr>
+                      <a:endParaRPr kumimoji="0" lang="es-ES" sz="1800" b="1" i="0" u="none" strike="noStrike" cap="none" normalizeH="0" baseline="0" smtClean="0">
+                        <a:ln>
+                          <a:noFill/>
+                        </a:ln>
+                        <a:solidFill>
+                          <a:schemeClr val="tx1"/>
+                        </a:solidFill>
+                        <a:effectLst/>
+                        <a:latin typeface="Candara" pitchFamily="34" charset="0"/>
+                      </a:endParaRPr>
                     </a:p>
                   </a:txBody>
-                  <a:tcPr/>
+                  <a:tcPr horzOverflow="overflow">
+                    <a:lnL w="12700" cap="flat" cmpd="sng" algn="ctr">
+                      <a:solidFill>
+                        <a:schemeClr val="accent1"/>
+                      </a:solidFill>
+                      <a:prstDash val="solid"/>
+                      <a:round/>
+                      <a:headEnd type="none" w="med" len="med"/>
+                      <a:tailEnd type="none" w="med" len="med"/>
+                    </a:lnL>
+                    <a:lnR w="12700" cap="flat" cmpd="sng" algn="ctr">
+                      <a:solidFill>
+                        <a:schemeClr val="accent1"/>
+                      </a:solidFill>
+                      <a:prstDash val="solid"/>
+                      <a:round/>
+                      <a:headEnd type="none" w="med" len="med"/>
+                      <a:tailEnd type="none" w="med" len="med"/>
+                    </a:lnR>
+                    <a:lnT w="12700" cap="flat" cmpd="sng" algn="ctr">
+                      <a:solidFill>
+                        <a:schemeClr val="accent1"/>
+                      </a:solidFill>
+                      <a:prstDash val="solid"/>
+                      <a:round/>
+                      <a:headEnd type="none" w="med" len="med"/>
+                      <a:tailEnd type="none" w="med" len="med"/>
+                    </a:lnT>
+                    <a:lnB w="25400" cap="flat" cmpd="sng" algn="ctr">
+                      <a:solidFill>
+                        <a:schemeClr val="accent1"/>
+                      </a:solidFill>
+                      <a:prstDash val="solid"/>
+                      <a:round/>
+                      <a:headEnd type="none" w="med" len="med"/>
+                      <a:tailEnd type="none" w="med" len="med"/>
+                    </a:lnB>
+                    <a:lnTlToBr>
+                      <a:noFill/>
+                    </a:lnTlToBr>
+                    <a:lnBlToTr>
+                      <a:noFill/>
+                    </a:lnBlToTr>
+                    <a:noFill/>
+                  </a:tcPr>
                 </a:tc>
                 <a:tc>
                   <a:txBody>
                     <a:bodyPr/>
                     <a:lstStyle/>
                     <a:p>
-                      <a:pPr marL="0" marR="0" indent="0" algn="just" defTabSz="914400" rtl="0" eaLnBrk="1" fontAlgn="auto" latinLnBrk="0" hangingPunct="1">
+                      <a:pPr marL="0" marR="0" lvl="0" indent="0" algn="just" defTabSz="914400" rtl="0" eaLnBrk="1" fontAlgn="base" latinLnBrk="0" hangingPunct="1">
                         <a:lnSpc>
                           <a:spcPct val="100000"/>
                         </a:lnSpc>
                         <a:spcBef>
-                          <a:spcPts val="0"/>
+                          <a:spcPct val="0"/>
                         </a:spcBef>
                         <a:spcAft>
-                          <a:spcPts val="0"/>
+                          <a:spcPct val="0"/>
                         </a:spcAft>
                         <a:buClrTx/>
                         <a:buSzTx/>
                         <a:buFontTx/>
                         <a:buNone/>
                         <a:tabLst/>
-                        <a:defRPr/>
                       </a:pPr>
-                      <a:endParaRPr lang="es-ES" sz="1800" b="0" kern="1200" dirty="0" smtClean="0">
+                      <a:r>
+                        <a:rPr kumimoji="0" lang="es-PE" sz="1800" b="0" i="0" u="none" strike="noStrike" cap="none" normalizeH="0" baseline="0" smtClean="0">
+                          <a:ln>
+                            <a:noFill/>
+                          </a:ln>
+                          <a:solidFill>
+                            <a:schemeClr val="tx1"/>
+                          </a:solidFill>
+                          <a:effectLst/>
+                          <a:latin typeface="Candara" pitchFamily="34" charset="0"/>
+                        </a:rPr>
+                        <a:t>Representa el registro de la Propuesta económica</a:t>
+                      </a:r>
+                      <a:endParaRPr kumimoji="0" lang="es-ES" sz="1800" b="0" i="0" u="none" strike="noStrike" cap="none" normalizeH="0" baseline="0" smtClean="0">
+                        <a:ln>
+                          <a:noFill/>
+                        </a:ln>
                         <a:solidFill>
                           <a:schemeClr val="tx1"/>
                         </a:solidFill>
-                        <a:latin typeface="+mn-lt"/>
-                        <a:ea typeface="+mn-ea"/>
-                        <a:cs typeface="+mn-cs"/>
+                        <a:effectLst/>
+                        <a:latin typeface="Candara" pitchFamily="34" charset="0"/>
                       </a:endParaRPr>
                     </a:p>
                   </a:txBody>
-                  <a:tcPr/>
+                  <a:tcPr horzOverflow="overflow">
+                    <a:lnL w="12700" cap="flat" cmpd="sng" algn="ctr">
+                      <a:solidFill>
+                        <a:schemeClr val="accent1"/>
+                      </a:solidFill>
+                      <a:prstDash val="solid"/>
+                      <a:round/>
+                      <a:headEnd type="none" w="med" len="med"/>
+                      <a:tailEnd type="none" w="med" len="med"/>
+                    </a:lnL>
+                    <a:lnR w="12700" cap="flat" cmpd="sng" algn="ctr">
+                      <a:solidFill>
+                        <a:schemeClr val="accent1"/>
+                      </a:solidFill>
+                      <a:prstDash val="solid"/>
+                      <a:round/>
+                      <a:headEnd type="none" w="med" len="med"/>
+                      <a:tailEnd type="none" w="med" len="med"/>
+                    </a:lnR>
+                    <a:lnT w="12700" cap="flat" cmpd="sng" algn="ctr">
+                      <a:solidFill>
+                        <a:schemeClr val="accent1"/>
+                      </a:solidFill>
+                      <a:prstDash val="solid"/>
+                      <a:round/>
+                      <a:headEnd type="none" w="med" len="med"/>
+                      <a:tailEnd type="none" w="med" len="med"/>
+                    </a:lnT>
+                    <a:lnB w="25400" cap="flat" cmpd="sng" algn="ctr">
+                      <a:solidFill>
+                        <a:schemeClr val="accent1"/>
+                      </a:solidFill>
+                      <a:prstDash val="solid"/>
+                      <a:round/>
+                      <a:headEnd type="none" w="med" len="med"/>
+                      <a:tailEnd type="none" w="med" len="med"/>
+                    </a:lnB>
+                    <a:lnTlToBr>
+                      <a:noFill/>
+                    </a:lnTlToBr>
+                    <a:lnBlToTr>
+                      <a:noFill/>
+                    </a:lnBlToTr>
+                    <a:noFill/>
+                  </a:tcPr>
                 </a:tc>
               </a:tr>
-              <a:tr h="1044558">
+              <a:tr h="1044575">
                 <a:tc>
                   <a:txBody>
                     <a:bodyPr/>
                     <a:lstStyle/>
                     <a:p>
-                      <a:endParaRPr lang="es-ES" dirty="0"/>
+                      <a:pPr marL="0" marR="0" lvl="0" indent="0" algn="l" defTabSz="914400" rtl="0" eaLnBrk="1" fontAlgn="base" latinLnBrk="0" hangingPunct="1">
+                        <a:lnSpc>
+                          <a:spcPct val="100000"/>
+                        </a:lnSpc>
+                        <a:spcBef>
+                          <a:spcPct val="0"/>
+                        </a:spcBef>
+                        <a:spcAft>
+                          <a:spcPct val="0"/>
+                        </a:spcAft>
+                        <a:buClrTx/>
+                        <a:buSzTx/>
+                        <a:buFontTx/>
+                        <a:buNone/>
+                        <a:tabLst/>
+                      </a:pPr>
+                      <a:endParaRPr kumimoji="0" lang="es-ES" sz="1800" b="0" i="0" u="none" strike="noStrike" cap="none" normalizeH="0" baseline="0" smtClean="0">
+                        <a:ln>
+                          <a:noFill/>
+                        </a:ln>
+                        <a:solidFill>
+                          <a:schemeClr val="tx1"/>
+                        </a:solidFill>
+                        <a:effectLst/>
+                        <a:latin typeface="Candara" pitchFamily="34" charset="0"/>
+                      </a:endParaRPr>
                     </a:p>
                   </a:txBody>
-                  <a:tcPr/>
+                  <a:tcPr horzOverflow="overflow">
+                    <a:lnL w="12700" cap="flat" cmpd="sng" algn="ctr">
+                      <a:solidFill>
+                        <a:schemeClr val="accent1"/>
+                      </a:solidFill>
+                      <a:prstDash val="solid"/>
+                      <a:round/>
+                      <a:headEnd type="none" w="med" len="med"/>
+                      <a:tailEnd type="none" w="med" len="med"/>
+                    </a:lnL>
+                    <a:lnR w="12700" cap="flat" cmpd="sng" algn="ctr">
+                      <a:solidFill>
+                        <a:schemeClr val="accent1"/>
+                      </a:solidFill>
+                      <a:prstDash val="solid"/>
+                      <a:round/>
+                      <a:headEnd type="none" w="med" len="med"/>
+                      <a:tailEnd type="none" w="med" len="med"/>
+                    </a:lnR>
+                    <a:lnT w="25400" cap="flat" cmpd="sng" algn="ctr">
+                      <a:solidFill>
+                        <a:schemeClr val="accent1"/>
+                      </a:solidFill>
+                      <a:prstDash val="solid"/>
+                      <a:round/>
+                      <a:headEnd type="none" w="med" len="med"/>
+                      <a:tailEnd type="none" w="med" len="med"/>
+                    </a:lnT>
+                    <a:lnB w="12700" cap="flat" cmpd="sng" algn="ctr">
+                      <a:solidFill>
+                        <a:schemeClr val="accent1"/>
+                      </a:solidFill>
+                      <a:prstDash val="solid"/>
+                      <a:round/>
+                      <a:headEnd type="none" w="med" len="med"/>
+                      <a:tailEnd type="none" w="med" len="med"/>
+                    </a:lnB>
+                    <a:lnTlToBr>
+                      <a:noFill/>
+                    </a:lnTlToBr>
+                    <a:lnBlToTr>
+                      <a:noFill/>
+                    </a:lnBlToTr>
+                    <a:solidFill>
+                      <a:schemeClr val="accent1">
+                        <a:alpha val="20000"/>
+                      </a:schemeClr>
+                    </a:solidFill>
+                  </a:tcPr>
                 </a:tc>
                 <a:tc>
                   <a:txBody>
                     <a:bodyPr/>
                     <a:lstStyle/>
                     <a:p>
-                      <a:pPr marL="0" marR="0" indent="0" algn="just" defTabSz="914400" rtl="0" eaLnBrk="1" fontAlgn="auto" latinLnBrk="0" hangingPunct="1">
+                      <a:pPr marL="0" marR="0" lvl="0" indent="0" algn="just" defTabSz="914400" rtl="0" eaLnBrk="1" fontAlgn="base" latinLnBrk="0" hangingPunct="1">
                         <a:lnSpc>
                           <a:spcPct val="100000"/>
                         </a:lnSpc>
                         <a:spcBef>
-                          <a:spcPts val="0"/>
+                          <a:spcPct val="0"/>
                         </a:spcBef>
                         <a:spcAft>
-                          <a:spcPts val="0"/>
+                          <a:spcPct val="0"/>
                         </a:spcAft>
                         <a:buClrTx/>
                         <a:buSzTx/>
                         <a:buFontTx/>
                         <a:buNone/>
                         <a:tabLst/>
-                        <a:defRPr/>
                       </a:pPr>
-                      <a:endParaRPr lang="es-ES" sz="1800" b="0" kern="1200" dirty="0" smtClean="0">
+                      <a:r>
+                        <a:rPr kumimoji="0" lang="es-PE" sz="1800" b="0" i="0" u="none" strike="noStrike" cap="none" normalizeH="0" baseline="0" smtClean="0">
+                          <a:ln>
+                            <a:noFill/>
+                          </a:ln>
+                          <a:solidFill>
+                            <a:schemeClr val="tx1"/>
+                          </a:solidFill>
+                          <a:effectLst/>
+                          <a:latin typeface="Candara" pitchFamily="34" charset="0"/>
+                        </a:rPr>
+                        <a:t>Representa el registro de la Buena Pro</a:t>
+                      </a:r>
+                      <a:endParaRPr kumimoji="0" lang="es-ES" sz="1800" b="0" i="0" u="none" strike="noStrike" cap="none" normalizeH="0" baseline="0" smtClean="0">
+                        <a:ln>
+                          <a:noFill/>
+                        </a:ln>
                         <a:solidFill>
                           <a:schemeClr val="tx1"/>
                         </a:solidFill>
-                        <a:latin typeface="+mn-lt"/>
-                        <a:ea typeface="+mn-ea"/>
-                        <a:cs typeface="+mn-cs"/>
+                        <a:effectLst/>
+                        <a:latin typeface="Candara" pitchFamily="34" charset="0"/>
                       </a:endParaRPr>
                     </a:p>
                   </a:txBody>
-                  <a:tcPr/>
+                  <a:tcPr horzOverflow="overflow">
+                    <a:lnL w="12700" cap="flat" cmpd="sng" algn="ctr">
+                      <a:solidFill>
+                        <a:schemeClr val="accent1"/>
+                      </a:solidFill>
+                      <a:prstDash val="solid"/>
+                      <a:round/>
+                      <a:headEnd type="none" w="med" len="med"/>
+                      <a:tailEnd type="none" w="med" len="med"/>
+                    </a:lnL>
+                    <a:lnR w="12700" cap="flat" cmpd="sng" algn="ctr">
+                      <a:solidFill>
+                        <a:schemeClr val="accent1"/>
+                      </a:solidFill>
+                      <a:prstDash val="solid"/>
+                      <a:round/>
+                      <a:headEnd type="none" w="med" len="med"/>
+                      <a:tailEnd type="none" w="med" len="med"/>
+                    </a:lnR>
+                    <a:lnT w="25400" cap="flat" cmpd="sng" algn="ctr">
+                      <a:solidFill>
+                        <a:schemeClr val="accent1"/>
+                      </a:solidFill>
+                      <a:prstDash val="solid"/>
+                      <a:round/>
+                      <a:headEnd type="none" w="med" len="med"/>
+                      <a:tailEnd type="none" w="med" len="med"/>
+                    </a:lnT>
+                    <a:lnB w="12700" cap="flat" cmpd="sng" algn="ctr">
+                      <a:solidFill>
+                        <a:schemeClr val="accent1"/>
+                      </a:solidFill>
+                      <a:prstDash val="solid"/>
+                      <a:round/>
+                      <a:headEnd type="none" w="med" len="med"/>
+                      <a:tailEnd type="none" w="med" len="med"/>
+                    </a:lnB>
+                    <a:lnTlToBr>
+                      <a:noFill/>
+                    </a:lnTlToBr>
+                    <a:lnBlToTr>
+                      <a:noFill/>
+                    </a:lnBlToTr>
+                    <a:solidFill>
+                      <a:schemeClr val="accent1">
+                        <a:alpha val="20000"/>
+                      </a:schemeClr>
+                    </a:solidFill>
+                  </a:tcPr>
                 </a:tc>
               </a:tr>
             </a:tbl>
@@ -19013,14 +21679,14 @@
       </p:graphicFrame>
       <p:pic>
         <p:nvPicPr>
-          <p:cNvPr id="6146" name="Picture 2"/>
+          <p:cNvPr id="25613" name="Picture 2"/>
           <p:cNvPicPr>
             <a:picLocks noChangeAspect="1" noChangeArrowheads="1"/>
           </p:cNvPicPr>
           <p:nvPr/>
         </p:nvPicPr>
         <p:blipFill>
-          <a:blip r:embed="rId2" cstate="print"/>
+          <a:blip r:embed="rId2"/>
           <a:srcRect/>
           <a:stretch>
             <a:fillRect/>
@@ -19028,7 +21694,7 @@
         </p:blipFill>
         <p:spPr bwMode="auto">
           <a:xfrm>
-            <a:off x="744885" y="2423542"/>
+            <a:off x="744538" y="2424113"/>
             <a:ext cx="1666875" cy="933450"/>
           </a:xfrm>
           <a:prstGeom prst="rect">
@@ -19045,14 +21711,14 @@
       </p:pic>
       <p:pic>
         <p:nvPicPr>
-          <p:cNvPr id="6147" name="Picture 3"/>
+          <p:cNvPr id="25614" name="Picture 3"/>
           <p:cNvPicPr>
             <a:picLocks noChangeAspect="1" noChangeArrowheads="1"/>
           </p:cNvPicPr>
           <p:nvPr/>
         </p:nvPicPr>
         <p:blipFill>
-          <a:blip r:embed="rId3" cstate="print"/>
+          <a:blip r:embed="rId3"/>
           <a:srcRect/>
           <a:stretch>
             <a:fillRect/>
@@ -19060,7 +21726,7 @@
         </p:blipFill>
         <p:spPr bwMode="auto">
           <a:xfrm>
-            <a:off x="1018828" y="3460229"/>
+            <a:off x="1019175" y="3460750"/>
             <a:ext cx="1104900" cy="904875"/>
           </a:xfrm>
           <a:prstGeom prst="rect">
